--- a/Tutorial.pptx
+++ b/Tutorial.pptx
@@ -6,16 +6,18 @@
   </p:sldMasterIdLst>
   <p:sldIdLst>
     <p:sldId id="257" r:id="rId2"/>
-    <p:sldId id="256" r:id="rId3"/>
-    <p:sldId id="259" r:id="rId4"/>
-    <p:sldId id="260" r:id="rId5"/>
-    <p:sldId id="261" r:id="rId6"/>
-    <p:sldId id="262" r:id="rId7"/>
-    <p:sldId id="263" r:id="rId8"/>
-    <p:sldId id="264" r:id="rId9"/>
-    <p:sldId id="265" r:id="rId10"/>
-    <p:sldId id="266" r:id="rId11"/>
-    <p:sldId id="267" r:id="rId12"/>
+    <p:sldId id="268" r:id="rId3"/>
+    <p:sldId id="269" r:id="rId4"/>
+    <p:sldId id="256" r:id="rId5"/>
+    <p:sldId id="259" r:id="rId6"/>
+    <p:sldId id="260" r:id="rId7"/>
+    <p:sldId id="261" r:id="rId8"/>
+    <p:sldId id="262" r:id="rId9"/>
+    <p:sldId id="263" r:id="rId10"/>
+    <p:sldId id="264" r:id="rId11"/>
+    <p:sldId id="265" r:id="rId12"/>
+    <p:sldId id="266" r:id="rId13"/>
+    <p:sldId id="267" r:id="rId14"/>
   </p:sldIdLst>
   <p:sldSz cx="12192000" cy="6858000"/>
   <p:notesSz cx="6858000" cy="9144000"/>
@@ -122,6 +124,18 @@
 </p:presentation>
 </file>
 
+<file path=ppt/commentAuthors.xml><?xml version="1.0" encoding="utf-8"?>
+<p:cmAuthorLst xmlns:a="http://schemas.openxmlformats.org/drawingml/2006/main" xmlns:r="http://schemas.openxmlformats.org/officeDocument/2006/relationships" xmlns:p="http://schemas.openxmlformats.org/presentationml/2006/main">
+  <p:cmAuthor id="1" name="Joel Peez" initials="JP" lastIdx="1" clrIdx="0">
+    <p:extLst>
+      <p:ext uri="{19B8F6BF-5375-455C-9EA6-DF929625EA0E}">
+        <p15:presenceInfo xmlns:p15="http://schemas.microsoft.com/office/powerpoint/2012/main" userId="S::jap165@uclive.ac.nz::b7e63c89-a530-44db-82d5-dbdf3d706e00" providerId="AD"/>
+      </p:ext>
+    </p:extLst>
+  </p:cmAuthor>
+</p:cmAuthorLst>
+</file>
+
 <file path=ppt/slideLayouts/slideLayout1.xml><?xml version="1.0" encoding="utf-8"?>
 <p:sldLayout xmlns:a="http://schemas.openxmlformats.org/drawingml/2006/main" xmlns:r="http://schemas.openxmlformats.org/officeDocument/2006/relationships" xmlns:p="http://schemas.openxmlformats.org/presentationml/2006/main" type="title" preserve="1">
   <p:cSld name="Title Slide">
@@ -271,7 +285,7 @@
           <a:p>
             <a:fld id="{5F93F40C-0176-4733-B887-E59020BA481A}" type="datetimeFigureOut">
               <a:rPr lang="en-NZ" smtClean="0"/>
-              <a:t>7/10/2021</a:t>
+              <a:t>9/10/2021</a:t>
             </a:fld>
             <a:endParaRPr lang="en-NZ"/>
           </a:p>
@@ -471,7 +485,7 @@
           <a:p>
             <a:fld id="{5F93F40C-0176-4733-B887-E59020BA481A}" type="datetimeFigureOut">
               <a:rPr lang="en-NZ" smtClean="0"/>
-              <a:t>7/10/2021</a:t>
+              <a:t>9/10/2021</a:t>
             </a:fld>
             <a:endParaRPr lang="en-NZ"/>
           </a:p>
@@ -681,7 +695,7 @@
           <a:p>
             <a:fld id="{5F93F40C-0176-4733-B887-E59020BA481A}" type="datetimeFigureOut">
               <a:rPr lang="en-NZ" smtClean="0"/>
-              <a:t>7/10/2021</a:t>
+              <a:t>9/10/2021</a:t>
             </a:fld>
             <a:endParaRPr lang="en-NZ"/>
           </a:p>
@@ -881,7 +895,7 @@
           <a:p>
             <a:fld id="{5F93F40C-0176-4733-B887-E59020BA481A}" type="datetimeFigureOut">
               <a:rPr lang="en-NZ" smtClean="0"/>
-              <a:t>7/10/2021</a:t>
+              <a:t>9/10/2021</a:t>
             </a:fld>
             <a:endParaRPr lang="en-NZ"/>
           </a:p>
@@ -1157,7 +1171,7 @@
           <a:p>
             <a:fld id="{5F93F40C-0176-4733-B887-E59020BA481A}" type="datetimeFigureOut">
               <a:rPr lang="en-NZ" smtClean="0"/>
-              <a:t>7/10/2021</a:t>
+              <a:t>9/10/2021</a:t>
             </a:fld>
             <a:endParaRPr lang="en-NZ"/>
           </a:p>
@@ -1425,7 +1439,7 @@
           <a:p>
             <a:fld id="{5F93F40C-0176-4733-B887-E59020BA481A}" type="datetimeFigureOut">
               <a:rPr lang="en-NZ" smtClean="0"/>
-              <a:t>7/10/2021</a:t>
+              <a:t>9/10/2021</a:t>
             </a:fld>
             <a:endParaRPr lang="en-NZ"/>
           </a:p>
@@ -1840,7 +1854,7 @@
           <a:p>
             <a:fld id="{5F93F40C-0176-4733-B887-E59020BA481A}" type="datetimeFigureOut">
               <a:rPr lang="en-NZ" smtClean="0"/>
-              <a:t>7/10/2021</a:t>
+              <a:t>9/10/2021</a:t>
             </a:fld>
             <a:endParaRPr lang="en-NZ"/>
           </a:p>
@@ -1982,7 +1996,7 @@
           <a:p>
             <a:fld id="{5F93F40C-0176-4733-B887-E59020BA481A}" type="datetimeFigureOut">
               <a:rPr lang="en-NZ" smtClean="0"/>
-              <a:t>7/10/2021</a:t>
+              <a:t>9/10/2021</a:t>
             </a:fld>
             <a:endParaRPr lang="en-NZ"/>
           </a:p>
@@ -2095,7 +2109,7 @@
           <a:p>
             <a:fld id="{5F93F40C-0176-4733-B887-E59020BA481A}" type="datetimeFigureOut">
               <a:rPr lang="en-NZ" smtClean="0"/>
-              <a:t>7/10/2021</a:t>
+              <a:t>9/10/2021</a:t>
             </a:fld>
             <a:endParaRPr lang="en-NZ"/>
           </a:p>
@@ -2408,7 +2422,7 @@
           <a:p>
             <a:fld id="{5F93F40C-0176-4733-B887-E59020BA481A}" type="datetimeFigureOut">
               <a:rPr lang="en-NZ" smtClean="0"/>
-              <a:t>7/10/2021</a:t>
+              <a:t>9/10/2021</a:t>
             </a:fld>
             <a:endParaRPr lang="en-NZ"/>
           </a:p>
@@ -2697,7 +2711,7 @@
           <a:p>
             <a:fld id="{5F93F40C-0176-4733-B887-E59020BA481A}" type="datetimeFigureOut">
               <a:rPr lang="en-NZ" smtClean="0"/>
-              <a:t>7/10/2021</a:t>
+              <a:t>9/10/2021</a:t>
             </a:fld>
             <a:endParaRPr lang="en-NZ"/>
           </a:p>
@@ -2943,7 +2957,7 @@
           <a:p>
             <a:fld id="{5F93F40C-0176-4733-B887-E59020BA481A}" type="datetimeFigureOut">
               <a:rPr lang="en-NZ" smtClean="0"/>
-              <a:t>7/10/2021</a:t>
+              <a:t>9/10/2021</a:t>
             </a:fld>
             <a:endParaRPr lang="en-NZ"/>
           </a:p>
@@ -3430,14 +3444,6 @@
           <a:bodyPr/>
           <a:lstStyle/>
           <a:p>
-            <a:r>
-              <a:rPr lang="en-US" sz="3600" dirty="0">
-                <a:solidFill>
-                  <a:schemeClr val="bg1"/>
-                </a:solidFill>
-              </a:rPr>
-              <a:t>Tutorial</a:t>
-            </a:r>
             <a:endParaRPr lang="en-US" dirty="0">
               <a:solidFill>
                 <a:schemeClr val="bg1"/>
@@ -3511,7 +3517,7 @@
                 </a:solidFill>
                 <a:latin typeface="Abadi" panose="020B0604020202020204" pitchFamily="34" charset="0"/>
               </a:rPr>
-              <a:t>Discarding</a:t>
+              <a:t>Cooking</a:t>
             </a:r>
             <a:endParaRPr lang="en-NZ" sz="8000" b="1" dirty="0">
               <a:solidFill>
@@ -3537,7 +3543,7 @@
         <p:spPr>
           <a:xfrm>
             <a:off x="4415790" y="2980290"/>
-            <a:ext cx="5063490" cy="923330"/>
+            <a:ext cx="5063490" cy="1754326"/>
           </a:xfrm>
           <a:prstGeom prst="rect">
             <a:avLst/>
@@ -3560,7 +3566,7 @@
                   <a:schemeClr val="bg1"/>
                 </a:solidFill>
               </a:rPr>
-              <a:t>You can discard cards rather than using them</a:t>
+              <a:t>When used on an obstacle tile, will create a meal</a:t>
             </a:r>
           </a:p>
           <a:p>
@@ -3574,7 +3580,35 @@
                   <a:schemeClr val="bg1"/>
                 </a:solidFill>
               </a:rPr>
-              <a:t>This gives you the ability to move one tile to an empty space on the board</a:t>
+              <a:t>The directional arrows on the card indicate which adjacent food tiles will be used in the meal</a:t>
+            </a:r>
+          </a:p>
+          <a:p>
+            <a:pPr marL="285750" indent="-285750">
+              <a:buFontTx/>
+              <a:buChar char="-"/>
+            </a:pPr>
+            <a:r>
+              <a:rPr lang="en-US" dirty="0">
+                <a:solidFill>
+                  <a:schemeClr val="bg1"/>
+                </a:solidFill>
+              </a:rPr>
+              <a:t>If those tiles do not contain food, they will be ignored, and won’t give points</a:t>
+            </a:r>
+          </a:p>
+          <a:p>
+            <a:pPr marL="285750" indent="-285750">
+              <a:buFontTx/>
+              <a:buChar char="-"/>
+            </a:pPr>
+            <a:r>
+              <a:rPr lang="en-US" dirty="0">
+                <a:solidFill>
+                  <a:schemeClr val="bg1"/>
+                </a:solidFill>
+              </a:rPr>
+              <a:t>Light purple colour</a:t>
             </a:r>
           </a:p>
         </p:txBody>
@@ -3820,10 +3854,10 @@
       </p:pic>
       <p:pic>
         <p:nvPicPr>
-          <p:cNvPr id="24" name="Picture 23">
-            <a:extLst>
-              <a:ext uri="{FF2B5EF4-FFF2-40B4-BE49-F238E27FC236}">
-                <a16:creationId xmlns:a16="http://schemas.microsoft.com/office/drawing/2014/main" id="{50909838-5856-43FD-B21F-459BF2B7C90D}"/>
+          <p:cNvPr id="21" name="Picture 20">
+            <a:extLst>
+              <a:ext uri="{FF2B5EF4-FFF2-40B4-BE49-F238E27FC236}">
+                <a16:creationId xmlns:a16="http://schemas.microsoft.com/office/drawing/2014/main" id="{CEAB6A5F-48BD-42DF-8E46-9FEE82F85DB5}"/>
               </a:ext>
             </a:extLst>
           </p:cNvPr>
@@ -3834,77 +3868,25 @@
         </p:nvPicPr>
         <p:blipFill rotWithShape="1">
           <a:blip r:embed="rId7"/>
-          <a:srcRect l="35366" t="9132" r="4764"/>
+          <a:srcRect l="3742" t="4141" r="65476"/>
           <a:stretch/>
         </p:blipFill>
         <p:spPr>
           <a:xfrm>
-            <a:off x="11034738" y="1673559"/>
-            <a:ext cx="552450" cy="393581"/>
+            <a:off x="2298700" y="3718954"/>
+            <a:ext cx="889000" cy="1299509"/>
           </a:xfrm>
           <a:prstGeom prst="rect">
             <a:avLst/>
           </a:prstGeom>
         </p:spPr>
       </p:pic>
-      <p:sp>
-        <p:nvSpPr>
-          <p:cNvPr id="3" name="TextBox 2">
-            <a:extLst>
-              <a:ext uri="{FF2B5EF4-FFF2-40B4-BE49-F238E27FC236}">
-                <a16:creationId xmlns:a16="http://schemas.microsoft.com/office/drawing/2014/main" id="{484944AF-3748-444B-83BA-5EBE05BE02AA}"/>
-              </a:ext>
-            </a:extLst>
-          </p:cNvPr>
-          <p:cNvSpPr txBox="1"/>
-          <p:nvPr/>
-        </p:nvSpPr>
-        <p:spPr>
-          <a:xfrm>
-            <a:off x="9052560" y="6488668"/>
-            <a:ext cx="3230822" cy="369332"/>
-          </a:xfrm>
-          <a:prstGeom prst="rect">
-            <a:avLst/>
-          </a:prstGeom>
-          <a:noFill/>
-        </p:spPr>
-        <p:txBody>
-          <a:bodyPr wrap="square" rtlCol="0">
-            <a:spAutoFit/>
-          </a:bodyPr>
-          <a:lstStyle/>
-          <a:p>
-            <a:r>
-              <a:rPr lang="en-US" dirty="0">
-                <a:solidFill>
-                  <a:schemeClr val="bg1"/>
-                </a:solidFill>
-              </a:rPr>
-              <a:t>NB: This card will be </a:t>
-            </a:r>
-            <a:r>
-              <a:rPr lang="en-US" dirty="0" err="1">
-                <a:solidFill>
-                  <a:schemeClr val="bg1"/>
-                </a:solidFill>
-              </a:rPr>
-              <a:t>reflavoured</a:t>
-            </a:r>
-            <a:endParaRPr lang="en-NZ" dirty="0">
-              <a:solidFill>
-                <a:schemeClr val="bg1"/>
-              </a:solidFill>
-            </a:endParaRPr>
-          </a:p>
-        </p:txBody>
-      </p:sp>
       <p:pic>
         <p:nvPicPr>
-          <p:cNvPr id="5" name="Picture 4">
-            <a:extLst>
-              <a:ext uri="{FF2B5EF4-FFF2-40B4-BE49-F238E27FC236}">
-                <a16:creationId xmlns:a16="http://schemas.microsoft.com/office/drawing/2014/main" id="{22FE9E45-8553-4D27-9157-84DB85A0611C}"/>
+          <p:cNvPr id="24" name="Picture 23">
+            <a:extLst>
+              <a:ext uri="{FF2B5EF4-FFF2-40B4-BE49-F238E27FC236}">
+                <a16:creationId xmlns:a16="http://schemas.microsoft.com/office/drawing/2014/main" id="{50909838-5856-43FD-B21F-459BF2B7C90D}"/>
               </a:ext>
             </a:extLst>
           </p:cNvPr>
@@ -3913,45 +3895,15 @@
           </p:cNvPicPr>
           <p:nvPr/>
         </p:nvPicPr>
-        <p:blipFill>
-          <a:blip r:embed="rId8"/>
-          <a:stretch>
-            <a:fillRect/>
-          </a:stretch>
-        </p:blipFill>
-        <p:spPr>
-          <a:xfrm>
-            <a:off x="1605594" y="3150160"/>
-            <a:ext cx="1107126" cy="1506920"/>
-          </a:xfrm>
-          <a:prstGeom prst="rect">
-            <a:avLst/>
-          </a:prstGeom>
-        </p:spPr>
-      </p:pic>
-      <p:pic>
-        <p:nvPicPr>
-          <p:cNvPr id="19" name="Picture 18">
-            <a:extLst>
-              <a:ext uri="{FF2B5EF4-FFF2-40B4-BE49-F238E27FC236}">
-                <a16:creationId xmlns:a16="http://schemas.microsoft.com/office/drawing/2014/main" id="{7E0C8289-56EB-4893-857A-3674E44DA5AC}"/>
-              </a:ext>
-            </a:extLst>
-          </p:cNvPr>
-          <p:cNvPicPr>
-            <a:picLocks noChangeAspect="1"/>
-          </p:cNvPicPr>
-          <p:nvPr/>
-        </p:nvPicPr>
         <p:blipFill rotWithShape="1">
-          <a:blip r:embed="rId8"/>
-          <a:srcRect l="10884" t="13193" r="8466" b="57085"/>
+          <a:blip r:embed="rId7"/>
+          <a:srcRect l="3742" t="9132" r="65476"/>
           <a:stretch/>
         </p:blipFill>
         <p:spPr>
           <a:xfrm>
-            <a:off x="11913392" y="1689508"/>
-            <a:ext cx="269082" cy="134974"/>
+            <a:off x="11031032" y="1676400"/>
+            <a:ext cx="284040" cy="393581"/>
           </a:xfrm>
           <a:prstGeom prst="rect">
             <a:avLst/>
@@ -3961,7 +3913,7 @@
     </p:spTree>
     <p:extLst>
       <p:ext uri="{BB962C8B-B14F-4D97-AF65-F5344CB8AC3E}">
-        <p14:creationId xmlns:p14="http://schemas.microsoft.com/office/powerpoint/2010/main" val="1571823934"/>
+        <p14:creationId xmlns:p14="http://schemas.microsoft.com/office/powerpoint/2010/main" val="2739632303"/>
       </p:ext>
     </p:extLst>
   </p:cSld>
@@ -4023,6 +3975,1000 @@
                 </a:solidFill>
                 <a:latin typeface="Abadi" panose="020B0604020202020204" pitchFamily="34" charset="0"/>
               </a:rPr>
+              <a:t>Explosives</a:t>
+            </a:r>
+            <a:endParaRPr lang="en-NZ" sz="8000" b="1" dirty="0">
+              <a:solidFill>
+                <a:schemeClr val="bg1"/>
+              </a:solidFill>
+              <a:latin typeface="Abadi" panose="020B0604020202020204" pitchFamily="34" charset="0"/>
+            </a:endParaRPr>
+          </a:p>
+        </p:txBody>
+      </p:sp>
+      <p:sp>
+        <p:nvSpPr>
+          <p:cNvPr id="2" name="TextBox 1">
+            <a:extLst>
+              <a:ext uri="{FF2B5EF4-FFF2-40B4-BE49-F238E27FC236}">
+                <a16:creationId xmlns:a16="http://schemas.microsoft.com/office/drawing/2014/main" id="{CB456621-C0AC-4F41-8357-EFB863813DE8}"/>
+              </a:ext>
+            </a:extLst>
+          </p:cNvPr>
+          <p:cNvSpPr txBox="1"/>
+          <p:nvPr/>
+        </p:nvSpPr>
+        <p:spPr>
+          <a:xfrm>
+            <a:off x="4415790" y="2980290"/>
+            <a:ext cx="5063490" cy="923330"/>
+          </a:xfrm>
+          <a:prstGeom prst="rect">
+            <a:avLst/>
+          </a:prstGeom>
+          <a:noFill/>
+        </p:spPr>
+        <p:txBody>
+          <a:bodyPr wrap="square" rtlCol="0">
+            <a:spAutoFit/>
+          </a:bodyPr>
+          <a:lstStyle/>
+          <a:p>
+            <a:pPr marL="285750" indent="-285750">
+              <a:buFontTx/>
+              <a:buChar char="-"/>
+            </a:pPr>
+            <a:r>
+              <a:rPr lang="en-US" dirty="0">
+                <a:solidFill>
+                  <a:schemeClr val="bg1"/>
+                </a:solidFill>
+              </a:rPr>
+              <a:t>When used on a tile will destroy it, removing it from the game entirely</a:t>
+            </a:r>
+          </a:p>
+          <a:p>
+            <a:pPr marL="285750" indent="-285750">
+              <a:buFontTx/>
+              <a:buChar char="-"/>
+            </a:pPr>
+            <a:r>
+              <a:rPr lang="en-US" dirty="0">
+                <a:solidFill>
+                  <a:schemeClr val="bg1"/>
+                </a:solidFill>
+              </a:rPr>
+              <a:t>Red Colour</a:t>
+            </a:r>
+          </a:p>
+        </p:txBody>
+      </p:sp>
+      <p:pic>
+        <p:nvPicPr>
+          <p:cNvPr id="13" name="Picture 12">
+            <a:extLst>
+              <a:ext uri="{FF2B5EF4-FFF2-40B4-BE49-F238E27FC236}">
+                <a16:creationId xmlns:a16="http://schemas.microsoft.com/office/drawing/2014/main" id="{48F15449-842A-4AA6-BB53-0419AF6216B9}"/>
+              </a:ext>
+            </a:extLst>
+          </p:cNvPr>
+          <p:cNvPicPr>
+            <a:picLocks noChangeAspect="1"/>
+          </p:cNvPicPr>
+          <p:nvPr/>
+        </p:nvPicPr>
+        <p:blipFill rotWithShape="1">
+          <a:blip r:embed="rId2"/>
+          <a:srcRect r="2211" b="1745"/>
+          <a:stretch/>
+        </p:blipFill>
+        <p:spPr>
+          <a:xfrm>
+            <a:off x="11020450" y="2500"/>
+            <a:ext cx="1171550" cy="2077006"/>
+          </a:xfrm>
+          <a:prstGeom prst="rect">
+            <a:avLst/>
+          </a:prstGeom>
+        </p:spPr>
+      </p:pic>
+      <p:pic>
+        <p:nvPicPr>
+          <p:cNvPr id="14" name="Picture 13">
+            <a:extLst>
+              <a:ext uri="{FF2B5EF4-FFF2-40B4-BE49-F238E27FC236}">
+                <a16:creationId xmlns:a16="http://schemas.microsoft.com/office/drawing/2014/main" id="{349CE3C8-C939-4558-8A55-95C37D187978}"/>
+              </a:ext>
+            </a:extLst>
+          </p:cNvPr>
+          <p:cNvPicPr>
+            <a:picLocks noChangeAspect="1"/>
+          </p:cNvPicPr>
+          <p:nvPr/>
+        </p:nvPicPr>
+        <p:blipFill>
+          <a:blip r:embed="rId3"/>
+          <a:stretch>
+            <a:fillRect/>
+          </a:stretch>
+        </p:blipFill>
+        <p:spPr>
+          <a:xfrm>
+            <a:off x="11069772" y="523875"/>
+            <a:ext cx="348475" cy="353060"/>
+          </a:xfrm>
+          <a:prstGeom prst="rect">
+            <a:avLst/>
+          </a:prstGeom>
+        </p:spPr>
+      </p:pic>
+      <p:pic>
+        <p:nvPicPr>
+          <p:cNvPr id="15" name="Picture 14">
+            <a:extLst>
+              <a:ext uri="{FF2B5EF4-FFF2-40B4-BE49-F238E27FC236}">
+                <a16:creationId xmlns:a16="http://schemas.microsoft.com/office/drawing/2014/main" id="{BC3A112E-0F59-4916-BC67-B655F1039FA8}"/>
+              </a:ext>
+            </a:extLst>
+          </p:cNvPr>
+          <p:cNvPicPr>
+            <a:picLocks noChangeAspect="1"/>
+          </p:cNvPicPr>
+          <p:nvPr/>
+        </p:nvPicPr>
+        <p:blipFill>
+          <a:blip r:embed="rId3"/>
+          <a:stretch>
+            <a:fillRect/>
+          </a:stretch>
+        </p:blipFill>
+        <p:spPr>
+          <a:xfrm>
+            <a:off x="11064369" y="891587"/>
+            <a:ext cx="348475" cy="353060"/>
+          </a:xfrm>
+          <a:prstGeom prst="rect">
+            <a:avLst/>
+          </a:prstGeom>
+        </p:spPr>
+      </p:pic>
+      <p:pic>
+        <p:nvPicPr>
+          <p:cNvPr id="16" name="Picture 15">
+            <a:extLst>
+              <a:ext uri="{FF2B5EF4-FFF2-40B4-BE49-F238E27FC236}">
+                <a16:creationId xmlns:a16="http://schemas.microsoft.com/office/drawing/2014/main" id="{EF9B9236-BA86-4E9F-9376-6052B2D148C5}"/>
+              </a:ext>
+            </a:extLst>
+          </p:cNvPr>
+          <p:cNvPicPr>
+            <a:picLocks noChangeAspect="1"/>
+          </p:cNvPicPr>
+          <p:nvPr/>
+        </p:nvPicPr>
+        <p:blipFill>
+          <a:blip r:embed="rId4"/>
+          <a:stretch>
+            <a:fillRect/>
+          </a:stretch>
+        </p:blipFill>
+        <p:spPr>
+          <a:xfrm>
+            <a:off x="11794621" y="891587"/>
+            <a:ext cx="348475" cy="358022"/>
+          </a:xfrm>
+          <a:prstGeom prst="rect">
+            <a:avLst/>
+          </a:prstGeom>
+        </p:spPr>
+      </p:pic>
+      <p:pic>
+        <p:nvPicPr>
+          <p:cNvPr id="17" name="Picture 16">
+            <a:extLst>
+              <a:ext uri="{FF2B5EF4-FFF2-40B4-BE49-F238E27FC236}">
+                <a16:creationId xmlns:a16="http://schemas.microsoft.com/office/drawing/2014/main" id="{D4958C36-F975-48B9-A968-A190871C0100}"/>
+              </a:ext>
+            </a:extLst>
+          </p:cNvPr>
+          <p:cNvPicPr>
+            <a:picLocks noChangeAspect="1"/>
+          </p:cNvPicPr>
+          <p:nvPr/>
+        </p:nvPicPr>
+        <p:blipFill>
+          <a:blip r:embed="rId4"/>
+          <a:stretch>
+            <a:fillRect/>
+          </a:stretch>
+        </p:blipFill>
+        <p:spPr>
+          <a:xfrm>
+            <a:off x="11794621" y="1265721"/>
+            <a:ext cx="348475" cy="358022"/>
+          </a:xfrm>
+          <a:prstGeom prst="rect">
+            <a:avLst/>
+          </a:prstGeom>
+        </p:spPr>
+      </p:pic>
+      <p:pic>
+        <p:nvPicPr>
+          <p:cNvPr id="18" name="Picture 17">
+            <a:extLst>
+              <a:ext uri="{FF2B5EF4-FFF2-40B4-BE49-F238E27FC236}">
+                <a16:creationId xmlns:a16="http://schemas.microsoft.com/office/drawing/2014/main" id="{F5291168-CD6F-4A17-9700-C347C761F043}"/>
+              </a:ext>
+            </a:extLst>
+          </p:cNvPr>
+          <p:cNvPicPr>
+            <a:picLocks noChangeAspect="1"/>
+          </p:cNvPicPr>
+          <p:nvPr/>
+        </p:nvPicPr>
+        <p:blipFill>
+          <a:blip r:embed="rId4"/>
+          <a:stretch>
+            <a:fillRect/>
+          </a:stretch>
+        </p:blipFill>
+        <p:spPr>
+          <a:xfrm>
+            <a:off x="11446146" y="1265721"/>
+            <a:ext cx="348475" cy="358022"/>
+          </a:xfrm>
+          <a:prstGeom prst="rect">
+            <a:avLst/>
+          </a:prstGeom>
+        </p:spPr>
+      </p:pic>
+      <p:pic>
+        <p:nvPicPr>
+          <p:cNvPr id="22" name="Picture 21">
+            <a:extLst>
+              <a:ext uri="{FF2B5EF4-FFF2-40B4-BE49-F238E27FC236}">
+                <a16:creationId xmlns:a16="http://schemas.microsoft.com/office/drawing/2014/main" id="{EBC970C8-A9AD-44F1-B992-CE77079C8915}"/>
+              </a:ext>
+            </a:extLst>
+          </p:cNvPr>
+          <p:cNvPicPr>
+            <a:picLocks noChangeAspect="1"/>
+          </p:cNvPicPr>
+          <p:nvPr/>
+        </p:nvPicPr>
+        <p:blipFill>
+          <a:blip r:embed="rId5"/>
+          <a:stretch>
+            <a:fillRect/>
+          </a:stretch>
+        </p:blipFill>
+        <p:spPr>
+          <a:xfrm>
+            <a:off x="11431987" y="517582"/>
+            <a:ext cx="348475" cy="357893"/>
+          </a:xfrm>
+          <a:prstGeom prst="rect">
+            <a:avLst/>
+          </a:prstGeom>
+        </p:spPr>
+      </p:pic>
+      <p:pic>
+        <p:nvPicPr>
+          <p:cNvPr id="23" name="Picture 22">
+            <a:extLst>
+              <a:ext uri="{FF2B5EF4-FFF2-40B4-BE49-F238E27FC236}">
+                <a16:creationId xmlns:a16="http://schemas.microsoft.com/office/drawing/2014/main" id="{FD9FB174-09BE-4E8E-977C-5461B32E56AA}"/>
+              </a:ext>
+            </a:extLst>
+          </p:cNvPr>
+          <p:cNvPicPr>
+            <a:picLocks noChangeAspect="1"/>
+          </p:cNvPicPr>
+          <p:nvPr/>
+        </p:nvPicPr>
+        <p:blipFill>
+          <a:blip r:embed="rId6"/>
+          <a:stretch>
+            <a:fillRect/>
+          </a:stretch>
+        </p:blipFill>
+        <p:spPr>
+          <a:xfrm>
+            <a:off x="11431987" y="889039"/>
+            <a:ext cx="348475" cy="358155"/>
+          </a:xfrm>
+          <a:prstGeom prst="rect">
+            <a:avLst/>
+          </a:prstGeom>
+        </p:spPr>
+      </p:pic>
+      <p:pic>
+        <p:nvPicPr>
+          <p:cNvPr id="21" name="Picture 20">
+            <a:extLst>
+              <a:ext uri="{FF2B5EF4-FFF2-40B4-BE49-F238E27FC236}">
+                <a16:creationId xmlns:a16="http://schemas.microsoft.com/office/drawing/2014/main" id="{CEAB6A5F-48BD-42DF-8E46-9FEE82F85DB5}"/>
+              </a:ext>
+            </a:extLst>
+          </p:cNvPr>
+          <p:cNvPicPr>
+            <a:picLocks noChangeAspect="1"/>
+          </p:cNvPicPr>
+          <p:nvPr/>
+        </p:nvPicPr>
+        <p:blipFill rotWithShape="1">
+          <a:blip r:embed="rId7"/>
+          <a:srcRect l="65438" t="4141" r="4088"/>
+          <a:stretch/>
+        </p:blipFill>
+        <p:spPr>
+          <a:xfrm>
+            <a:off x="2125980" y="3493185"/>
+            <a:ext cx="880110" cy="1299509"/>
+          </a:xfrm>
+          <a:prstGeom prst="rect">
+            <a:avLst/>
+          </a:prstGeom>
+        </p:spPr>
+      </p:pic>
+      <p:pic>
+        <p:nvPicPr>
+          <p:cNvPr id="24" name="Picture 23">
+            <a:extLst>
+              <a:ext uri="{FF2B5EF4-FFF2-40B4-BE49-F238E27FC236}">
+                <a16:creationId xmlns:a16="http://schemas.microsoft.com/office/drawing/2014/main" id="{50909838-5856-43FD-B21F-459BF2B7C90D}"/>
+              </a:ext>
+            </a:extLst>
+          </p:cNvPr>
+          <p:cNvPicPr>
+            <a:picLocks noChangeAspect="1"/>
+          </p:cNvPicPr>
+          <p:nvPr/>
+        </p:nvPicPr>
+        <p:blipFill rotWithShape="1">
+          <a:blip r:embed="rId7"/>
+          <a:srcRect l="35366" t="9132" r="4764"/>
+          <a:stretch/>
+        </p:blipFill>
+        <p:spPr>
+          <a:xfrm>
+            <a:off x="11034738" y="1673559"/>
+            <a:ext cx="552450" cy="393581"/>
+          </a:xfrm>
+          <a:prstGeom prst="rect">
+            <a:avLst/>
+          </a:prstGeom>
+        </p:spPr>
+      </p:pic>
+      <p:sp>
+        <p:nvSpPr>
+          <p:cNvPr id="3" name="TextBox 2">
+            <a:extLst>
+              <a:ext uri="{FF2B5EF4-FFF2-40B4-BE49-F238E27FC236}">
+                <a16:creationId xmlns:a16="http://schemas.microsoft.com/office/drawing/2014/main" id="{484944AF-3748-444B-83BA-5EBE05BE02AA}"/>
+              </a:ext>
+            </a:extLst>
+          </p:cNvPr>
+          <p:cNvSpPr txBox="1"/>
+          <p:nvPr/>
+        </p:nvSpPr>
+        <p:spPr>
+          <a:xfrm>
+            <a:off x="9052560" y="6488668"/>
+            <a:ext cx="3230822" cy="369332"/>
+          </a:xfrm>
+          <a:prstGeom prst="rect">
+            <a:avLst/>
+          </a:prstGeom>
+          <a:noFill/>
+        </p:spPr>
+        <p:txBody>
+          <a:bodyPr wrap="square" rtlCol="0">
+            <a:spAutoFit/>
+          </a:bodyPr>
+          <a:lstStyle/>
+          <a:p>
+            <a:r>
+              <a:rPr lang="en-US" dirty="0">
+                <a:solidFill>
+                  <a:schemeClr val="bg1"/>
+                </a:solidFill>
+              </a:rPr>
+              <a:t>NB: This card will be </a:t>
+            </a:r>
+            <a:r>
+              <a:rPr lang="en-US" dirty="0" err="1">
+                <a:solidFill>
+                  <a:schemeClr val="bg1"/>
+                </a:solidFill>
+              </a:rPr>
+              <a:t>reflavoured</a:t>
+            </a:r>
+            <a:endParaRPr lang="en-NZ" dirty="0">
+              <a:solidFill>
+                <a:schemeClr val="bg1"/>
+              </a:solidFill>
+            </a:endParaRPr>
+          </a:p>
+        </p:txBody>
+      </p:sp>
+    </p:spTree>
+    <p:extLst>
+      <p:ext uri="{BB962C8B-B14F-4D97-AF65-F5344CB8AC3E}">
+        <p14:creationId xmlns:p14="http://schemas.microsoft.com/office/powerpoint/2010/main" val="1733680375"/>
+      </p:ext>
+    </p:extLst>
+  </p:cSld>
+  <p:clrMapOvr>
+    <a:masterClrMapping/>
+  </p:clrMapOvr>
+</p:sld>
+</file>
+
+<file path=ppt/slides/slide12.xml><?xml version="1.0" encoding="utf-8"?>
+<p:sld xmlns:a="http://schemas.openxmlformats.org/drawingml/2006/main" xmlns:r="http://schemas.openxmlformats.org/officeDocument/2006/relationships" xmlns:p="http://schemas.openxmlformats.org/presentationml/2006/main">
+  <p:cSld>
+    <p:spTree>
+      <p:nvGrpSpPr>
+        <p:cNvPr id="1" name=""/>
+        <p:cNvGrpSpPr/>
+        <p:nvPr/>
+      </p:nvGrpSpPr>
+      <p:grpSpPr>
+        <a:xfrm>
+          <a:off x="0" y="0"/>
+          <a:ext cx="0" cy="0"/>
+          <a:chOff x="0" y="0"/>
+          <a:chExt cx="0" cy="0"/>
+        </a:xfrm>
+      </p:grpSpPr>
+      <p:sp>
+        <p:nvSpPr>
+          <p:cNvPr id="20" name="Title 1">
+            <a:extLst>
+              <a:ext uri="{FF2B5EF4-FFF2-40B4-BE49-F238E27FC236}">
+                <a16:creationId xmlns:a16="http://schemas.microsoft.com/office/drawing/2014/main" id="{544E256E-F371-41F7-A507-3DD7C98198F6}"/>
+              </a:ext>
+            </a:extLst>
+          </p:cNvPr>
+          <p:cNvSpPr>
+            <a:spLocks noGrp="1"/>
+          </p:cNvSpPr>
+          <p:nvPr>
+            <p:ph type="ctrTitle"/>
+          </p:nvPr>
+        </p:nvSpPr>
+        <p:spPr>
+          <a:xfrm>
+            <a:off x="0" y="496380"/>
+            <a:ext cx="12192000" cy="1143475"/>
+          </a:xfrm>
+        </p:spPr>
+        <p:txBody>
+          <a:bodyPr>
+            <a:normAutofit fontScale="90000"/>
+          </a:bodyPr>
+          <a:lstStyle/>
+          <a:p>
+            <a:r>
+              <a:rPr lang="en-US" sz="8000" b="1" dirty="0">
+                <a:solidFill>
+                  <a:schemeClr val="bg1"/>
+                </a:solidFill>
+                <a:latin typeface="Abadi" panose="020B0604020202020204" pitchFamily="34" charset="0"/>
+              </a:rPr>
+              <a:t>Discarding</a:t>
+            </a:r>
+            <a:endParaRPr lang="en-NZ" sz="8000" b="1" dirty="0">
+              <a:solidFill>
+                <a:schemeClr val="bg1"/>
+              </a:solidFill>
+              <a:latin typeface="Abadi" panose="020B0604020202020204" pitchFamily="34" charset="0"/>
+            </a:endParaRPr>
+          </a:p>
+        </p:txBody>
+      </p:sp>
+      <p:sp>
+        <p:nvSpPr>
+          <p:cNvPr id="2" name="TextBox 1">
+            <a:extLst>
+              <a:ext uri="{FF2B5EF4-FFF2-40B4-BE49-F238E27FC236}">
+                <a16:creationId xmlns:a16="http://schemas.microsoft.com/office/drawing/2014/main" id="{CB456621-C0AC-4F41-8357-EFB863813DE8}"/>
+              </a:ext>
+            </a:extLst>
+          </p:cNvPr>
+          <p:cNvSpPr txBox="1"/>
+          <p:nvPr/>
+        </p:nvSpPr>
+        <p:spPr>
+          <a:xfrm>
+            <a:off x="4415790" y="2980290"/>
+            <a:ext cx="5063490" cy="923330"/>
+          </a:xfrm>
+          <a:prstGeom prst="rect">
+            <a:avLst/>
+          </a:prstGeom>
+          <a:noFill/>
+        </p:spPr>
+        <p:txBody>
+          <a:bodyPr wrap="square" rtlCol="0">
+            <a:spAutoFit/>
+          </a:bodyPr>
+          <a:lstStyle/>
+          <a:p>
+            <a:pPr marL="285750" indent="-285750">
+              <a:buFontTx/>
+              <a:buChar char="-"/>
+            </a:pPr>
+            <a:r>
+              <a:rPr lang="en-US" dirty="0">
+                <a:solidFill>
+                  <a:schemeClr val="bg1"/>
+                </a:solidFill>
+              </a:rPr>
+              <a:t>You can discard cards rather than using them</a:t>
+            </a:r>
+          </a:p>
+          <a:p>
+            <a:pPr marL="285750" indent="-285750">
+              <a:buFontTx/>
+              <a:buChar char="-"/>
+            </a:pPr>
+            <a:r>
+              <a:rPr lang="en-US" dirty="0">
+                <a:solidFill>
+                  <a:schemeClr val="bg1"/>
+                </a:solidFill>
+              </a:rPr>
+              <a:t>This gives you the ability to move one tile to an empty space on the board</a:t>
+            </a:r>
+          </a:p>
+        </p:txBody>
+      </p:sp>
+      <p:pic>
+        <p:nvPicPr>
+          <p:cNvPr id="13" name="Picture 12">
+            <a:extLst>
+              <a:ext uri="{FF2B5EF4-FFF2-40B4-BE49-F238E27FC236}">
+                <a16:creationId xmlns:a16="http://schemas.microsoft.com/office/drawing/2014/main" id="{48F15449-842A-4AA6-BB53-0419AF6216B9}"/>
+              </a:ext>
+            </a:extLst>
+          </p:cNvPr>
+          <p:cNvPicPr>
+            <a:picLocks noChangeAspect="1"/>
+          </p:cNvPicPr>
+          <p:nvPr/>
+        </p:nvPicPr>
+        <p:blipFill rotWithShape="1">
+          <a:blip r:embed="rId2"/>
+          <a:srcRect r="2211" b="1745"/>
+          <a:stretch/>
+        </p:blipFill>
+        <p:spPr>
+          <a:xfrm>
+            <a:off x="11020450" y="2500"/>
+            <a:ext cx="1171550" cy="2077006"/>
+          </a:xfrm>
+          <a:prstGeom prst="rect">
+            <a:avLst/>
+          </a:prstGeom>
+        </p:spPr>
+      </p:pic>
+      <p:pic>
+        <p:nvPicPr>
+          <p:cNvPr id="14" name="Picture 13">
+            <a:extLst>
+              <a:ext uri="{FF2B5EF4-FFF2-40B4-BE49-F238E27FC236}">
+                <a16:creationId xmlns:a16="http://schemas.microsoft.com/office/drawing/2014/main" id="{349CE3C8-C939-4558-8A55-95C37D187978}"/>
+              </a:ext>
+            </a:extLst>
+          </p:cNvPr>
+          <p:cNvPicPr>
+            <a:picLocks noChangeAspect="1"/>
+          </p:cNvPicPr>
+          <p:nvPr/>
+        </p:nvPicPr>
+        <p:blipFill>
+          <a:blip r:embed="rId3"/>
+          <a:stretch>
+            <a:fillRect/>
+          </a:stretch>
+        </p:blipFill>
+        <p:spPr>
+          <a:xfrm>
+            <a:off x="11069772" y="523875"/>
+            <a:ext cx="348475" cy="353060"/>
+          </a:xfrm>
+          <a:prstGeom prst="rect">
+            <a:avLst/>
+          </a:prstGeom>
+        </p:spPr>
+      </p:pic>
+      <p:pic>
+        <p:nvPicPr>
+          <p:cNvPr id="15" name="Picture 14">
+            <a:extLst>
+              <a:ext uri="{FF2B5EF4-FFF2-40B4-BE49-F238E27FC236}">
+                <a16:creationId xmlns:a16="http://schemas.microsoft.com/office/drawing/2014/main" id="{BC3A112E-0F59-4916-BC67-B655F1039FA8}"/>
+              </a:ext>
+            </a:extLst>
+          </p:cNvPr>
+          <p:cNvPicPr>
+            <a:picLocks noChangeAspect="1"/>
+          </p:cNvPicPr>
+          <p:nvPr/>
+        </p:nvPicPr>
+        <p:blipFill>
+          <a:blip r:embed="rId3"/>
+          <a:stretch>
+            <a:fillRect/>
+          </a:stretch>
+        </p:blipFill>
+        <p:spPr>
+          <a:xfrm>
+            <a:off x="11064369" y="891587"/>
+            <a:ext cx="348475" cy="353060"/>
+          </a:xfrm>
+          <a:prstGeom prst="rect">
+            <a:avLst/>
+          </a:prstGeom>
+        </p:spPr>
+      </p:pic>
+      <p:pic>
+        <p:nvPicPr>
+          <p:cNvPr id="16" name="Picture 15">
+            <a:extLst>
+              <a:ext uri="{FF2B5EF4-FFF2-40B4-BE49-F238E27FC236}">
+                <a16:creationId xmlns:a16="http://schemas.microsoft.com/office/drawing/2014/main" id="{EF9B9236-BA86-4E9F-9376-6052B2D148C5}"/>
+              </a:ext>
+            </a:extLst>
+          </p:cNvPr>
+          <p:cNvPicPr>
+            <a:picLocks noChangeAspect="1"/>
+          </p:cNvPicPr>
+          <p:nvPr/>
+        </p:nvPicPr>
+        <p:blipFill>
+          <a:blip r:embed="rId4"/>
+          <a:stretch>
+            <a:fillRect/>
+          </a:stretch>
+        </p:blipFill>
+        <p:spPr>
+          <a:xfrm>
+            <a:off x="11794621" y="891587"/>
+            <a:ext cx="348475" cy="358022"/>
+          </a:xfrm>
+          <a:prstGeom prst="rect">
+            <a:avLst/>
+          </a:prstGeom>
+        </p:spPr>
+      </p:pic>
+      <p:pic>
+        <p:nvPicPr>
+          <p:cNvPr id="17" name="Picture 16">
+            <a:extLst>
+              <a:ext uri="{FF2B5EF4-FFF2-40B4-BE49-F238E27FC236}">
+                <a16:creationId xmlns:a16="http://schemas.microsoft.com/office/drawing/2014/main" id="{D4958C36-F975-48B9-A968-A190871C0100}"/>
+              </a:ext>
+            </a:extLst>
+          </p:cNvPr>
+          <p:cNvPicPr>
+            <a:picLocks noChangeAspect="1"/>
+          </p:cNvPicPr>
+          <p:nvPr/>
+        </p:nvPicPr>
+        <p:blipFill>
+          <a:blip r:embed="rId4"/>
+          <a:stretch>
+            <a:fillRect/>
+          </a:stretch>
+        </p:blipFill>
+        <p:spPr>
+          <a:xfrm>
+            <a:off x="11794621" y="1265721"/>
+            <a:ext cx="348475" cy="358022"/>
+          </a:xfrm>
+          <a:prstGeom prst="rect">
+            <a:avLst/>
+          </a:prstGeom>
+        </p:spPr>
+      </p:pic>
+      <p:pic>
+        <p:nvPicPr>
+          <p:cNvPr id="18" name="Picture 17">
+            <a:extLst>
+              <a:ext uri="{FF2B5EF4-FFF2-40B4-BE49-F238E27FC236}">
+                <a16:creationId xmlns:a16="http://schemas.microsoft.com/office/drawing/2014/main" id="{F5291168-CD6F-4A17-9700-C347C761F043}"/>
+              </a:ext>
+            </a:extLst>
+          </p:cNvPr>
+          <p:cNvPicPr>
+            <a:picLocks noChangeAspect="1"/>
+          </p:cNvPicPr>
+          <p:nvPr/>
+        </p:nvPicPr>
+        <p:blipFill>
+          <a:blip r:embed="rId4"/>
+          <a:stretch>
+            <a:fillRect/>
+          </a:stretch>
+        </p:blipFill>
+        <p:spPr>
+          <a:xfrm>
+            <a:off x="11446146" y="1265721"/>
+            <a:ext cx="348475" cy="358022"/>
+          </a:xfrm>
+          <a:prstGeom prst="rect">
+            <a:avLst/>
+          </a:prstGeom>
+        </p:spPr>
+      </p:pic>
+      <p:pic>
+        <p:nvPicPr>
+          <p:cNvPr id="22" name="Picture 21">
+            <a:extLst>
+              <a:ext uri="{FF2B5EF4-FFF2-40B4-BE49-F238E27FC236}">
+                <a16:creationId xmlns:a16="http://schemas.microsoft.com/office/drawing/2014/main" id="{EBC970C8-A9AD-44F1-B992-CE77079C8915}"/>
+              </a:ext>
+            </a:extLst>
+          </p:cNvPr>
+          <p:cNvPicPr>
+            <a:picLocks noChangeAspect="1"/>
+          </p:cNvPicPr>
+          <p:nvPr/>
+        </p:nvPicPr>
+        <p:blipFill>
+          <a:blip r:embed="rId5"/>
+          <a:stretch>
+            <a:fillRect/>
+          </a:stretch>
+        </p:blipFill>
+        <p:spPr>
+          <a:xfrm>
+            <a:off x="11431987" y="517582"/>
+            <a:ext cx="348475" cy="357893"/>
+          </a:xfrm>
+          <a:prstGeom prst="rect">
+            <a:avLst/>
+          </a:prstGeom>
+        </p:spPr>
+      </p:pic>
+      <p:pic>
+        <p:nvPicPr>
+          <p:cNvPr id="23" name="Picture 22">
+            <a:extLst>
+              <a:ext uri="{FF2B5EF4-FFF2-40B4-BE49-F238E27FC236}">
+                <a16:creationId xmlns:a16="http://schemas.microsoft.com/office/drawing/2014/main" id="{FD9FB174-09BE-4E8E-977C-5461B32E56AA}"/>
+              </a:ext>
+            </a:extLst>
+          </p:cNvPr>
+          <p:cNvPicPr>
+            <a:picLocks noChangeAspect="1"/>
+          </p:cNvPicPr>
+          <p:nvPr/>
+        </p:nvPicPr>
+        <p:blipFill>
+          <a:blip r:embed="rId6"/>
+          <a:stretch>
+            <a:fillRect/>
+          </a:stretch>
+        </p:blipFill>
+        <p:spPr>
+          <a:xfrm>
+            <a:off x="11431987" y="889039"/>
+            <a:ext cx="348475" cy="358155"/>
+          </a:xfrm>
+          <a:prstGeom prst="rect">
+            <a:avLst/>
+          </a:prstGeom>
+        </p:spPr>
+      </p:pic>
+      <p:pic>
+        <p:nvPicPr>
+          <p:cNvPr id="24" name="Picture 23">
+            <a:extLst>
+              <a:ext uri="{FF2B5EF4-FFF2-40B4-BE49-F238E27FC236}">
+                <a16:creationId xmlns:a16="http://schemas.microsoft.com/office/drawing/2014/main" id="{50909838-5856-43FD-B21F-459BF2B7C90D}"/>
+              </a:ext>
+            </a:extLst>
+          </p:cNvPr>
+          <p:cNvPicPr>
+            <a:picLocks noChangeAspect="1"/>
+          </p:cNvPicPr>
+          <p:nvPr/>
+        </p:nvPicPr>
+        <p:blipFill rotWithShape="1">
+          <a:blip r:embed="rId7"/>
+          <a:srcRect l="35366" t="9132" r="4764"/>
+          <a:stretch/>
+        </p:blipFill>
+        <p:spPr>
+          <a:xfrm>
+            <a:off x="11034738" y="1673559"/>
+            <a:ext cx="552450" cy="393581"/>
+          </a:xfrm>
+          <a:prstGeom prst="rect">
+            <a:avLst/>
+          </a:prstGeom>
+        </p:spPr>
+      </p:pic>
+      <p:sp>
+        <p:nvSpPr>
+          <p:cNvPr id="3" name="TextBox 2">
+            <a:extLst>
+              <a:ext uri="{FF2B5EF4-FFF2-40B4-BE49-F238E27FC236}">
+                <a16:creationId xmlns:a16="http://schemas.microsoft.com/office/drawing/2014/main" id="{484944AF-3748-444B-83BA-5EBE05BE02AA}"/>
+              </a:ext>
+            </a:extLst>
+          </p:cNvPr>
+          <p:cNvSpPr txBox="1"/>
+          <p:nvPr/>
+        </p:nvSpPr>
+        <p:spPr>
+          <a:xfrm>
+            <a:off x="9052560" y="6488668"/>
+            <a:ext cx="3230822" cy="369332"/>
+          </a:xfrm>
+          <a:prstGeom prst="rect">
+            <a:avLst/>
+          </a:prstGeom>
+          <a:noFill/>
+        </p:spPr>
+        <p:txBody>
+          <a:bodyPr wrap="square" rtlCol="0">
+            <a:spAutoFit/>
+          </a:bodyPr>
+          <a:lstStyle/>
+          <a:p>
+            <a:r>
+              <a:rPr lang="en-US" dirty="0">
+                <a:solidFill>
+                  <a:schemeClr val="bg1"/>
+                </a:solidFill>
+              </a:rPr>
+              <a:t>NB: This card will be </a:t>
+            </a:r>
+            <a:r>
+              <a:rPr lang="en-US" dirty="0" err="1">
+                <a:solidFill>
+                  <a:schemeClr val="bg1"/>
+                </a:solidFill>
+              </a:rPr>
+              <a:t>reflavoured</a:t>
+            </a:r>
+            <a:endParaRPr lang="en-NZ" dirty="0">
+              <a:solidFill>
+                <a:schemeClr val="bg1"/>
+              </a:solidFill>
+            </a:endParaRPr>
+          </a:p>
+        </p:txBody>
+      </p:sp>
+      <p:pic>
+        <p:nvPicPr>
+          <p:cNvPr id="5" name="Picture 4">
+            <a:extLst>
+              <a:ext uri="{FF2B5EF4-FFF2-40B4-BE49-F238E27FC236}">
+                <a16:creationId xmlns:a16="http://schemas.microsoft.com/office/drawing/2014/main" id="{22FE9E45-8553-4D27-9157-84DB85A0611C}"/>
+              </a:ext>
+            </a:extLst>
+          </p:cNvPr>
+          <p:cNvPicPr>
+            <a:picLocks noChangeAspect="1"/>
+          </p:cNvPicPr>
+          <p:nvPr/>
+        </p:nvPicPr>
+        <p:blipFill>
+          <a:blip r:embed="rId8"/>
+          <a:stretch>
+            <a:fillRect/>
+          </a:stretch>
+        </p:blipFill>
+        <p:spPr>
+          <a:xfrm>
+            <a:off x="1605594" y="3150160"/>
+            <a:ext cx="1107126" cy="1506920"/>
+          </a:xfrm>
+          <a:prstGeom prst="rect">
+            <a:avLst/>
+          </a:prstGeom>
+        </p:spPr>
+      </p:pic>
+      <p:pic>
+        <p:nvPicPr>
+          <p:cNvPr id="19" name="Picture 18">
+            <a:extLst>
+              <a:ext uri="{FF2B5EF4-FFF2-40B4-BE49-F238E27FC236}">
+                <a16:creationId xmlns:a16="http://schemas.microsoft.com/office/drawing/2014/main" id="{7E0C8289-56EB-4893-857A-3674E44DA5AC}"/>
+              </a:ext>
+            </a:extLst>
+          </p:cNvPr>
+          <p:cNvPicPr>
+            <a:picLocks noChangeAspect="1"/>
+          </p:cNvPicPr>
+          <p:nvPr/>
+        </p:nvPicPr>
+        <p:blipFill rotWithShape="1">
+          <a:blip r:embed="rId8"/>
+          <a:srcRect l="10884" t="13193" r="8466" b="57085"/>
+          <a:stretch/>
+        </p:blipFill>
+        <p:spPr>
+          <a:xfrm>
+            <a:off x="11913392" y="1689508"/>
+            <a:ext cx="269082" cy="134974"/>
+          </a:xfrm>
+          <a:prstGeom prst="rect">
+            <a:avLst/>
+          </a:prstGeom>
+        </p:spPr>
+      </p:pic>
+    </p:spTree>
+    <p:extLst>
+      <p:ext uri="{BB962C8B-B14F-4D97-AF65-F5344CB8AC3E}">
+        <p14:creationId xmlns:p14="http://schemas.microsoft.com/office/powerpoint/2010/main" val="1571823934"/>
+      </p:ext>
+    </p:extLst>
+  </p:cSld>
+  <p:clrMapOvr>
+    <a:masterClrMapping/>
+  </p:clrMapOvr>
+</p:sld>
+</file>
+
+<file path=ppt/slides/slide13.xml><?xml version="1.0" encoding="utf-8"?>
+<p:sld xmlns:a="http://schemas.openxmlformats.org/drawingml/2006/main" xmlns:r="http://schemas.openxmlformats.org/officeDocument/2006/relationships" xmlns:p="http://schemas.openxmlformats.org/presentationml/2006/main">
+  <p:cSld>
+    <p:spTree>
+      <p:nvGrpSpPr>
+        <p:cNvPr id="1" name=""/>
+        <p:cNvGrpSpPr/>
+        <p:nvPr/>
+      </p:nvGrpSpPr>
+      <p:grpSpPr>
+        <a:xfrm>
+          <a:off x="0" y="0"/>
+          <a:ext cx="0" cy="0"/>
+          <a:chOff x="0" y="0"/>
+          <a:chExt cx="0" cy="0"/>
+        </a:xfrm>
+      </p:grpSpPr>
+      <p:sp>
+        <p:nvSpPr>
+          <p:cNvPr id="20" name="Title 1">
+            <a:extLst>
+              <a:ext uri="{FF2B5EF4-FFF2-40B4-BE49-F238E27FC236}">
+                <a16:creationId xmlns:a16="http://schemas.microsoft.com/office/drawing/2014/main" id="{544E256E-F371-41F7-A507-3DD7C98198F6}"/>
+              </a:ext>
+            </a:extLst>
+          </p:cNvPr>
+          <p:cNvSpPr>
+            <a:spLocks noGrp="1"/>
+          </p:cNvSpPr>
+          <p:nvPr>
+            <p:ph type="ctrTitle"/>
+          </p:nvPr>
+        </p:nvSpPr>
+        <p:spPr>
+          <a:xfrm>
+            <a:off x="0" y="496380"/>
+            <a:ext cx="12192000" cy="1143475"/>
+          </a:xfrm>
+        </p:spPr>
+        <p:txBody>
+          <a:bodyPr>
+            <a:normAutofit fontScale="90000"/>
+          </a:bodyPr>
+          <a:lstStyle/>
+          <a:p>
+            <a:r>
+              <a:rPr lang="en-US" sz="8000" b="1" dirty="0">
+                <a:solidFill>
+                  <a:schemeClr val="bg1"/>
+                </a:solidFill>
+                <a:latin typeface="Abadi" panose="020B0604020202020204" pitchFamily="34" charset="0"/>
+              </a:rPr>
               <a:t>Customers</a:t>
             </a:r>
             <a:endParaRPr lang="en-NZ" sz="8000" b="1" dirty="0">
@@ -4508,6 +5454,14 @@
 <file path=ppt/slides/slide2.xml><?xml version="1.0" encoding="utf-8"?>
 <p:sld xmlns:a="http://schemas.openxmlformats.org/drawingml/2006/main" xmlns:r="http://schemas.openxmlformats.org/officeDocument/2006/relationships" xmlns:p="http://schemas.openxmlformats.org/presentationml/2006/main">
   <p:cSld>
+    <p:bg>
+      <p:bgPr>
+        <a:solidFill>
+          <a:schemeClr val="bg1"/>
+        </a:solidFill>
+        <a:effectLst/>
+      </p:bgPr>
+    </p:bg>
     <p:spTree>
       <p:nvGrpSpPr>
         <p:cNvPr id="1" name=""/>
@@ -4522,60 +5476,39 @@
           <a:chExt cx="0" cy="0"/>
         </a:xfrm>
       </p:grpSpPr>
-      <p:pic>
-        <p:nvPicPr>
-          <p:cNvPr id="9" name="Picture 8">
-            <a:extLst>
-              <a:ext uri="{FF2B5EF4-FFF2-40B4-BE49-F238E27FC236}">
-                <a16:creationId xmlns:a16="http://schemas.microsoft.com/office/drawing/2014/main" id="{46224E60-DD68-4DF6-80D6-889B0A25FA79}"/>
-              </a:ext>
-            </a:extLst>
-          </p:cNvPr>
-          <p:cNvPicPr>
-            <a:picLocks noChangeAspect="1"/>
-          </p:cNvPicPr>
-          <p:nvPr/>
-        </p:nvPicPr>
-        <p:blipFill rotWithShape="1">
-          <a:blip r:embed="rId2"/>
-          <a:srcRect r="2211" b="1745"/>
-          <a:stretch/>
-        </p:blipFill>
-        <p:spPr>
-          <a:xfrm>
-            <a:off x="4284344" y="217169"/>
-            <a:ext cx="3623311" cy="6423661"/>
-          </a:xfrm>
-          <a:prstGeom prst="rect">
-            <a:avLst/>
-          </a:prstGeom>
-        </p:spPr>
-      </p:pic>
-      <p:sp>
-        <p:nvSpPr>
-          <p:cNvPr id="10" name="Oval 9">
-            <a:extLst>
-              <a:ext uri="{FF2B5EF4-FFF2-40B4-BE49-F238E27FC236}">
-                <a16:creationId xmlns:a16="http://schemas.microsoft.com/office/drawing/2014/main" id="{AF3B369A-5BEA-4C2F-99CC-50349E66A9F1}"/>
-              </a:ext>
-            </a:extLst>
-          </p:cNvPr>
-          <p:cNvSpPr/>
-          <p:nvPr/>
-        </p:nvSpPr>
-        <p:spPr>
-          <a:xfrm>
-            <a:off x="4183380" y="1771650"/>
-            <a:ext cx="3954780" cy="3611880"/>
-          </a:xfrm>
-          <a:prstGeom prst="ellipse">
-            <a:avLst/>
-          </a:prstGeom>
-          <a:noFill/>
-          <a:ln w="57150">
-            <a:solidFill>
-              <a:srgbClr val="FF0000"/>
-            </a:solidFill>
+      <p:sp useBgFill="1">
+        <p:nvSpPr>
+          <p:cNvPr id="21" name="Rectangle 20">
+            <a:extLst>
+              <a:ext uri="{FF2B5EF4-FFF2-40B4-BE49-F238E27FC236}">
+                <a16:creationId xmlns:a16="http://schemas.microsoft.com/office/drawing/2014/main" id="{80DF40B2-80F7-4E71-B46C-284163F3654A}"/>
+              </a:ext>
+              <a:ext uri="{C183D7F6-B498-43B3-948B-1728B52AA6E4}">
+                <adec:decorative xmlns:adec="http://schemas.microsoft.com/office/drawing/2017/decorative" val="1"/>
+              </a:ext>
+            </a:extLst>
+          </p:cNvPr>
+          <p:cNvSpPr>
+            <a:spLocks noGrp="1" noRot="1" noChangeAspect="1" noMove="1" noResize="1" noEditPoints="1" noAdjustHandles="1" noChangeArrowheads="1" noChangeShapeType="1" noTextEdit="1"/>
+          </p:cNvSpPr>
+          <p:nvPr>
+            <p:extLst>
+              <p:ext uri="{386F3935-93C4-4BCD-93E2-E3B085C9AB24}">
+                <p16:designElem xmlns:p16="http://schemas.microsoft.com/office/powerpoint/2015/main" val="1"/>
+              </p:ext>
+            </p:extLst>
+          </p:nvPr>
+        </p:nvSpPr>
+        <p:spPr>
+          <a:xfrm>
+            <a:off x="-1" y="0"/>
+            <a:ext cx="12188952" cy="6858000"/>
+          </a:xfrm>
+          <a:prstGeom prst="rect">
+            <a:avLst/>
+          </a:prstGeom>
+          <a:ln>
+            <a:noFill/>
           </a:ln>
         </p:spPr>
         <p:style>
@@ -4599,344 +5532,91 @@
           <a:lstStyle/>
           <a:p>
             <a:pPr algn="ctr"/>
-            <a:endParaRPr lang="en-NZ"/>
-          </a:p>
-        </p:txBody>
-      </p:sp>
-      <p:cxnSp>
-        <p:nvCxnSpPr>
-          <p:cNvPr id="12" name="Straight Connector 11">
-            <a:extLst>
-              <a:ext uri="{FF2B5EF4-FFF2-40B4-BE49-F238E27FC236}">
-                <a16:creationId xmlns:a16="http://schemas.microsoft.com/office/drawing/2014/main" id="{301D78F4-9F30-4298-B122-9779EDEDD154}"/>
-              </a:ext>
-            </a:extLst>
-          </p:cNvPr>
-          <p:cNvCxnSpPr>
-            <a:cxnSpLocks/>
-            <a:stCxn id="10" idx="2"/>
-            <a:endCxn id="22" idx="3"/>
-          </p:cNvCxnSpPr>
-          <p:nvPr/>
-        </p:nvCxnSpPr>
-        <p:spPr>
-          <a:xfrm flipH="1" flipV="1">
-            <a:off x="2983230" y="2663190"/>
-            <a:ext cx="1200150" cy="914400"/>
-          </a:xfrm>
-          <a:prstGeom prst="line">
-            <a:avLst/>
-          </a:prstGeom>
-          <a:ln w="57150">
-            <a:solidFill>
-              <a:srgbClr val="FF0000"/>
-            </a:solidFill>
-          </a:ln>
-        </p:spPr>
-        <p:style>
-          <a:lnRef idx="1">
-            <a:schemeClr val="accent1"/>
-          </a:lnRef>
-          <a:fillRef idx="0">
-            <a:schemeClr val="accent1"/>
-          </a:fillRef>
-          <a:effectRef idx="0">
-            <a:schemeClr val="accent1"/>
-          </a:effectRef>
-          <a:fontRef idx="minor">
-            <a:schemeClr val="tx1"/>
-          </a:fontRef>
-        </p:style>
-      </p:cxnSp>
-      <p:sp>
-        <p:nvSpPr>
-          <p:cNvPr id="14" name="Oval 13">
-            <a:extLst>
-              <a:ext uri="{FF2B5EF4-FFF2-40B4-BE49-F238E27FC236}">
-                <a16:creationId xmlns:a16="http://schemas.microsoft.com/office/drawing/2014/main" id="{C7659CB9-063B-4901-B7F0-6B5418851A5F}"/>
-              </a:ext>
-            </a:extLst>
-          </p:cNvPr>
-          <p:cNvSpPr/>
-          <p:nvPr/>
-        </p:nvSpPr>
-        <p:spPr>
-          <a:xfrm>
-            <a:off x="4183380" y="5269231"/>
-            <a:ext cx="2933700" cy="1497330"/>
-          </a:xfrm>
-          <a:prstGeom prst="ellipse">
-            <a:avLst/>
-          </a:prstGeom>
-          <a:noFill/>
-          <a:ln w="57150">
-            <a:solidFill>
-              <a:srgbClr val="FF0000"/>
-            </a:solidFill>
-          </a:ln>
-        </p:spPr>
-        <p:style>
-          <a:lnRef idx="2">
-            <a:schemeClr val="accent1">
-              <a:shade val="50000"/>
-            </a:schemeClr>
-          </a:lnRef>
-          <a:fillRef idx="1">
-            <a:schemeClr val="accent1"/>
-          </a:fillRef>
-          <a:effectRef idx="0">
-            <a:schemeClr val="accent1"/>
-          </a:effectRef>
-          <a:fontRef idx="minor">
-            <a:schemeClr val="lt1"/>
-          </a:fontRef>
-        </p:style>
-        <p:txBody>
-          <a:bodyPr rtlCol="0" anchor="ctr"/>
-          <a:lstStyle/>
-          <a:p>
-            <a:pPr algn="ctr"/>
-            <a:endParaRPr lang="en-NZ"/>
-          </a:p>
-        </p:txBody>
-      </p:sp>
-      <p:cxnSp>
-        <p:nvCxnSpPr>
-          <p:cNvPr id="15" name="Straight Connector 14">
-            <a:extLst>
-              <a:ext uri="{FF2B5EF4-FFF2-40B4-BE49-F238E27FC236}">
-                <a16:creationId xmlns:a16="http://schemas.microsoft.com/office/drawing/2014/main" id="{83DA60F3-6259-48CC-B8C3-74FF9BF2D7F7}"/>
-              </a:ext>
-            </a:extLst>
-          </p:cNvPr>
-          <p:cNvCxnSpPr>
-            <a:cxnSpLocks/>
-            <a:stCxn id="14" idx="6"/>
-            <a:endCxn id="24" idx="1"/>
-          </p:cNvCxnSpPr>
-          <p:nvPr/>
-        </p:nvCxnSpPr>
-        <p:spPr>
-          <a:xfrm flipV="1">
-            <a:off x="7117080" y="4935618"/>
-            <a:ext cx="1760221" cy="1082278"/>
-          </a:xfrm>
-          <a:prstGeom prst="line">
-            <a:avLst/>
-          </a:prstGeom>
-          <a:ln w="57150">
-            <a:solidFill>
-              <a:srgbClr val="FF0000"/>
-            </a:solidFill>
-          </a:ln>
-        </p:spPr>
-        <p:style>
-          <a:lnRef idx="1">
-            <a:schemeClr val="accent1"/>
-          </a:lnRef>
-          <a:fillRef idx="0">
-            <a:schemeClr val="accent1"/>
-          </a:fillRef>
-          <a:effectRef idx="0">
-            <a:schemeClr val="accent1"/>
-          </a:effectRef>
-          <a:fontRef idx="minor">
-            <a:schemeClr val="tx1"/>
-          </a:fontRef>
-        </p:style>
-      </p:cxnSp>
-      <p:sp>
-        <p:nvSpPr>
-          <p:cNvPr id="22" name="Rectangle 21">
-            <a:extLst>
-              <a:ext uri="{FF2B5EF4-FFF2-40B4-BE49-F238E27FC236}">
-                <a16:creationId xmlns:a16="http://schemas.microsoft.com/office/drawing/2014/main" id="{6FADD8DA-462D-44CF-82E8-310CE77EC68F}"/>
-              </a:ext>
-            </a:extLst>
-          </p:cNvPr>
-          <p:cNvSpPr/>
-          <p:nvPr/>
-        </p:nvSpPr>
-        <p:spPr>
-          <a:xfrm>
-            <a:off x="1200150" y="2411730"/>
-            <a:ext cx="1783080" cy="502920"/>
-          </a:xfrm>
-          <a:prstGeom prst="rect">
-            <a:avLst/>
-          </a:prstGeom>
-        </p:spPr>
-        <p:style>
-          <a:lnRef idx="2">
-            <a:schemeClr val="accent1">
-              <a:shade val="50000"/>
-            </a:schemeClr>
-          </a:lnRef>
-          <a:fillRef idx="1">
-            <a:schemeClr val="accent1"/>
-          </a:fillRef>
-          <a:effectRef idx="0">
-            <a:schemeClr val="accent1"/>
-          </a:effectRef>
-          <a:fontRef idx="minor">
-            <a:schemeClr val="lt1"/>
-          </a:fontRef>
-        </p:style>
-        <p:txBody>
-          <a:bodyPr rtlCol="0" anchor="ctr"/>
-          <a:lstStyle/>
-          <a:p>
-            <a:pPr algn="ctr"/>
-            <a:r>
-              <a:rPr lang="en-US" dirty="0"/>
-              <a:t>Board</a:t>
-            </a:r>
-            <a:endParaRPr lang="en-NZ" dirty="0"/>
-          </a:p>
-        </p:txBody>
-      </p:sp>
-      <p:sp>
-        <p:nvSpPr>
-          <p:cNvPr id="24" name="Rectangle 23">
-            <a:extLst>
-              <a:ext uri="{FF2B5EF4-FFF2-40B4-BE49-F238E27FC236}">
-                <a16:creationId xmlns:a16="http://schemas.microsoft.com/office/drawing/2014/main" id="{26BB3DC7-C8EA-4A53-95A7-CB53149864D6}"/>
-              </a:ext>
-            </a:extLst>
-          </p:cNvPr>
-          <p:cNvSpPr/>
-          <p:nvPr/>
-        </p:nvSpPr>
-        <p:spPr>
-          <a:xfrm>
-            <a:off x="8877301" y="4704875"/>
-            <a:ext cx="1718309" cy="461485"/>
-          </a:xfrm>
-          <a:prstGeom prst="rect">
-            <a:avLst/>
-          </a:prstGeom>
-        </p:spPr>
-        <p:style>
-          <a:lnRef idx="2">
-            <a:schemeClr val="accent1">
-              <a:shade val="50000"/>
-            </a:schemeClr>
-          </a:lnRef>
-          <a:fillRef idx="1">
-            <a:schemeClr val="accent1"/>
-          </a:fillRef>
-          <a:effectRef idx="0">
-            <a:schemeClr val="accent1"/>
-          </a:effectRef>
-          <a:fontRef idx="minor">
-            <a:schemeClr val="lt1"/>
-          </a:fontRef>
-        </p:style>
-        <p:txBody>
-          <a:bodyPr rtlCol="0" anchor="ctr"/>
-          <a:lstStyle/>
-          <a:p>
-            <a:pPr algn="ctr"/>
-            <a:r>
-              <a:rPr lang="en-US" dirty="0"/>
-              <a:t>Hand</a:t>
-            </a:r>
-            <a:endParaRPr lang="en-NZ" dirty="0"/>
-          </a:p>
-        </p:txBody>
-      </p:sp>
-      <p:sp>
-        <p:nvSpPr>
-          <p:cNvPr id="2" name="TextBox 1">
-            <a:extLst>
-              <a:ext uri="{FF2B5EF4-FFF2-40B4-BE49-F238E27FC236}">
-                <a16:creationId xmlns:a16="http://schemas.microsoft.com/office/drawing/2014/main" id="{DF94B492-D8B9-4DF4-A92F-7108E60F643D}"/>
-              </a:ext>
-            </a:extLst>
-          </p:cNvPr>
-          <p:cNvSpPr txBox="1"/>
-          <p:nvPr/>
-        </p:nvSpPr>
-        <p:spPr>
-          <a:xfrm>
-            <a:off x="783907" y="2908398"/>
-            <a:ext cx="2615566" cy="646331"/>
-          </a:xfrm>
-          <a:prstGeom prst="rect">
-            <a:avLst/>
-          </a:prstGeom>
-          <a:noFill/>
-        </p:spPr>
-        <p:txBody>
-          <a:bodyPr wrap="square" rtlCol="0">
-            <a:spAutoFit/>
+            <a:endParaRPr lang="en-US"/>
+          </a:p>
+        </p:txBody>
+      </p:sp>
+      <p:sp>
+        <p:nvSpPr>
+          <p:cNvPr id="3" name="Content Placeholder 2">
+            <a:extLst>
+              <a:ext uri="{FF2B5EF4-FFF2-40B4-BE49-F238E27FC236}">
+                <a16:creationId xmlns:a16="http://schemas.microsoft.com/office/drawing/2014/main" id="{202C2EDF-AEDB-42A8-B809-5154940C0787}"/>
+              </a:ext>
+            </a:extLst>
+          </p:cNvPr>
+          <p:cNvSpPr>
+            <a:spLocks noGrp="1"/>
+          </p:cNvSpPr>
+          <p:nvPr>
+            <p:ph idx="1"/>
+          </p:nvPr>
+        </p:nvSpPr>
+        <p:spPr>
+          <a:xfrm>
+            <a:off x="826627" y="1857379"/>
+            <a:ext cx="3799425" cy="3143241"/>
+          </a:xfrm>
+        </p:spPr>
+        <p:txBody>
+          <a:bodyPr vert="horz" lIns="91440" tIns="45720" rIns="91440" bIns="45720" rtlCol="0">
+            <a:normAutofit/>
           </a:bodyPr>
           <a:lstStyle/>
           <a:p>
-            <a:r>
-              <a:rPr lang="en-US" dirty="0">
-                <a:solidFill>
-                  <a:schemeClr val="bg1"/>
-                </a:solidFill>
-              </a:rPr>
-              <a:t>This is where the tiles will generate. </a:t>
-            </a:r>
-            <a:endParaRPr lang="en-NZ" dirty="0">
-              <a:solidFill>
-                <a:schemeClr val="bg1"/>
-              </a:solidFill>
-            </a:endParaRPr>
-          </a:p>
-        </p:txBody>
-      </p:sp>
-      <p:sp>
-        <p:nvSpPr>
-          <p:cNvPr id="11" name="TextBox 10">
-            <a:extLst>
-              <a:ext uri="{FF2B5EF4-FFF2-40B4-BE49-F238E27FC236}">
-                <a16:creationId xmlns:a16="http://schemas.microsoft.com/office/drawing/2014/main" id="{08753FB2-31AD-4B58-AE6D-6A9325E0C7DC}"/>
-              </a:ext>
-            </a:extLst>
-          </p:cNvPr>
-          <p:cNvSpPr txBox="1"/>
-          <p:nvPr/>
-        </p:nvSpPr>
-        <p:spPr>
-          <a:xfrm>
-            <a:off x="8428673" y="5166360"/>
-            <a:ext cx="2615566" cy="646331"/>
-          </a:xfrm>
-          <a:prstGeom prst="rect">
-            <a:avLst/>
-          </a:prstGeom>
-          <a:noFill/>
-        </p:spPr>
-        <p:txBody>
-          <a:bodyPr wrap="square" rtlCol="0">
-            <a:spAutoFit/>
-          </a:bodyPr>
-          <a:lstStyle/>
-          <a:p>
-            <a:r>
-              <a:rPr lang="en-US" dirty="0">
-                <a:solidFill>
-                  <a:schemeClr val="bg1"/>
-                </a:solidFill>
-              </a:rPr>
-              <a:t>This is where your cards will be.</a:t>
-            </a:r>
-            <a:endParaRPr lang="en-NZ" dirty="0">
-              <a:solidFill>
-                <a:schemeClr val="bg1"/>
-              </a:solidFill>
-            </a:endParaRPr>
-          </a:p>
-        </p:txBody>
-      </p:sp>
+            <a:pPr marL="0" indent="0">
+              <a:buNone/>
+            </a:pPr>
+            <a:r>
+              <a:rPr lang="en-US" sz="2000" dirty="0"/>
+              <a:t>You are managing a food truck in the forest.</a:t>
+            </a:r>
+          </a:p>
+          <a:p>
+            <a:pPr marL="0" indent="0">
+              <a:buNone/>
+            </a:pPr>
+            <a:r>
+              <a:rPr lang="en-US" sz="2000" dirty="0"/>
+              <a:t>You need to forage for food and cook for the animals that live here.</a:t>
+            </a:r>
+          </a:p>
+        </p:txBody>
+      </p:sp>
+      <p:pic>
+        <p:nvPicPr>
+          <p:cNvPr id="6" name="Picture 5">
+            <a:extLst>
+              <a:ext uri="{FF2B5EF4-FFF2-40B4-BE49-F238E27FC236}">
+                <a16:creationId xmlns:a16="http://schemas.microsoft.com/office/drawing/2014/main" id="{94BD48D1-B937-4976-8A2E-93195B738B2F}"/>
+              </a:ext>
+            </a:extLst>
+          </p:cNvPr>
+          <p:cNvPicPr>
+            <a:picLocks noChangeAspect="1"/>
+          </p:cNvPicPr>
+          <p:nvPr/>
+        </p:nvPicPr>
+        <p:blipFill rotWithShape="1">
+          <a:blip r:embed="rId2"/>
+          <a:srcRect l="1269" r="3439" b="2"/>
+          <a:stretch/>
+        </p:blipFill>
+        <p:spPr>
+          <a:xfrm>
+            <a:off x="5010386" y="10"/>
+            <a:ext cx="7181613" cy="6857990"/>
+          </a:xfrm>
+          <a:prstGeom prst="rect">
+            <a:avLst/>
+          </a:prstGeom>
+          <a:effectLst/>
+        </p:spPr>
+      </p:pic>
     </p:spTree>
     <p:extLst>
       <p:ext uri="{BB962C8B-B14F-4D97-AF65-F5344CB8AC3E}">
-        <p14:creationId xmlns:p14="http://schemas.microsoft.com/office/powerpoint/2010/main" val="4287846018"/>
+        <p14:creationId xmlns:p14="http://schemas.microsoft.com/office/powerpoint/2010/main" val="3726252041"/>
       </p:ext>
     </p:extLst>
   </p:cSld>
@@ -4949,6 +5629,14 @@
 <file path=ppt/slides/slide3.xml><?xml version="1.0" encoding="utf-8"?>
 <p:sld xmlns:a="http://schemas.openxmlformats.org/drawingml/2006/main" xmlns:r="http://schemas.openxmlformats.org/officeDocument/2006/relationships" xmlns:p="http://schemas.openxmlformats.org/presentationml/2006/main">
   <p:cSld>
+    <p:bg>
+      <p:bgPr>
+        <a:solidFill>
+          <a:srgbClr val="366745"/>
+        </a:solidFill>
+        <a:effectLst/>
+      </p:bgPr>
+    </p:bg>
     <p:spTree>
       <p:nvGrpSpPr>
         <p:cNvPr id="1" name=""/>
@@ -4963,102 +5651,12 @@
           <a:chExt cx="0" cy="0"/>
         </a:xfrm>
       </p:grpSpPr>
-      <p:pic>
-        <p:nvPicPr>
-          <p:cNvPr id="3" name="Picture 2">
-            <a:extLst>
-              <a:ext uri="{FF2B5EF4-FFF2-40B4-BE49-F238E27FC236}">
-                <a16:creationId xmlns:a16="http://schemas.microsoft.com/office/drawing/2014/main" id="{1BD32706-393C-4AAA-A1E6-8BBAF70E6F4B}"/>
-              </a:ext>
-            </a:extLst>
-          </p:cNvPr>
-          <p:cNvPicPr>
-            <a:picLocks noChangeAspect="1"/>
-          </p:cNvPicPr>
-          <p:nvPr/>
-        </p:nvPicPr>
-        <p:blipFill>
-          <a:blip r:embed="rId2"/>
-          <a:stretch>
-            <a:fillRect/>
-          </a:stretch>
-        </p:blipFill>
-        <p:spPr>
-          <a:xfrm>
-            <a:off x="2297379" y="4561878"/>
-            <a:ext cx="1112571" cy="1127210"/>
-          </a:xfrm>
-          <a:prstGeom prst="rect">
-            <a:avLst/>
-          </a:prstGeom>
-        </p:spPr>
-      </p:pic>
-      <p:pic>
-        <p:nvPicPr>
-          <p:cNvPr id="7" name="Picture 6">
-            <a:extLst>
-              <a:ext uri="{FF2B5EF4-FFF2-40B4-BE49-F238E27FC236}">
-                <a16:creationId xmlns:a16="http://schemas.microsoft.com/office/drawing/2014/main" id="{D54866B4-3F98-461A-B36F-3A76E241EC72}"/>
-              </a:ext>
-            </a:extLst>
-          </p:cNvPr>
-          <p:cNvPicPr>
-            <a:picLocks noChangeAspect="1"/>
-          </p:cNvPicPr>
-          <p:nvPr/>
-        </p:nvPicPr>
-        <p:blipFill>
-          <a:blip r:embed="rId3"/>
-          <a:stretch>
-            <a:fillRect/>
-          </a:stretch>
-        </p:blipFill>
-        <p:spPr>
-          <a:xfrm>
-            <a:off x="5455894" y="4407704"/>
-            <a:ext cx="1112571" cy="1142641"/>
-          </a:xfrm>
-          <a:prstGeom prst="rect">
-            <a:avLst/>
-          </a:prstGeom>
-        </p:spPr>
-      </p:pic>
-      <p:pic>
-        <p:nvPicPr>
-          <p:cNvPr id="11" name="Picture 10">
-            <a:extLst>
-              <a:ext uri="{FF2B5EF4-FFF2-40B4-BE49-F238E27FC236}">
-                <a16:creationId xmlns:a16="http://schemas.microsoft.com/office/drawing/2014/main" id="{985D2934-FC9C-4BB1-9AC0-6ABA61A0067A}"/>
-              </a:ext>
-            </a:extLst>
-          </p:cNvPr>
-          <p:cNvPicPr>
-            <a:picLocks noChangeAspect="1"/>
-          </p:cNvPicPr>
-          <p:nvPr/>
-        </p:nvPicPr>
-        <p:blipFill>
-          <a:blip r:embed="rId4"/>
-          <a:stretch>
-            <a:fillRect/>
-          </a:stretch>
-        </p:blipFill>
-        <p:spPr>
-          <a:xfrm>
-            <a:off x="1070584" y="4799275"/>
-            <a:ext cx="1112571" cy="1143053"/>
-          </a:xfrm>
-          <a:prstGeom prst="rect">
-            <a:avLst/>
-          </a:prstGeom>
-        </p:spPr>
-      </p:pic>
-      <p:sp>
-        <p:nvSpPr>
-          <p:cNvPr id="20" name="Title 1">
-            <a:extLst>
-              <a:ext uri="{FF2B5EF4-FFF2-40B4-BE49-F238E27FC236}">
-                <a16:creationId xmlns:a16="http://schemas.microsoft.com/office/drawing/2014/main" id="{544E256E-F371-41F7-A507-3DD7C98198F6}"/>
+      <p:sp>
+        <p:nvSpPr>
+          <p:cNvPr id="2" name="Title 1">
+            <a:extLst>
+              <a:ext uri="{FF2B5EF4-FFF2-40B4-BE49-F238E27FC236}">
+                <a16:creationId xmlns:a16="http://schemas.microsoft.com/office/drawing/2014/main" id="{EA4582B5-2838-48E4-A47A-6209EC75CB14}"/>
               </a:ext>
             </a:extLst>
           </p:cNvPr>
@@ -5069,15 +5667,10 @@
             <p:ph type="ctrTitle"/>
           </p:nvPr>
         </p:nvSpPr>
-        <p:spPr>
-          <a:xfrm>
-            <a:off x="0" y="496380"/>
-            <a:ext cx="12192000" cy="1143475"/>
-          </a:xfrm>
-        </p:spPr>
+        <p:spPr/>
         <p:txBody>
           <a:bodyPr>
-            <a:normAutofit fontScale="90000"/>
+            <a:normAutofit/>
           </a:bodyPr>
           <a:lstStyle/>
           <a:p>
@@ -5088,7 +5681,7 @@
                 </a:solidFill>
                 <a:latin typeface="Abadi" panose="020B0604020202020204" pitchFamily="34" charset="0"/>
               </a:rPr>
-              <a:t>Tiles</a:t>
+              <a:t>Forest Dinner Party</a:t>
             </a:r>
             <a:endParaRPr lang="en-NZ" sz="8000" b="1" dirty="0">
               <a:solidFill>
@@ -5101,249 +5694,34 @@
       </p:sp>
       <p:sp>
         <p:nvSpPr>
-          <p:cNvPr id="21" name="Rectangle 20">
-            <a:extLst>
-              <a:ext uri="{FF2B5EF4-FFF2-40B4-BE49-F238E27FC236}">
-                <a16:creationId xmlns:a16="http://schemas.microsoft.com/office/drawing/2014/main" id="{2E487F09-2E3D-4B11-B1EE-624201516A97}"/>
-              </a:ext>
-            </a:extLst>
-          </p:cNvPr>
-          <p:cNvSpPr/>
-          <p:nvPr/>
-        </p:nvSpPr>
-        <p:spPr>
-          <a:xfrm>
-            <a:off x="1626870" y="3706032"/>
-            <a:ext cx="1783080" cy="502920"/>
-          </a:xfrm>
-          <a:prstGeom prst="rect">
-            <a:avLst/>
-          </a:prstGeom>
-        </p:spPr>
-        <p:style>
-          <a:lnRef idx="2">
-            <a:schemeClr val="accent1">
-              <a:shade val="50000"/>
-            </a:schemeClr>
-          </a:lnRef>
-          <a:fillRef idx="1">
-            <a:schemeClr val="accent1"/>
-          </a:fillRef>
-          <a:effectRef idx="0">
-            <a:schemeClr val="accent1"/>
-          </a:effectRef>
-          <a:fontRef idx="minor">
-            <a:schemeClr val="lt1"/>
-          </a:fontRef>
-        </p:style>
-        <p:txBody>
-          <a:bodyPr rtlCol="0" anchor="ctr"/>
+          <p:cNvPr id="3" name="Subtitle 2">
+            <a:extLst>
+              <a:ext uri="{FF2B5EF4-FFF2-40B4-BE49-F238E27FC236}">
+                <a16:creationId xmlns:a16="http://schemas.microsoft.com/office/drawing/2014/main" id="{6AFD6139-9D35-4DD7-8C1B-503C08F0EC66}"/>
+              </a:ext>
+            </a:extLst>
+          </p:cNvPr>
+          <p:cNvSpPr>
+            <a:spLocks noGrp="1"/>
+          </p:cNvSpPr>
+          <p:nvPr>
+            <p:ph type="subTitle" idx="1"/>
+          </p:nvPr>
+        </p:nvSpPr>
+        <p:spPr/>
+        <p:txBody>
+          <a:bodyPr/>
           <a:lstStyle/>
           <a:p>
-            <a:pPr algn="ctr"/>
-            <a:r>
-              <a:rPr lang="en-US" dirty="0"/>
-              <a:t>Food</a:t>
-            </a:r>
-            <a:endParaRPr lang="en-NZ" dirty="0"/>
-          </a:p>
-        </p:txBody>
-      </p:sp>
-      <p:pic>
-        <p:nvPicPr>
-          <p:cNvPr id="19" name="Picture 18">
-            <a:extLst>
-              <a:ext uri="{FF2B5EF4-FFF2-40B4-BE49-F238E27FC236}">
-                <a16:creationId xmlns:a16="http://schemas.microsoft.com/office/drawing/2014/main" id="{92C96E4D-3309-450B-843D-6ED6D81F23A0}"/>
-              </a:ext>
-            </a:extLst>
-          </p:cNvPr>
-          <p:cNvPicPr>
-            <a:picLocks noChangeAspect="1"/>
-          </p:cNvPicPr>
-          <p:nvPr/>
-        </p:nvPicPr>
-        <p:blipFill>
-          <a:blip r:embed="rId5"/>
-          <a:stretch>
-            <a:fillRect/>
-          </a:stretch>
-        </p:blipFill>
-        <p:spPr>
-          <a:xfrm>
-            <a:off x="8849177" y="4721898"/>
-            <a:ext cx="1112571" cy="1143475"/>
-          </a:xfrm>
-          <a:prstGeom prst="rect">
-            <a:avLst/>
-          </a:prstGeom>
-        </p:spPr>
-      </p:pic>
-      <p:sp>
-        <p:nvSpPr>
-          <p:cNvPr id="26" name="Rectangle 25">
-            <a:extLst>
-              <a:ext uri="{FF2B5EF4-FFF2-40B4-BE49-F238E27FC236}">
-                <a16:creationId xmlns:a16="http://schemas.microsoft.com/office/drawing/2014/main" id="{3F62A64F-EA32-4866-AA15-36A911B6958C}"/>
-              </a:ext>
-            </a:extLst>
-          </p:cNvPr>
-          <p:cNvSpPr/>
-          <p:nvPr/>
-        </p:nvSpPr>
-        <p:spPr>
-          <a:xfrm>
-            <a:off x="5095147" y="3706032"/>
-            <a:ext cx="1783080" cy="502920"/>
-          </a:xfrm>
-          <a:prstGeom prst="rect">
-            <a:avLst/>
-          </a:prstGeom>
-        </p:spPr>
-        <p:style>
-          <a:lnRef idx="2">
-            <a:schemeClr val="accent1">
-              <a:shade val="50000"/>
-            </a:schemeClr>
-          </a:lnRef>
-          <a:fillRef idx="1">
-            <a:schemeClr val="accent1"/>
-          </a:fillRef>
-          <a:effectRef idx="0">
-            <a:schemeClr val="accent1"/>
-          </a:effectRef>
-          <a:fontRef idx="minor">
-            <a:schemeClr val="lt1"/>
-          </a:fontRef>
-        </p:style>
-        <p:txBody>
-          <a:bodyPr rtlCol="0" anchor="ctr"/>
-          <a:lstStyle/>
-          <a:p>
-            <a:pPr algn="ctr"/>
-            <a:r>
-              <a:rPr lang="en-US" dirty="0"/>
-              <a:t>Obstacles</a:t>
-            </a:r>
-          </a:p>
-        </p:txBody>
-      </p:sp>
-      <p:sp>
-        <p:nvSpPr>
-          <p:cNvPr id="27" name="Rectangle 26">
-            <a:extLst>
-              <a:ext uri="{FF2B5EF4-FFF2-40B4-BE49-F238E27FC236}">
-                <a16:creationId xmlns:a16="http://schemas.microsoft.com/office/drawing/2014/main" id="{79E6E36D-1489-49A1-8BD4-A036682205C1}"/>
-              </a:ext>
-            </a:extLst>
-          </p:cNvPr>
-          <p:cNvSpPr/>
-          <p:nvPr/>
-        </p:nvSpPr>
-        <p:spPr>
-          <a:xfrm>
-            <a:off x="8563424" y="3809222"/>
-            <a:ext cx="1783080" cy="502920"/>
-          </a:xfrm>
-          <a:prstGeom prst="rect">
-            <a:avLst/>
-          </a:prstGeom>
-        </p:spPr>
-        <p:style>
-          <a:lnRef idx="2">
-            <a:schemeClr val="accent1">
-              <a:shade val="50000"/>
-            </a:schemeClr>
-          </a:lnRef>
-          <a:fillRef idx="1">
-            <a:schemeClr val="accent1"/>
-          </a:fillRef>
-          <a:effectRef idx="0">
-            <a:schemeClr val="accent1"/>
-          </a:effectRef>
-          <a:fontRef idx="minor">
-            <a:schemeClr val="lt1"/>
-          </a:fontRef>
-        </p:style>
-        <p:txBody>
-          <a:bodyPr rtlCol="0" anchor="ctr"/>
-          <a:lstStyle/>
-          <a:p>
-            <a:pPr algn="ctr"/>
-            <a:r>
-              <a:rPr lang="en-US" dirty="0"/>
-              <a:t>Meals</a:t>
-            </a:r>
-          </a:p>
-        </p:txBody>
-      </p:sp>
-      <p:pic>
-        <p:nvPicPr>
-          <p:cNvPr id="29" name="Picture 28">
-            <a:extLst>
-              <a:ext uri="{FF2B5EF4-FFF2-40B4-BE49-F238E27FC236}">
-                <a16:creationId xmlns:a16="http://schemas.microsoft.com/office/drawing/2014/main" id="{5B5F6A16-E4A1-4B8E-AF7E-0305C540C6B3}"/>
-              </a:ext>
-            </a:extLst>
-          </p:cNvPr>
-          <p:cNvPicPr>
-            <a:picLocks noChangeAspect="1"/>
-          </p:cNvPicPr>
-          <p:nvPr/>
-        </p:nvPicPr>
-        <p:blipFill>
-          <a:blip r:embed="rId6"/>
-          <a:stretch>
-            <a:fillRect/>
-          </a:stretch>
-        </p:blipFill>
-        <p:spPr>
-          <a:xfrm>
-            <a:off x="8183548" y="933431"/>
-            <a:ext cx="2381582" cy="2438740"/>
-          </a:xfrm>
-          <a:prstGeom prst="rect">
-            <a:avLst/>
-          </a:prstGeom>
-        </p:spPr>
-      </p:pic>
-      <p:sp>
-        <p:nvSpPr>
-          <p:cNvPr id="30" name="TextBox 29">
-            <a:extLst>
-              <a:ext uri="{FF2B5EF4-FFF2-40B4-BE49-F238E27FC236}">
-                <a16:creationId xmlns:a16="http://schemas.microsoft.com/office/drawing/2014/main" id="{9613C974-FC56-4230-8492-E9455500EE46}"/>
-              </a:ext>
-            </a:extLst>
-          </p:cNvPr>
-          <p:cNvSpPr txBox="1"/>
-          <p:nvPr/>
-        </p:nvSpPr>
-        <p:spPr>
-          <a:xfrm>
-            <a:off x="1626870" y="1989518"/>
-            <a:ext cx="4385310" cy="923330"/>
-          </a:xfrm>
-          <a:prstGeom prst="rect">
-            <a:avLst/>
-          </a:prstGeom>
-          <a:noFill/>
-        </p:spPr>
-        <p:txBody>
-          <a:bodyPr wrap="square" rtlCol="0">
-            <a:spAutoFit/>
-          </a:bodyPr>
-          <a:lstStyle/>
-          <a:p>
-            <a:r>
-              <a:rPr lang="en-US" dirty="0">
+            <a:r>
+              <a:rPr lang="en-US" sz="3200" dirty="0">
                 <a:solidFill>
                   <a:schemeClr val="bg1"/>
                 </a:solidFill>
               </a:rPr>
-              <a:t>Tiles are the items on the board which you manipulate. Different types of tiles have different purposes</a:t>
-            </a:r>
-            <a:endParaRPr lang="en-NZ" dirty="0">
+              <a:t>Tutorial</a:t>
+            </a:r>
+            <a:endParaRPr lang="en-US" dirty="0">
               <a:solidFill>
                 <a:schemeClr val="bg1"/>
               </a:solidFill>
@@ -5351,83 +5729,10 @@
           </a:p>
         </p:txBody>
       </p:sp>
-      <p:pic>
-        <p:nvPicPr>
-          <p:cNvPr id="31" name="Picture 30">
-            <a:extLst>
-              <a:ext uri="{FF2B5EF4-FFF2-40B4-BE49-F238E27FC236}">
-                <a16:creationId xmlns:a16="http://schemas.microsoft.com/office/drawing/2014/main" id="{29900977-1CF7-42E2-98F6-B2315F1ED9CE}"/>
-              </a:ext>
-            </a:extLst>
-          </p:cNvPr>
-          <p:cNvPicPr>
-            <a:picLocks noChangeAspect="1"/>
-          </p:cNvPicPr>
-          <p:nvPr/>
-        </p:nvPicPr>
-        <p:blipFill rotWithShape="1">
-          <a:blip r:embed="rId7"/>
-          <a:srcRect r="2211" b="1745"/>
-          <a:stretch/>
-        </p:blipFill>
-        <p:spPr>
-          <a:xfrm>
-            <a:off x="11020450" y="2500"/>
-            <a:ext cx="1171550" cy="2077006"/>
-          </a:xfrm>
-          <a:prstGeom prst="rect">
-            <a:avLst/>
-          </a:prstGeom>
-        </p:spPr>
-      </p:pic>
-      <p:sp>
-        <p:nvSpPr>
-          <p:cNvPr id="32" name="TextBox 31">
-            <a:extLst>
-              <a:ext uri="{FF2B5EF4-FFF2-40B4-BE49-F238E27FC236}">
-                <a16:creationId xmlns:a16="http://schemas.microsoft.com/office/drawing/2014/main" id="{F754DB6B-CF1B-46ED-ADDD-C269CDA6D43A}"/>
-              </a:ext>
-            </a:extLst>
-          </p:cNvPr>
-          <p:cNvSpPr txBox="1"/>
-          <p:nvPr/>
-        </p:nvSpPr>
-        <p:spPr>
-          <a:xfrm>
-            <a:off x="9052560" y="6488668"/>
-            <a:ext cx="3230822" cy="369332"/>
-          </a:xfrm>
-          <a:prstGeom prst="rect">
-            <a:avLst/>
-          </a:prstGeom>
-          <a:noFill/>
-        </p:spPr>
-        <p:txBody>
-          <a:bodyPr wrap="square" rtlCol="0">
-            <a:spAutoFit/>
-          </a:bodyPr>
-          <a:lstStyle/>
-          <a:p>
-            <a:r>
-              <a:rPr lang="en-US" dirty="0">
-                <a:solidFill>
-                  <a:schemeClr val="bg1"/>
-                </a:solidFill>
-              </a:rPr>
-              <a:t>NB: All images are placeholder</a:t>
-            </a:r>
-            <a:endParaRPr lang="en-NZ" dirty="0">
-              <a:solidFill>
-                <a:schemeClr val="bg1"/>
-              </a:solidFill>
-            </a:endParaRPr>
-          </a:p>
-        </p:txBody>
-      </p:sp>
     </p:spTree>
     <p:extLst>
       <p:ext uri="{BB962C8B-B14F-4D97-AF65-F5344CB8AC3E}">
-        <p14:creationId xmlns:p14="http://schemas.microsoft.com/office/powerpoint/2010/main" val="3679856688"/>
+        <p14:creationId xmlns:p14="http://schemas.microsoft.com/office/powerpoint/2010/main" val="698788544"/>
       </p:ext>
     </p:extLst>
   </p:cSld>
@@ -5456,10 +5761,10 @@
       </p:grpSpPr>
       <p:pic>
         <p:nvPicPr>
-          <p:cNvPr id="3" name="Picture 2">
-            <a:extLst>
-              <a:ext uri="{FF2B5EF4-FFF2-40B4-BE49-F238E27FC236}">
-                <a16:creationId xmlns:a16="http://schemas.microsoft.com/office/drawing/2014/main" id="{1BD32706-393C-4AAA-A1E6-8BBAF70E6F4B}"/>
+          <p:cNvPr id="9" name="Picture 8">
+            <a:extLst>
+              <a:ext uri="{FF2B5EF4-FFF2-40B4-BE49-F238E27FC236}">
+                <a16:creationId xmlns:a16="http://schemas.microsoft.com/office/drawing/2014/main" id="{46224E60-DD68-4DF6-80D6-889B0A25FA79}"/>
               </a:ext>
             </a:extLst>
           </p:cNvPr>
@@ -5468,95 +5773,312 @@
           </p:cNvPicPr>
           <p:nvPr/>
         </p:nvPicPr>
-        <p:blipFill>
+        <p:blipFill rotWithShape="1">
           <a:blip r:embed="rId2"/>
-          <a:stretch>
-            <a:fillRect/>
-          </a:stretch>
+          <a:srcRect r="2211" b="1745"/>
+          <a:stretch/>
         </p:blipFill>
         <p:spPr>
           <a:xfrm>
-            <a:off x="2424564" y="3726284"/>
-            <a:ext cx="1112571" cy="1127210"/>
+            <a:off x="4284344" y="217169"/>
+            <a:ext cx="3623311" cy="6423661"/>
           </a:xfrm>
           <a:prstGeom prst="rect">
             <a:avLst/>
           </a:prstGeom>
         </p:spPr>
       </p:pic>
-      <p:pic>
-        <p:nvPicPr>
-          <p:cNvPr id="11" name="Picture 10">
-            <a:extLst>
-              <a:ext uri="{FF2B5EF4-FFF2-40B4-BE49-F238E27FC236}">
-                <a16:creationId xmlns:a16="http://schemas.microsoft.com/office/drawing/2014/main" id="{985D2934-FC9C-4BB1-9AC0-6ABA61A0067A}"/>
-              </a:ext>
-            </a:extLst>
-          </p:cNvPr>
-          <p:cNvPicPr>
-            <a:picLocks noChangeAspect="1"/>
-          </p:cNvPicPr>
-          <p:nvPr/>
-        </p:nvPicPr>
-        <p:blipFill>
-          <a:blip r:embed="rId3"/>
-          <a:stretch>
-            <a:fillRect/>
-          </a:stretch>
-        </p:blipFill>
-        <p:spPr>
-          <a:xfrm>
-            <a:off x="1109664" y="3146836"/>
-            <a:ext cx="1112571" cy="1143053"/>
-          </a:xfrm>
-          <a:prstGeom prst="rect">
-            <a:avLst/>
-          </a:prstGeom>
-        </p:spPr>
-      </p:pic>
-      <p:sp>
-        <p:nvSpPr>
-          <p:cNvPr id="20" name="Title 1">
-            <a:extLst>
-              <a:ext uri="{FF2B5EF4-FFF2-40B4-BE49-F238E27FC236}">
-                <a16:creationId xmlns:a16="http://schemas.microsoft.com/office/drawing/2014/main" id="{544E256E-F371-41F7-A507-3DD7C98198F6}"/>
-              </a:ext>
-            </a:extLst>
-          </p:cNvPr>
-          <p:cNvSpPr>
-            <a:spLocks noGrp="1"/>
-          </p:cNvSpPr>
-          <p:nvPr>
-            <p:ph type="ctrTitle"/>
-          </p:nvPr>
-        </p:nvSpPr>
-        <p:spPr>
-          <a:xfrm>
-            <a:off x="0" y="496380"/>
-            <a:ext cx="12192000" cy="1143475"/>
-          </a:xfrm>
-        </p:spPr>
-        <p:txBody>
-          <a:bodyPr>
-            <a:normAutofit fontScale="90000"/>
-          </a:bodyPr>
+      <p:sp>
+        <p:nvSpPr>
+          <p:cNvPr id="10" name="Oval 9">
+            <a:extLst>
+              <a:ext uri="{FF2B5EF4-FFF2-40B4-BE49-F238E27FC236}">
+                <a16:creationId xmlns:a16="http://schemas.microsoft.com/office/drawing/2014/main" id="{AF3B369A-5BEA-4C2F-99CC-50349E66A9F1}"/>
+              </a:ext>
+            </a:extLst>
+          </p:cNvPr>
+          <p:cNvSpPr/>
+          <p:nvPr/>
+        </p:nvSpPr>
+        <p:spPr>
+          <a:xfrm>
+            <a:off x="4183380" y="1771650"/>
+            <a:ext cx="3954780" cy="3611880"/>
+          </a:xfrm>
+          <a:prstGeom prst="ellipse">
+            <a:avLst/>
+          </a:prstGeom>
+          <a:noFill/>
+          <a:ln w="57150">
+            <a:solidFill>
+              <a:srgbClr val="FF0000"/>
+            </a:solidFill>
+          </a:ln>
+        </p:spPr>
+        <p:style>
+          <a:lnRef idx="2">
+            <a:schemeClr val="accent1">
+              <a:shade val="50000"/>
+            </a:schemeClr>
+          </a:lnRef>
+          <a:fillRef idx="1">
+            <a:schemeClr val="accent1"/>
+          </a:fillRef>
+          <a:effectRef idx="0">
+            <a:schemeClr val="accent1"/>
+          </a:effectRef>
+          <a:fontRef idx="minor">
+            <a:schemeClr val="lt1"/>
+          </a:fontRef>
+        </p:style>
+        <p:txBody>
+          <a:bodyPr rtlCol="0" anchor="ctr"/>
           <a:lstStyle/>
           <a:p>
-            <a:r>
-              <a:rPr lang="en-US" sz="8000" b="1" dirty="0">
-                <a:solidFill>
-                  <a:schemeClr val="bg1"/>
-                </a:solidFill>
-                <a:latin typeface="Abadi" panose="020B0604020202020204" pitchFamily="34" charset="0"/>
-              </a:rPr>
-              <a:t>Food</a:t>
-            </a:r>
-            <a:endParaRPr lang="en-NZ" sz="8000" b="1" dirty="0">
-              <a:solidFill>
-                <a:schemeClr val="bg1"/>
-              </a:solidFill>
-              <a:latin typeface="Abadi" panose="020B0604020202020204" pitchFamily="34" charset="0"/>
-            </a:endParaRPr>
+            <a:pPr algn="ctr"/>
+            <a:endParaRPr lang="en-NZ"/>
+          </a:p>
+        </p:txBody>
+      </p:sp>
+      <p:cxnSp>
+        <p:nvCxnSpPr>
+          <p:cNvPr id="12" name="Straight Connector 11">
+            <a:extLst>
+              <a:ext uri="{FF2B5EF4-FFF2-40B4-BE49-F238E27FC236}">
+                <a16:creationId xmlns:a16="http://schemas.microsoft.com/office/drawing/2014/main" id="{301D78F4-9F30-4298-B122-9779EDEDD154}"/>
+              </a:ext>
+            </a:extLst>
+          </p:cNvPr>
+          <p:cNvCxnSpPr>
+            <a:cxnSpLocks/>
+            <a:stCxn id="10" idx="2"/>
+            <a:endCxn id="22" idx="3"/>
+          </p:cNvCxnSpPr>
+          <p:nvPr/>
+        </p:nvCxnSpPr>
+        <p:spPr>
+          <a:xfrm flipH="1" flipV="1">
+            <a:off x="2983230" y="2663190"/>
+            <a:ext cx="1200150" cy="914400"/>
+          </a:xfrm>
+          <a:prstGeom prst="line">
+            <a:avLst/>
+          </a:prstGeom>
+          <a:ln w="57150">
+            <a:solidFill>
+              <a:srgbClr val="FF0000"/>
+            </a:solidFill>
+          </a:ln>
+        </p:spPr>
+        <p:style>
+          <a:lnRef idx="1">
+            <a:schemeClr val="accent1"/>
+          </a:lnRef>
+          <a:fillRef idx="0">
+            <a:schemeClr val="accent1"/>
+          </a:fillRef>
+          <a:effectRef idx="0">
+            <a:schemeClr val="accent1"/>
+          </a:effectRef>
+          <a:fontRef idx="minor">
+            <a:schemeClr val="tx1"/>
+          </a:fontRef>
+        </p:style>
+      </p:cxnSp>
+      <p:sp>
+        <p:nvSpPr>
+          <p:cNvPr id="14" name="Oval 13">
+            <a:extLst>
+              <a:ext uri="{FF2B5EF4-FFF2-40B4-BE49-F238E27FC236}">
+                <a16:creationId xmlns:a16="http://schemas.microsoft.com/office/drawing/2014/main" id="{C7659CB9-063B-4901-B7F0-6B5418851A5F}"/>
+              </a:ext>
+            </a:extLst>
+          </p:cNvPr>
+          <p:cNvSpPr/>
+          <p:nvPr/>
+        </p:nvSpPr>
+        <p:spPr>
+          <a:xfrm>
+            <a:off x="4183380" y="5269231"/>
+            <a:ext cx="2933700" cy="1497330"/>
+          </a:xfrm>
+          <a:prstGeom prst="ellipse">
+            <a:avLst/>
+          </a:prstGeom>
+          <a:noFill/>
+          <a:ln w="57150">
+            <a:solidFill>
+              <a:srgbClr val="FF0000"/>
+            </a:solidFill>
+          </a:ln>
+        </p:spPr>
+        <p:style>
+          <a:lnRef idx="2">
+            <a:schemeClr val="accent1">
+              <a:shade val="50000"/>
+            </a:schemeClr>
+          </a:lnRef>
+          <a:fillRef idx="1">
+            <a:schemeClr val="accent1"/>
+          </a:fillRef>
+          <a:effectRef idx="0">
+            <a:schemeClr val="accent1"/>
+          </a:effectRef>
+          <a:fontRef idx="minor">
+            <a:schemeClr val="lt1"/>
+          </a:fontRef>
+        </p:style>
+        <p:txBody>
+          <a:bodyPr rtlCol="0" anchor="ctr"/>
+          <a:lstStyle/>
+          <a:p>
+            <a:pPr algn="ctr"/>
+            <a:endParaRPr lang="en-NZ"/>
+          </a:p>
+        </p:txBody>
+      </p:sp>
+      <p:cxnSp>
+        <p:nvCxnSpPr>
+          <p:cNvPr id="15" name="Straight Connector 14">
+            <a:extLst>
+              <a:ext uri="{FF2B5EF4-FFF2-40B4-BE49-F238E27FC236}">
+                <a16:creationId xmlns:a16="http://schemas.microsoft.com/office/drawing/2014/main" id="{83DA60F3-6259-48CC-B8C3-74FF9BF2D7F7}"/>
+              </a:ext>
+            </a:extLst>
+          </p:cNvPr>
+          <p:cNvCxnSpPr>
+            <a:cxnSpLocks/>
+            <a:stCxn id="14" idx="6"/>
+            <a:endCxn id="24" idx="1"/>
+          </p:cNvCxnSpPr>
+          <p:nvPr/>
+        </p:nvCxnSpPr>
+        <p:spPr>
+          <a:xfrm flipV="1">
+            <a:off x="7117080" y="4935618"/>
+            <a:ext cx="1760221" cy="1082278"/>
+          </a:xfrm>
+          <a:prstGeom prst="line">
+            <a:avLst/>
+          </a:prstGeom>
+          <a:ln w="57150">
+            <a:solidFill>
+              <a:srgbClr val="FF0000"/>
+            </a:solidFill>
+          </a:ln>
+        </p:spPr>
+        <p:style>
+          <a:lnRef idx="1">
+            <a:schemeClr val="accent1"/>
+          </a:lnRef>
+          <a:fillRef idx="0">
+            <a:schemeClr val="accent1"/>
+          </a:fillRef>
+          <a:effectRef idx="0">
+            <a:schemeClr val="accent1"/>
+          </a:effectRef>
+          <a:fontRef idx="minor">
+            <a:schemeClr val="tx1"/>
+          </a:fontRef>
+        </p:style>
+      </p:cxnSp>
+      <p:sp>
+        <p:nvSpPr>
+          <p:cNvPr id="22" name="Rectangle 21">
+            <a:extLst>
+              <a:ext uri="{FF2B5EF4-FFF2-40B4-BE49-F238E27FC236}">
+                <a16:creationId xmlns:a16="http://schemas.microsoft.com/office/drawing/2014/main" id="{6FADD8DA-462D-44CF-82E8-310CE77EC68F}"/>
+              </a:ext>
+            </a:extLst>
+          </p:cNvPr>
+          <p:cNvSpPr/>
+          <p:nvPr/>
+        </p:nvSpPr>
+        <p:spPr>
+          <a:xfrm>
+            <a:off x="1200150" y="2411730"/>
+            <a:ext cx="1783080" cy="502920"/>
+          </a:xfrm>
+          <a:prstGeom prst="rect">
+            <a:avLst/>
+          </a:prstGeom>
+        </p:spPr>
+        <p:style>
+          <a:lnRef idx="2">
+            <a:schemeClr val="accent1">
+              <a:shade val="50000"/>
+            </a:schemeClr>
+          </a:lnRef>
+          <a:fillRef idx="1">
+            <a:schemeClr val="accent1"/>
+          </a:fillRef>
+          <a:effectRef idx="0">
+            <a:schemeClr val="accent1"/>
+          </a:effectRef>
+          <a:fontRef idx="minor">
+            <a:schemeClr val="lt1"/>
+          </a:fontRef>
+        </p:style>
+        <p:txBody>
+          <a:bodyPr rtlCol="0" anchor="ctr"/>
+          <a:lstStyle/>
+          <a:p>
+            <a:pPr algn="ctr"/>
+            <a:r>
+              <a:rPr lang="en-US" dirty="0"/>
+              <a:t>Board</a:t>
+            </a:r>
+            <a:endParaRPr lang="en-NZ" dirty="0"/>
+          </a:p>
+        </p:txBody>
+      </p:sp>
+      <p:sp>
+        <p:nvSpPr>
+          <p:cNvPr id="24" name="Rectangle 23">
+            <a:extLst>
+              <a:ext uri="{FF2B5EF4-FFF2-40B4-BE49-F238E27FC236}">
+                <a16:creationId xmlns:a16="http://schemas.microsoft.com/office/drawing/2014/main" id="{26BB3DC7-C8EA-4A53-95A7-CB53149864D6}"/>
+              </a:ext>
+            </a:extLst>
+          </p:cNvPr>
+          <p:cNvSpPr/>
+          <p:nvPr/>
+        </p:nvSpPr>
+        <p:spPr>
+          <a:xfrm>
+            <a:off x="8877301" y="4704875"/>
+            <a:ext cx="1718309" cy="461485"/>
+          </a:xfrm>
+          <a:prstGeom prst="rect">
+            <a:avLst/>
+          </a:prstGeom>
+        </p:spPr>
+        <p:style>
+          <a:lnRef idx="2">
+            <a:schemeClr val="accent1">
+              <a:shade val="50000"/>
+            </a:schemeClr>
+          </a:lnRef>
+          <a:fillRef idx="1">
+            <a:schemeClr val="accent1"/>
+          </a:fillRef>
+          <a:effectRef idx="0">
+            <a:schemeClr val="accent1"/>
+          </a:effectRef>
+          <a:fontRef idx="minor">
+            <a:schemeClr val="lt1"/>
+          </a:fontRef>
+        </p:style>
+        <p:txBody>
+          <a:bodyPr rtlCol="0" anchor="ctr"/>
+          <a:lstStyle/>
+          <a:p>
+            <a:pPr algn="ctr"/>
+            <a:r>
+              <a:rPr lang="en-US" dirty="0"/>
+              <a:t>Hand</a:t>
+            </a:r>
+            <a:endParaRPr lang="en-NZ" dirty="0"/>
           </a:p>
         </p:txBody>
       </p:sp>
@@ -5565,7 +6087,7 @@
           <p:cNvPr id="2" name="TextBox 1">
             <a:extLst>
               <a:ext uri="{FF2B5EF4-FFF2-40B4-BE49-F238E27FC236}">
-                <a16:creationId xmlns:a16="http://schemas.microsoft.com/office/drawing/2014/main" id="{9B4EC83F-B984-46D6-863B-F8006A4E1083}"/>
+                <a16:creationId xmlns:a16="http://schemas.microsoft.com/office/drawing/2014/main" id="{DF94B492-D8B9-4DF4-A92F-7108E60F643D}"/>
               </a:ext>
             </a:extLst>
           </p:cNvPr>
@@ -5574,8 +6096,8 @@
         </p:nvSpPr>
         <p:spPr>
           <a:xfrm>
-            <a:off x="5074920" y="2583001"/>
-            <a:ext cx="5875020" cy="1200329"/>
+            <a:off x="783907" y="2908398"/>
+            <a:ext cx="2615566" cy="646331"/>
           </a:xfrm>
           <a:prstGeom prst="rect">
             <a:avLst/>
@@ -5588,59 +6110,57 @@
           </a:bodyPr>
           <a:lstStyle/>
           <a:p>
-            <a:pPr marL="285750" indent="-285750">
-              <a:buFontTx/>
-              <a:buChar char="-"/>
-            </a:pPr>
             <a:r>
               <a:rPr lang="en-US" dirty="0">
                 <a:solidFill>
                   <a:schemeClr val="bg1"/>
                 </a:solidFill>
               </a:rPr>
-              <a:t>The most common type of tile</a:t>
-            </a:r>
-          </a:p>
-          <a:p>
-            <a:pPr marL="285750" indent="-285750">
-              <a:buFontTx/>
-              <a:buChar char="-"/>
-            </a:pPr>
+              <a:t>This is where the tiles will generate. </a:t>
+            </a:r>
+            <a:endParaRPr lang="en-NZ" dirty="0">
+              <a:solidFill>
+                <a:schemeClr val="bg1"/>
+              </a:solidFill>
+            </a:endParaRPr>
+          </a:p>
+        </p:txBody>
+      </p:sp>
+      <p:sp>
+        <p:nvSpPr>
+          <p:cNvPr id="11" name="TextBox 10">
+            <a:extLst>
+              <a:ext uri="{FF2B5EF4-FFF2-40B4-BE49-F238E27FC236}">
+                <a16:creationId xmlns:a16="http://schemas.microsoft.com/office/drawing/2014/main" id="{08753FB2-31AD-4B58-AE6D-6A9325E0C7DC}"/>
+              </a:ext>
+            </a:extLst>
+          </p:cNvPr>
+          <p:cNvSpPr txBox="1"/>
+          <p:nvPr/>
+        </p:nvSpPr>
+        <p:spPr>
+          <a:xfrm>
+            <a:off x="8428673" y="5166360"/>
+            <a:ext cx="2615566" cy="646331"/>
+          </a:xfrm>
+          <a:prstGeom prst="rect">
+            <a:avLst/>
+          </a:prstGeom>
+          <a:noFill/>
+        </p:spPr>
+        <p:txBody>
+          <a:bodyPr wrap="square" rtlCol="0">
+            <a:spAutoFit/>
+          </a:bodyPr>
+          <a:lstStyle/>
+          <a:p>
             <a:r>
               <a:rPr lang="en-US" dirty="0">
                 <a:solidFill>
                   <a:schemeClr val="bg1"/>
                 </a:solidFill>
               </a:rPr>
-              <a:t>Each is a single ingredient with some attached points</a:t>
-            </a:r>
-          </a:p>
-          <a:p>
-            <a:pPr marL="285750" indent="-285750">
-              <a:buFontTx/>
-              <a:buChar char="-"/>
-            </a:pPr>
-            <a:r>
-              <a:rPr lang="en-US" dirty="0">
-                <a:solidFill>
-                  <a:schemeClr val="bg1"/>
-                </a:solidFill>
-              </a:rPr>
-              <a:t>Are used to make meals</a:t>
-            </a:r>
-          </a:p>
-          <a:p>
-            <a:pPr marL="285750" indent="-285750">
-              <a:buFontTx/>
-              <a:buChar char="-"/>
-            </a:pPr>
-            <a:r>
-              <a:rPr lang="en-US" dirty="0">
-                <a:solidFill>
-                  <a:schemeClr val="bg1"/>
-                </a:solidFill>
-              </a:rPr>
-              <a:t>Yellow Colour</a:t>
+              <a:t>This is where your cards will be.</a:t>
             </a:r>
             <a:endParaRPr lang="en-NZ" dirty="0">
               <a:solidFill>
@@ -5650,189 +6170,10 @@
           </a:p>
         </p:txBody>
       </p:sp>
-      <p:pic>
-        <p:nvPicPr>
-          <p:cNvPr id="13" name="Picture 12">
-            <a:extLst>
-              <a:ext uri="{FF2B5EF4-FFF2-40B4-BE49-F238E27FC236}">
-                <a16:creationId xmlns:a16="http://schemas.microsoft.com/office/drawing/2014/main" id="{788BE042-77DA-4FD7-8822-A5FF2638102D}"/>
-              </a:ext>
-            </a:extLst>
-          </p:cNvPr>
-          <p:cNvPicPr>
-            <a:picLocks noChangeAspect="1"/>
-          </p:cNvPicPr>
-          <p:nvPr/>
-        </p:nvPicPr>
-        <p:blipFill rotWithShape="1">
-          <a:blip r:embed="rId4"/>
-          <a:srcRect r="2211" b="1745"/>
-          <a:stretch/>
-        </p:blipFill>
-        <p:spPr>
-          <a:xfrm>
-            <a:off x="11020450" y="2500"/>
-            <a:ext cx="1171550" cy="2077006"/>
-          </a:xfrm>
-          <a:prstGeom prst="rect">
-            <a:avLst/>
-          </a:prstGeom>
-        </p:spPr>
-      </p:pic>
-      <p:pic>
-        <p:nvPicPr>
-          <p:cNvPr id="14" name="Picture 13">
-            <a:extLst>
-              <a:ext uri="{FF2B5EF4-FFF2-40B4-BE49-F238E27FC236}">
-                <a16:creationId xmlns:a16="http://schemas.microsoft.com/office/drawing/2014/main" id="{2BE4C2E7-C8FB-4E62-AF7A-5A20A052E7D5}"/>
-              </a:ext>
-            </a:extLst>
-          </p:cNvPr>
-          <p:cNvPicPr>
-            <a:picLocks noChangeAspect="1"/>
-          </p:cNvPicPr>
-          <p:nvPr/>
-        </p:nvPicPr>
-        <p:blipFill>
-          <a:blip r:embed="rId2"/>
-          <a:stretch>
-            <a:fillRect/>
-          </a:stretch>
-        </p:blipFill>
-        <p:spPr>
-          <a:xfrm>
-            <a:off x="11069772" y="523875"/>
-            <a:ext cx="348475" cy="353060"/>
-          </a:xfrm>
-          <a:prstGeom prst="rect">
-            <a:avLst/>
-          </a:prstGeom>
-        </p:spPr>
-      </p:pic>
-      <p:pic>
-        <p:nvPicPr>
-          <p:cNvPr id="15" name="Picture 14">
-            <a:extLst>
-              <a:ext uri="{FF2B5EF4-FFF2-40B4-BE49-F238E27FC236}">
-                <a16:creationId xmlns:a16="http://schemas.microsoft.com/office/drawing/2014/main" id="{8BBF0E49-FB04-4917-B341-69AB44569F8C}"/>
-              </a:ext>
-            </a:extLst>
-          </p:cNvPr>
-          <p:cNvPicPr>
-            <a:picLocks noChangeAspect="1"/>
-          </p:cNvPicPr>
-          <p:nvPr/>
-        </p:nvPicPr>
-        <p:blipFill>
-          <a:blip r:embed="rId2"/>
-          <a:stretch>
-            <a:fillRect/>
-          </a:stretch>
-        </p:blipFill>
-        <p:spPr>
-          <a:xfrm>
-            <a:off x="11064369" y="891587"/>
-            <a:ext cx="348475" cy="353060"/>
-          </a:xfrm>
-          <a:prstGeom prst="rect">
-            <a:avLst/>
-          </a:prstGeom>
-        </p:spPr>
-      </p:pic>
-      <p:pic>
-        <p:nvPicPr>
-          <p:cNvPr id="16" name="Picture 15">
-            <a:extLst>
-              <a:ext uri="{FF2B5EF4-FFF2-40B4-BE49-F238E27FC236}">
-                <a16:creationId xmlns:a16="http://schemas.microsoft.com/office/drawing/2014/main" id="{03ABE319-B024-4A40-8C35-CDFCE3BE9428}"/>
-              </a:ext>
-            </a:extLst>
-          </p:cNvPr>
-          <p:cNvPicPr>
-            <a:picLocks noChangeAspect="1"/>
-          </p:cNvPicPr>
-          <p:nvPr/>
-        </p:nvPicPr>
-        <p:blipFill>
-          <a:blip r:embed="rId3"/>
-          <a:stretch>
-            <a:fillRect/>
-          </a:stretch>
-        </p:blipFill>
-        <p:spPr>
-          <a:xfrm>
-            <a:off x="11794621" y="891587"/>
-            <a:ext cx="348475" cy="358022"/>
-          </a:xfrm>
-          <a:prstGeom prst="rect">
-            <a:avLst/>
-          </a:prstGeom>
-        </p:spPr>
-      </p:pic>
-      <p:pic>
-        <p:nvPicPr>
-          <p:cNvPr id="17" name="Picture 16">
-            <a:extLst>
-              <a:ext uri="{FF2B5EF4-FFF2-40B4-BE49-F238E27FC236}">
-                <a16:creationId xmlns:a16="http://schemas.microsoft.com/office/drawing/2014/main" id="{675E38B5-B22C-4B27-82F8-6CFB308C60D6}"/>
-              </a:ext>
-            </a:extLst>
-          </p:cNvPr>
-          <p:cNvPicPr>
-            <a:picLocks noChangeAspect="1"/>
-          </p:cNvPicPr>
-          <p:nvPr/>
-        </p:nvPicPr>
-        <p:blipFill>
-          <a:blip r:embed="rId3"/>
-          <a:stretch>
-            <a:fillRect/>
-          </a:stretch>
-        </p:blipFill>
-        <p:spPr>
-          <a:xfrm>
-            <a:off x="11794621" y="1265721"/>
-            <a:ext cx="348475" cy="358022"/>
-          </a:xfrm>
-          <a:prstGeom prst="rect">
-            <a:avLst/>
-          </a:prstGeom>
-        </p:spPr>
-      </p:pic>
-      <p:pic>
-        <p:nvPicPr>
-          <p:cNvPr id="18" name="Picture 17">
-            <a:extLst>
-              <a:ext uri="{FF2B5EF4-FFF2-40B4-BE49-F238E27FC236}">
-                <a16:creationId xmlns:a16="http://schemas.microsoft.com/office/drawing/2014/main" id="{9B5CE37C-47D2-4DCB-9D57-DF0B0AE09A29}"/>
-              </a:ext>
-            </a:extLst>
-          </p:cNvPr>
-          <p:cNvPicPr>
-            <a:picLocks noChangeAspect="1"/>
-          </p:cNvPicPr>
-          <p:nvPr/>
-        </p:nvPicPr>
-        <p:blipFill>
-          <a:blip r:embed="rId3"/>
-          <a:stretch>
-            <a:fillRect/>
-          </a:stretch>
-        </p:blipFill>
-        <p:spPr>
-          <a:xfrm>
-            <a:off x="11446146" y="1265721"/>
-            <a:ext cx="348475" cy="358022"/>
-          </a:xfrm>
-          <a:prstGeom prst="rect">
-            <a:avLst/>
-          </a:prstGeom>
-        </p:spPr>
-      </p:pic>
     </p:spTree>
     <p:extLst>
       <p:ext uri="{BB962C8B-B14F-4D97-AF65-F5344CB8AC3E}">
-        <p14:creationId xmlns:p14="http://schemas.microsoft.com/office/powerpoint/2010/main" val="2849227271"/>
+        <p14:creationId xmlns:p14="http://schemas.microsoft.com/office/powerpoint/2010/main" val="4287846018"/>
       </p:ext>
     </p:extLst>
   </p:cSld>
@@ -5861,10 +6202,10 @@
       </p:grpSpPr>
       <p:pic>
         <p:nvPicPr>
-          <p:cNvPr id="7" name="Picture 6">
-            <a:extLst>
-              <a:ext uri="{FF2B5EF4-FFF2-40B4-BE49-F238E27FC236}">
-                <a16:creationId xmlns:a16="http://schemas.microsoft.com/office/drawing/2014/main" id="{D54866B4-3F98-461A-B36F-3A76E241EC72}"/>
+          <p:cNvPr id="3" name="Picture 2">
+            <a:extLst>
+              <a:ext uri="{FF2B5EF4-FFF2-40B4-BE49-F238E27FC236}">
+                <a16:creationId xmlns:a16="http://schemas.microsoft.com/office/drawing/2014/main" id="{1BD32706-393C-4AAA-A1E6-8BBAF70E6F4B}"/>
               </a:ext>
             </a:extLst>
           </p:cNvPr>
@@ -5881,137 +6222,20 @@
         </p:blipFill>
         <p:spPr>
           <a:xfrm>
-            <a:off x="2090912" y="2711146"/>
-            <a:ext cx="1112571" cy="1142641"/>
+            <a:off x="2297379" y="4561878"/>
+            <a:ext cx="1112571" cy="1127210"/>
           </a:xfrm>
           <a:prstGeom prst="rect">
             <a:avLst/>
           </a:prstGeom>
         </p:spPr>
       </p:pic>
-      <p:sp>
-        <p:nvSpPr>
-          <p:cNvPr id="20" name="Title 1">
-            <a:extLst>
-              <a:ext uri="{FF2B5EF4-FFF2-40B4-BE49-F238E27FC236}">
-                <a16:creationId xmlns:a16="http://schemas.microsoft.com/office/drawing/2014/main" id="{544E256E-F371-41F7-A507-3DD7C98198F6}"/>
-              </a:ext>
-            </a:extLst>
-          </p:cNvPr>
-          <p:cNvSpPr>
-            <a:spLocks noGrp="1"/>
-          </p:cNvSpPr>
-          <p:nvPr>
-            <p:ph type="ctrTitle"/>
-          </p:nvPr>
-        </p:nvSpPr>
-        <p:spPr>
-          <a:xfrm>
-            <a:off x="0" y="496380"/>
-            <a:ext cx="12192000" cy="1143475"/>
-          </a:xfrm>
-        </p:spPr>
-        <p:txBody>
-          <a:bodyPr>
-            <a:normAutofit fontScale="90000"/>
-          </a:bodyPr>
-          <a:lstStyle/>
-          <a:p>
-            <a:r>
-              <a:rPr lang="en-US" sz="8000" b="1" dirty="0">
-                <a:solidFill>
-                  <a:schemeClr val="bg1"/>
-                </a:solidFill>
-                <a:latin typeface="Abadi" panose="020B0604020202020204" pitchFamily="34" charset="0"/>
-              </a:rPr>
-              <a:t>Obstacles</a:t>
-            </a:r>
-            <a:endParaRPr lang="en-NZ" sz="8000" b="1" dirty="0">
-              <a:solidFill>
-                <a:schemeClr val="bg1"/>
-              </a:solidFill>
-              <a:latin typeface="Abadi" panose="020B0604020202020204" pitchFamily="34" charset="0"/>
-            </a:endParaRPr>
-          </a:p>
-        </p:txBody>
-      </p:sp>
-      <p:sp>
-        <p:nvSpPr>
-          <p:cNvPr id="12" name="TextBox 11">
-            <a:extLst>
-              <a:ext uri="{FF2B5EF4-FFF2-40B4-BE49-F238E27FC236}">
-                <a16:creationId xmlns:a16="http://schemas.microsoft.com/office/drawing/2014/main" id="{DC3A71CB-37AA-41E0-A032-E2647978A1AD}"/>
-              </a:ext>
-            </a:extLst>
-          </p:cNvPr>
-          <p:cNvSpPr txBox="1"/>
-          <p:nvPr/>
-        </p:nvSpPr>
-        <p:spPr>
-          <a:xfrm>
-            <a:off x="4880610" y="2820801"/>
-            <a:ext cx="4469130" cy="923330"/>
-          </a:xfrm>
-          <a:prstGeom prst="rect">
-            <a:avLst/>
-          </a:prstGeom>
-          <a:noFill/>
-        </p:spPr>
-        <p:txBody>
-          <a:bodyPr wrap="square" rtlCol="0">
-            <a:spAutoFit/>
-          </a:bodyPr>
-          <a:lstStyle/>
-          <a:p>
-            <a:pPr marL="285750" indent="-285750">
-              <a:buFontTx/>
-              <a:buChar char="-"/>
-            </a:pPr>
-            <a:r>
-              <a:rPr lang="en-US" dirty="0">
-                <a:solidFill>
-                  <a:schemeClr val="bg1"/>
-                </a:solidFill>
-              </a:rPr>
-              <a:t>Needed as a base to make some meals</a:t>
-            </a:r>
-          </a:p>
-          <a:p>
-            <a:pPr marL="285750" indent="-285750">
-              <a:buFontTx/>
-              <a:buChar char="-"/>
-            </a:pPr>
-            <a:r>
-              <a:rPr lang="en-US" dirty="0">
-                <a:solidFill>
-                  <a:schemeClr val="bg1"/>
-                </a:solidFill>
-              </a:rPr>
-              <a:t>Can’t be used as an ingredient</a:t>
-            </a:r>
-          </a:p>
-          <a:p>
-            <a:pPr marL="285750" indent="-285750">
-              <a:buFontTx/>
-              <a:buChar char="-"/>
-            </a:pPr>
-            <a:r>
-              <a:rPr lang="en-US" dirty="0">
-                <a:solidFill>
-                  <a:schemeClr val="bg1"/>
-                </a:solidFill>
-              </a:rPr>
-              <a:t>Grey Colour</a:t>
-            </a:r>
-          </a:p>
-        </p:txBody>
-      </p:sp>
       <p:pic>
         <p:nvPicPr>
-          <p:cNvPr id="13" name="Picture 12">
-            <a:extLst>
-              <a:ext uri="{FF2B5EF4-FFF2-40B4-BE49-F238E27FC236}">
-                <a16:creationId xmlns:a16="http://schemas.microsoft.com/office/drawing/2014/main" id="{374496DB-29CC-4D49-B8AB-77E7BFDE36C9}"/>
+          <p:cNvPr id="7" name="Picture 6">
+            <a:extLst>
+              <a:ext uri="{FF2B5EF4-FFF2-40B4-BE49-F238E27FC236}">
+                <a16:creationId xmlns:a16="http://schemas.microsoft.com/office/drawing/2014/main" id="{D54866B4-3F98-461A-B36F-3A76E241EC72}"/>
               </a:ext>
             </a:extLst>
           </p:cNvPr>
@@ -6020,15 +6244,16 @@
           </p:cNvPicPr>
           <p:nvPr/>
         </p:nvPicPr>
-        <p:blipFill rotWithShape="1">
+        <p:blipFill>
           <a:blip r:embed="rId3"/>
-          <a:srcRect r="2211" b="1745"/>
-          <a:stretch/>
+          <a:stretch>
+            <a:fillRect/>
+          </a:stretch>
         </p:blipFill>
         <p:spPr>
           <a:xfrm>
-            <a:off x="11020450" y="2500"/>
-            <a:ext cx="1171550" cy="2077006"/>
+            <a:off x="5455894" y="4407704"/>
+            <a:ext cx="1112571" cy="1142641"/>
           </a:xfrm>
           <a:prstGeom prst="rect">
             <a:avLst/>
@@ -6037,10 +6262,10 @@
       </p:pic>
       <p:pic>
         <p:nvPicPr>
-          <p:cNvPr id="14" name="Picture 13">
-            <a:extLst>
-              <a:ext uri="{FF2B5EF4-FFF2-40B4-BE49-F238E27FC236}">
-                <a16:creationId xmlns:a16="http://schemas.microsoft.com/office/drawing/2014/main" id="{A65BE4B1-FFD3-4585-9B7C-AE73A4C1DC6C}"/>
+          <p:cNvPr id="11" name="Picture 10">
+            <a:extLst>
+              <a:ext uri="{FF2B5EF4-FFF2-40B4-BE49-F238E27FC236}">
+                <a16:creationId xmlns:a16="http://schemas.microsoft.com/office/drawing/2014/main" id="{985D2934-FC9C-4BB1-9AC0-6ABA61A0067A}"/>
               </a:ext>
             </a:extLst>
           </p:cNvPr>
@@ -6057,50 +6282,116 @@
         </p:blipFill>
         <p:spPr>
           <a:xfrm>
-            <a:off x="11069772" y="523875"/>
-            <a:ext cx="348475" cy="353060"/>
+            <a:off x="1070584" y="4799275"/>
+            <a:ext cx="1112571" cy="1143053"/>
           </a:xfrm>
           <a:prstGeom prst="rect">
             <a:avLst/>
           </a:prstGeom>
         </p:spPr>
       </p:pic>
+      <p:sp>
+        <p:nvSpPr>
+          <p:cNvPr id="20" name="Title 1">
+            <a:extLst>
+              <a:ext uri="{FF2B5EF4-FFF2-40B4-BE49-F238E27FC236}">
+                <a16:creationId xmlns:a16="http://schemas.microsoft.com/office/drawing/2014/main" id="{544E256E-F371-41F7-A507-3DD7C98198F6}"/>
+              </a:ext>
+            </a:extLst>
+          </p:cNvPr>
+          <p:cNvSpPr>
+            <a:spLocks noGrp="1"/>
+          </p:cNvSpPr>
+          <p:nvPr>
+            <p:ph type="ctrTitle"/>
+          </p:nvPr>
+        </p:nvSpPr>
+        <p:spPr>
+          <a:xfrm>
+            <a:off x="0" y="496380"/>
+            <a:ext cx="12192000" cy="1143475"/>
+          </a:xfrm>
+        </p:spPr>
+        <p:txBody>
+          <a:bodyPr>
+            <a:normAutofit fontScale="90000"/>
+          </a:bodyPr>
+          <a:lstStyle/>
+          <a:p>
+            <a:r>
+              <a:rPr lang="en-US" sz="8000" b="1" dirty="0">
+                <a:solidFill>
+                  <a:schemeClr val="bg1"/>
+                </a:solidFill>
+                <a:latin typeface="Abadi" panose="020B0604020202020204" pitchFamily="34" charset="0"/>
+              </a:rPr>
+              <a:t>Tiles</a:t>
+            </a:r>
+            <a:endParaRPr lang="en-NZ" sz="8000" b="1" dirty="0">
+              <a:solidFill>
+                <a:schemeClr val="bg1"/>
+              </a:solidFill>
+              <a:latin typeface="Abadi" panose="020B0604020202020204" pitchFamily="34" charset="0"/>
+            </a:endParaRPr>
+          </a:p>
+        </p:txBody>
+      </p:sp>
+      <p:sp>
+        <p:nvSpPr>
+          <p:cNvPr id="21" name="Rectangle 20">
+            <a:extLst>
+              <a:ext uri="{FF2B5EF4-FFF2-40B4-BE49-F238E27FC236}">
+                <a16:creationId xmlns:a16="http://schemas.microsoft.com/office/drawing/2014/main" id="{2E487F09-2E3D-4B11-B1EE-624201516A97}"/>
+              </a:ext>
+            </a:extLst>
+          </p:cNvPr>
+          <p:cNvSpPr/>
+          <p:nvPr/>
+        </p:nvSpPr>
+        <p:spPr>
+          <a:xfrm>
+            <a:off x="1626870" y="3706032"/>
+            <a:ext cx="1783080" cy="502920"/>
+          </a:xfrm>
+          <a:prstGeom prst="rect">
+            <a:avLst/>
+          </a:prstGeom>
+        </p:spPr>
+        <p:style>
+          <a:lnRef idx="2">
+            <a:schemeClr val="accent1">
+              <a:shade val="50000"/>
+            </a:schemeClr>
+          </a:lnRef>
+          <a:fillRef idx="1">
+            <a:schemeClr val="accent1"/>
+          </a:fillRef>
+          <a:effectRef idx="0">
+            <a:schemeClr val="accent1"/>
+          </a:effectRef>
+          <a:fontRef idx="minor">
+            <a:schemeClr val="lt1"/>
+          </a:fontRef>
+        </p:style>
+        <p:txBody>
+          <a:bodyPr rtlCol="0" anchor="ctr"/>
+          <a:lstStyle/>
+          <a:p>
+            <a:pPr algn="ctr"/>
+            <a:r>
+              <a:rPr lang="en-US" dirty="0"/>
+              <a:t>Food</a:t>
+            </a:r>
+            <a:endParaRPr lang="en-NZ" dirty="0"/>
+          </a:p>
+        </p:txBody>
+      </p:sp>
       <p:pic>
         <p:nvPicPr>
-          <p:cNvPr id="15" name="Picture 14">
-            <a:extLst>
-              <a:ext uri="{FF2B5EF4-FFF2-40B4-BE49-F238E27FC236}">
-                <a16:creationId xmlns:a16="http://schemas.microsoft.com/office/drawing/2014/main" id="{8CCC48A5-E5B5-482C-BD49-D01BC05967E0}"/>
-              </a:ext>
-            </a:extLst>
-          </p:cNvPr>
-          <p:cNvPicPr>
-            <a:picLocks noChangeAspect="1"/>
-          </p:cNvPicPr>
-          <p:nvPr/>
-        </p:nvPicPr>
-        <p:blipFill>
-          <a:blip r:embed="rId4"/>
-          <a:stretch>
-            <a:fillRect/>
-          </a:stretch>
-        </p:blipFill>
-        <p:spPr>
-          <a:xfrm>
-            <a:off x="11064369" y="891587"/>
-            <a:ext cx="348475" cy="353060"/>
-          </a:xfrm>
-          <a:prstGeom prst="rect">
-            <a:avLst/>
-          </a:prstGeom>
-        </p:spPr>
-      </p:pic>
-      <p:pic>
-        <p:nvPicPr>
-          <p:cNvPr id="16" name="Picture 15">
-            <a:extLst>
-              <a:ext uri="{FF2B5EF4-FFF2-40B4-BE49-F238E27FC236}">
-                <a16:creationId xmlns:a16="http://schemas.microsoft.com/office/drawing/2014/main" id="{C93DFF07-D103-4A55-B708-CC214C1CA1EB}"/>
+          <p:cNvPr id="19" name="Picture 18">
+            <a:extLst>
+              <a:ext uri="{FF2B5EF4-FFF2-40B4-BE49-F238E27FC236}">
+                <a16:creationId xmlns:a16="http://schemas.microsoft.com/office/drawing/2014/main" id="{92C96E4D-3309-450B-843D-6ED6D81F23A0}"/>
               </a:ext>
             </a:extLst>
           </p:cNvPr>
@@ -6117,20 +6408,118 @@
         </p:blipFill>
         <p:spPr>
           <a:xfrm>
-            <a:off x="11794621" y="891587"/>
-            <a:ext cx="348475" cy="358022"/>
+            <a:off x="8849177" y="4721898"/>
+            <a:ext cx="1112571" cy="1143475"/>
           </a:xfrm>
           <a:prstGeom prst="rect">
             <a:avLst/>
           </a:prstGeom>
         </p:spPr>
       </p:pic>
+      <p:sp>
+        <p:nvSpPr>
+          <p:cNvPr id="26" name="Rectangle 25">
+            <a:extLst>
+              <a:ext uri="{FF2B5EF4-FFF2-40B4-BE49-F238E27FC236}">
+                <a16:creationId xmlns:a16="http://schemas.microsoft.com/office/drawing/2014/main" id="{3F62A64F-EA32-4866-AA15-36A911B6958C}"/>
+              </a:ext>
+            </a:extLst>
+          </p:cNvPr>
+          <p:cNvSpPr/>
+          <p:nvPr/>
+        </p:nvSpPr>
+        <p:spPr>
+          <a:xfrm>
+            <a:off x="5095147" y="3706032"/>
+            <a:ext cx="1783080" cy="502920"/>
+          </a:xfrm>
+          <a:prstGeom prst="rect">
+            <a:avLst/>
+          </a:prstGeom>
+        </p:spPr>
+        <p:style>
+          <a:lnRef idx="2">
+            <a:schemeClr val="accent1">
+              <a:shade val="50000"/>
+            </a:schemeClr>
+          </a:lnRef>
+          <a:fillRef idx="1">
+            <a:schemeClr val="accent1"/>
+          </a:fillRef>
+          <a:effectRef idx="0">
+            <a:schemeClr val="accent1"/>
+          </a:effectRef>
+          <a:fontRef idx="minor">
+            <a:schemeClr val="lt1"/>
+          </a:fontRef>
+        </p:style>
+        <p:txBody>
+          <a:bodyPr rtlCol="0" anchor="ctr"/>
+          <a:lstStyle/>
+          <a:p>
+            <a:pPr algn="ctr"/>
+            <a:r>
+              <a:rPr lang="en-US" dirty="0"/>
+              <a:t>Obstacles</a:t>
+            </a:r>
+          </a:p>
+        </p:txBody>
+      </p:sp>
+      <p:sp>
+        <p:nvSpPr>
+          <p:cNvPr id="27" name="Rectangle 26">
+            <a:extLst>
+              <a:ext uri="{FF2B5EF4-FFF2-40B4-BE49-F238E27FC236}">
+                <a16:creationId xmlns:a16="http://schemas.microsoft.com/office/drawing/2014/main" id="{79E6E36D-1489-49A1-8BD4-A036682205C1}"/>
+              </a:ext>
+            </a:extLst>
+          </p:cNvPr>
+          <p:cNvSpPr/>
+          <p:nvPr/>
+        </p:nvSpPr>
+        <p:spPr>
+          <a:xfrm>
+            <a:off x="8563424" y="3809222"/>
+            <a:ext cx="1783080" cy="502920"/>
+          </a:xfrm>
+          <a:prstGeom prst="rect">
+            <a:avLst/>
+          </a:prstGeom>
+        </p:spPr>
+        <p:style>
+          <a:lnRef idx="2">
+            <a:schemeClr val="accent1">
+              <a:shade val="50000"/>
+            </a:schemeClr>
+          </a:lnRef>
+          <a:fillRef idx="1">
+            <a:schemeClr val="accent1"/>
+          </a:fillRef>
+          <a:effectRef idx="0">
+            <a:schemeClr val="accent1"/>
+          </a:effectRef>
+          <a:fontRef idx="minor">
+            <a:schemeClr val="lt1"/>
+          </a:fontRef>
+        </p:style>
+        <p:txBody>
+          <a:bodyPr rtlCol="0" anchor="ctr"/>
+          <a:lstStyle/>
+          <a:p>
+            <a:pPr algn="ctr"/>
+            <a:r>
+              <a:rPr lang="en-US" dirty="0"/>
+              <a:t>Meals</a:t>
+            </a:r>
+          </a:p>
+        </p:txBody>
+      </p:sp>
       <p:pic>
         <p:nvPicPr>
-          <p:cNvPr id="17" name="Picture 16">
-            <a:extLst>
-              <a:ext uri="{FF2B5EF4-FFF2-40B4-BE49-F238E27FC236}">
-                <a16:creationId xmlns:a16="http://schemas.microsoft.com/office/drawing/2014/main" id="{B920E872-038E-484D-982F-76EB4D6683E2}"/>
+          <p:cNvPr id="29" name="Picture 28">
+            <a:extLst>
+              <a:ext uri="{FF2B5EF4-FFF2-40B4-BE49-F238E27FC236}">
+                <a16:creationId xmlns:a16="http://schemas.microsoft.com/office/drawing/2014/main" id="{5B5F6A16-E4A1-4B8E-AF7E-0305C540C6B3}"/>
               </a:ext>
             </a:extLst>
           </p:cNvPr>
@@ -6140,27 +6529,71 @@
           <p:nvPr/>
         </p:nvPicPr>
         <p:blipFill>
-          <a:blip r:embed="rId5"/>
+          <a:blip r:embed="rId6"/>
           <a:stretch>
             <a:fillRect/>
           </a:stretch>
         </p:blipFill>
         <p:spPr>
           <a:xfrm>
-            <a:off x="11794621" y="1265721"/>
-            <a:ext cx="348475" cy="358022"/>
+            <a:off x="8183548" y="933431"/>
+            <a:ext cx="2381582" cy="2438740"/>
           </a:xfrm>
           <a:prstGeom prst="rect">
             <a:avLst/>
           </a:prstGeom>
         </p:spPr>
       </p:pic>
+      <p:sp>
+        <p:nvSpPr>
+          <p:cNvPr id="30" name="TextBox 29">
+            <a:extLst>
+              <a:ext uri="{FF2B5EF4-FFF2-40B4-BE49-F238E27FC236}">
+                <a16:creationId xmlns:a16="http://schemas.microsoft.com/office/drawing/2014/main" id="{9613C974-FC56-4230-8492-E9455500EE46}"/>
+              </a:ext>
+            </a:extLst>
+          </p:cNvPr>
+          <p:cNvSpPr txBox="1"/>
+          <p:nvPr/>
+        </p:nvSpPr>
+        <p:spPr>
+          <a:xfrm>
+            <a:off x="1626870" y="1989518"/>
+            <a:ext cx="4385310" cy="923330"/>
+          </a:xfrm>
+          <a:prstGeom prst="rect">
+            <a:avLst/>
+          </a:prstGeom>
+          <a:noFill/>
+        </p:spPr>
+        <p:txBody>
+          <a:bodyPr wrap="square" rtlCol="0">
+            <a:spAutoFit/>
+          </a:bodyPr>
+          <a:lstStyle/>
+          <a:p>
+            <a:r>
+              <a:rPr lang="en-US" dirty="0">
+                <a:solidFill>
+                  <a:schemeClr val="bg1"/>
+                </a:solidFill>
+              </a:rPr>
+              <a:t>Tiles are the items on the board which you manipulate. Different types of tiles have different purposes</a:t>
+            </a:r>
+            <a:endParaRPr lang="en-NZ" dirty="0">
+              <a:solidFill>
+                <a:schemeClr val="bg1"/>
+              </a:solidFill>
+            </a:endParaRPr>
+          </a:p>
+        </p:txBody>
+      </p:sp>
       <p:pic>
         <p:nvPicPr>
-          <p:cNvPr id="18" name="Picture 17">
-            <a:extLst>
-              <a:ext uri="{FF2B5EF4-FFF2-40B4-BE49-F238E27FC236}">
-                <a16:creationId xmlns:a16="http://schemas.microsoft.com/office/drawing/2014/main" id="{641987D0-EDC1-40FB-B7FB-2D87ED280B75}"/>
+          <p:cNvPr id="31" name="Picture 30">
+            <a:extLst>
+              <a:ext uri="{FF2B5EF4-FFF2-40B4-BE49-F238E27FC236}">
+                <a16:creationId xmlns:a16="http://schemas.microsoft.com/office/drawing/2014/main" id="{29900977-1CF7-42E2-98F6-B2315F1ED9CE}"/>
               </a:ext>
             </a:extLst>
           </p:cNvPr>
@@ -6169,56 +6602,69 @@
           </p:cNvPicPr>
           <p:nvPr/>
         </p:nvPicPr>
-        <p:blipFill>
-          <a:blip r:embed="rId5"/>
-          <a:stretch>
-            <a:fillRect/>
-          </a:stretch>
+        <p:blipFill rotWithShape="1">
+          <a:blip r:embed="rId7"/>
+          <a:srcRect r="2211" b="1745"/>
+          <a:stretch/>
         </p:blipFill>
         <p:spPr>
           <a:xfrm>
-            <a:off x="11446146" y="1265721"/>
-            <a:ext cx="348475" cy="358022"/>
+            <a:off x="11020450" y="2500"/>
+            <a:ext cx="1171550" cy="2077006"/>
           </a:xfrm>
           <a:prstGeom prst="rect">
             <a:avLst/>
           </a:prstGeom>
         </p:spPr>
       </p:pic>
-      <p:pic>
-        <p:nvPicPr>
-          <p:cNvPr id="22" name="Picture 21">
-            <a:extLst>
-              <a:ext uri="{FF2B5EF4-FFF2-40B4-BE49-F238E27FC236}">
-                <a16:creationId xmlns:a16="http://schemas.microsoft.com/office/drawing/2014/main" id="{AA79FA77-F8FE-4BCB-A4CF-ECD9BB84109D}"/>
-              </a:ext>
-            </a:extLst>
-          </p:cNvPr>
-          <p:cNvPicPr>
-            <a:picLocks noChangeAspect="1"/>
-          </p:cNvPicPr>
-          <p:nvPr/>
-        </p:nvPicPr>
-        <p:blipFill>
-          <a:blip r:embed="rId2"/>
-          <a:stretch>
-            <a:fillRect/>
-          </a:stretch>
-        </p:blipFill>
-        <p:spPr>
-          <a:xfrm>
-            <a:off x="11431987" y="517582"/>
-            <a:ext cx="348475" cy="357893"/>
-          </a:xfrm>
-          <a:prstGeom prst="rect">
-            <a:avLst/>
-          </a:prstGeom>
-        </p:spPr>
-      </p:pic>
+      <p:sp>
+        <p:nvSpPr>
+          <p:cNvPr id="32" name="TextBox 31">
+            <a:extLst>
+              <a:ext uri="{FF2B5EF4-FFF2-40B4-BE49-F238E27FC236}">
+                <a16:creationId xmlns:a16="http://schemas.microsoft.com/office/drawing/2014/main" id="{F754DB6B-CF1B-46ED-ADDD-C269CDA6D43A}"/>
+              </a:ext>
+            </a:extLst>
+          </p:cNvPr>
+          <p:cNvSpPr txBox="1"/>
+          <p:nvPr/>
+        </p:nvSpPr>
+        <p:spPr>
+          <a:xfrm>
+            <a:off x="9052560" y="6488668"/>
+            <a:ext cx="3230822" cy="369332"/>
+          </a:xfrm>
+          <a:prstGeom prst="rect">
+            <a:avLst/>
+          </a:prstGeom>
+          <a:noFill/>
+        </p:spPr>
+        <p:txBody>
+          <a:bodyPr wrap="square" rtlCol="0">
+            <a:spAutoFit/>
+          </a:bodyPr>
+          <a:lstStyle/>
+          <a:p>
+            <a:r>
+              <a:rPr lang="en-US" dirty="0">
+                <a:solidFill>
+                  <a:schemeClr val="bg1"/>
+                </a:solidFill>
+              </a:rPr>
+              <a:t>NB: All images are placeholder</a:t>
+            </a:r>
+            <a:endParaRPr lang="en-NZ" dirty="0">
+              <a:solidFill>
+                <a:schemeClr val="bg1"/>
+              </a:solidFill>
+            </a:endParaRPr>
+          </a:p>
+        </p:txBody>
+      </p:sp>
     </p:spTree>
     <p:extLst>
       <p:ext uri="{BB962C8B-B14F-4D97-AF65-F5344CB8AC3E}">
-        <p14:creationId xmlns:p14="http://schemas.microsoft.com/office/powerpoint/2010/main" val="4280949769"/>
+        <p14:creationId xmlns:p14="http://schemas.microsoft.com/office/powerpoint/2010/main" val="3679856688"/>
       </p:ext>
     </p:extLst>
   </p:cSld>
@@ -6245,58 +6691,12 @@
           <a:chExt cx="0" cy="0"/>
         </a:xfrm>
       </p:grpSpPr>
-      <p:sp>
-        <p:nvSpPr>
-          <p:cNvPr id="20" name="Title 1">
-            <a:extLst>
-              <a:ext uri="{FF2B5EF4-FFF2-40B4-BE49-F238E27FC236}">
-                <a16:creationId xmlns:a16="http://schemas.microsoft.com/office/drawing/2014/main" id="{544E256E-F371-41F7-A507-3DD7C98198F6}"/>
-              </a:ext>
-            </a:extLst>
-          </p:cNvPr>
-          <p:cNvSpPr>
-            <a:spLocks noGrp="1"/>
-          </p:cNvSpPr>
-          <p:nvPr>
-            <p:ph type="ctrTitle"/>
-          </p:nvPr>
-        </p:nvSpPr>
-        <p:spPr>
-          <a:xfrm>
-            <a:off x="0" y="496380"/>
-            <a:ext cx="12192000" cy="1143475"/>
-          </a:xfrm>
-        </p:spPr>
-        <p:txBody>
-          <a:bodyPr>
-            <a:normAutofit fontScale="90000"/>
-          </a:bodyPr>
-          <a:lstStyle/>
-          <a:p>
-            <a:r>
-              <a:rPr lang="en-US" sz="8000" b="1" dirty="0">
-                <a:solidFill>
-                  <a:schemeClr val="bg1"/>
-                </a:solidFill>
-                <a:latin typeface="Abadi" panose="020B0604020202020204" pitchFamily="34" charset="0"/>
-              </a:rPr>
-              <a:t>Meals</a:t>
-            </a:r>
-            <a:endParaRPr lang="en-NZ" sz="8000" b="1" dirty="0">
-              <a:solidFill>
-                <a:schemeClr val="bg1"/>
-              </a:solidFill>
-              <a:latin typeface="Abadi" panose="020B0604020202020204" pitchFamily="34" charset="0"/>
-            </a:endParaRPr>
-          </a:p>
-        </p:txBody>
-      </p:sp>
       <p:pic>
         <p:nvPicPr>
-          <p:cNvPr id="19" name="Picture 18">
-            <a:extLst>
-              <a:ext uri="{FF2B5EF4-FFF2-40B4-BE49-F238E27FC236}">
-                <a16:creationId xmlns:a16="http://schemas.microsoft.com/office/drawing/2014/main" id="{92C96E4D-3309-450B-843D-6ED6D81F23A0}"/>
+          <p:cNvPr id="3" name="Picture 2">
+            <a:extLst>
+              <a:ext uri="{FF2B5EF4-FFF2-40B4-BE49-F238E27FC236}">
+                <a16:creationId xmlns:a16="http://schemas.microsoft.com/office/drawing/2014/main" id="{1BD32706-393C-4AAA-A1E6-8BBAF70E6F4B}"/>
               </a:ext>
             </a:extLst>
           </p:cNvPr>
@@ -6313,20 +6713,96 @@
         </p:blipFill>
         <p:spPr>
           <a:xfrm>
-            <a:off x="2329087" y="3018828"/>
-            <a:ext cx="1112571" cy="1143475"/>
+            <a:off x="2424564" y="3726284"/>
+            <a:ext cx="1112571" cy="1127210"/>
           </a:xfrm>
           <a:prstGeom prst="rect">
             <a:avLst/>
           </a:prstGeom>
         </p:spPr>
       </p:pic>
+      <p:pic>
+        <p:nvPicPr>
+          <p:cNvPr id="11" name="Picture 10">
+            <a:extLst>
+              <a:ext uri="{FF2B5EF4-FFF2-40B4-BE49-F238E27FC236}">
+                <a16:creationId xmlns:a16="http://schemas.microsoft.com/office/drawing/2014/main" id="{985D2934-FC9C-4BB1-9AC0-6ABA61A0067A}"/>
+              </a:ext>
+            </a:extLst>
+          </p:cNvPr>
+          <p:cNvPicPr>
+            <a:picLocks noChangeAspect="1"/>
+          </p:cNvPicPr>
+          <p:nvPr/>
+        </p:nvPicPr>
+        <p:blipFill>
+          <a:blip r:embed="rId3"/>
+          <a:stretch>
+            <a:fillRect/>
+          </a:stretch>
+        </p:blipFill>
+        <p:spPr>
+          <a:xfrm>
+            <a:off x="1109664" y="3146836"/>
+            <a:ext cx="1112571" cy="1143053"/>
+          </a:xfrm>
+          <a:prstGeom prst="rect">
+            <a:avLst/>
+          </a:prstGeom>
+        </p:spPr>
+      </p:pic>
+      <p:sp>
+        <p:nvSpPr>
+          <p:cNvPr id="20" name="Title 1">
+            <a:extLst>
+              <a:ext uri="{FF2B5EF4-FFF2-40B4-BE49-F238E27FC236}">
+                <a16:creationId xmlns:a16="http://schemas.microsoft.com/office/drawing/2014/main" id="{544E256E-F371-41F7-A507-3DD7C98198F6}"/>
+              </a:ext>
+            </a:extLst>
+          </p:cNvPr>
+          <p:cNvSpPr>
+            <a:spLocks noGrp="1"/>
+          </p:cNvSpPr>
+          <p:nvPr>
+            <p:ph type="ctrTitle"/>
+          </p:nvPr>
+        </p:nvSpPr>
+        <p:spPr>
+          <a:xfrm>
+            <a:off x="0" y="496380"/>
+            <a:ext cx="12192000" cy="1143475"/>
+          </a:xfrm>
+        </p:spPr>
+        <p:txBody>
+          <a:bodyPr>
+            <a:normAutofit fontScale="90000"/>
+          </a:bodyPr>
+          <a:lstStyle/>
+          <a:p>
+            <a:r>
+              <a:rPr lang="en-US" sz="8000" b="1" dirty="0">
+                <a:solidFill>
+                  <a:schemeClr val="bg1"/>
+                </a:solidFill>
+                <a:latin typeface="Abadi" panose="020B0604020202020204" pitchFamily="34" charset="0"/>
+              </a:rPr>
+              <a:t>Food</a:t>
+            </a:r>
+            <a:endParaRPr lang="en-NZ" sz="8000" b="1" dirty="0">
+              <a:solidFill>
+                <a:schemeClr val="bg1"/>
+              </a:solidFill>
+              <a:latin typeface="Abadi" panose="020B0604020202020204" pitchFamily="34" charset="0"/>
+            </a:endParaRPr>
+          </a:p>
+        </p:txBody>
+      </p:sp>
       <p:sp>
         <p:nvSpPr>
           <p:cNvPr id="2" name="TextBox 1">
             <a:extLst>
               <a:ext uri="{FF2B5EF4-FFF2-40B4-BE49-F238E27FC236}">
-                <a16:creationId xmlns:a16="http://schemas.microsoft.com/office/drawing/2014/main" id="{CB456621-C0AC-4F41-8357-EFB863813DE8}"/>
+                <a16:creationId xmlns:a16="http://schemas.microsoft.com/office/drawing/2014/main" id="{9B4EC83F-B984-46D6-863B-F8006A4E1083}"/>
               </a:ext>
             </a:extLst>
           </p:cNvPr>
@@ -6335,8 +6811,8 @@
         </p:nvSpPr>
         <p:spPr>
           <a:xfrm>
-            <a:off x="5406390" y="2483022"/>
-            <a:ext cx="5063490" cy="1200329"/>
+            <a:off x="5074920" y="2583001"/>
+            <a:ext cx="5875020" cy="1200329"/>
           </a:xfrm>
           <a:prstGeom prst="rect">
             <a:avLst/>
@@ -6359,7 +6835,7 @@
                   <a:schemeClr val="bg1"/>
                 </a:solidFill>
               </a:rPr>
-              <a:t>Not naturally generated</a:t>
+              <a:t>The most common type of tile</a:t>
             </a:r>
           </a:p>
           <a:p>
@@ -6373,7 +6849,7 @@
                   <a:schemeClr val="bg1"/>
                 </a:solidFill>
               </a:rPr>
-              <a:t>Made by playing cards which combine tiles</a:t>
+              <a:t>Each is a single ingredient with some attached points</a:t>
             </a:r>
           </a:p>
           <a:p>
@@ -6387,7 +6863,7 @@
                   <a:schemeClr val="bg1"/>
                 </a:solidFill>
               </a:rPr>
-              <a:t>Can be fed to the customer to get points</a:t>
+              <a:t>Are used to make meals</a:t>
             </a:r>
           </a:p>
           <a:p>
@@ -6401,8 +6877,13 @@
                   <a:schemeClr val="bg1"/>
                 </a:solidFill>
               </a:rPr>
-              <a:t>Dark purple Colour</a:t>
-            </a:r>
+              <a:t>Yellow Colour</a:t>
+            </a:r>
+            <a:endParaRPr lang="en-NZ" dirty="0">
+              <a:solidFill>
+                <a:schemeClr val="bg1"/>
+              </a:solidFill>
+            </a:endParaRPr>
           </a:p>
         </p:txBody>
       </p:sp>
@@ -6411,7 +6892,7 @@
           <p:cNvPr id="13" name="Picture 12">
             <a:extLst>
               <a:ext uri="{FF2B5EF4-FFF2-40B4-BE49-F238E27FC236}">
-                <a16:creationId xmlns:a16="http://schemas.microsoft.com/office/drawing/2014/main" id="{48F15449-842A-4AA6-BB53-0419AF6216B9}"/>
+                <a16:creationId xmlns:a16="http://schemas.microsoft.com/office/drawing/2014/main" id="{788BE042-77DA-4FD7-8822-A5FF2638102D}"/>
               </a:ext>
             </a:extLst>
           </p:cNvPr>
@@ -6421,7 +6902,7 @@
           <p:nvPr/>
         </p:nvPicPr>
         <p:blipFill rotWithShape="1">
-          <a:blip r:embed="rId3"/>
+          <a:blip r:embed="rId4"/>
           <a:srcRect r="2211" b="1745"/>
           <a:stretch/>
         </p:blipFill>
@@ -6440,187 +6921,7 @@
           <p:cNvPr id="14" name="Picture 13">
             <a:extLst>
               <a:ext uri="{FF2B5EF4-FFF2-40B4-BE49-F238E27FC236}">
-                <a16:creationId xmlns:a16="http://schemas.microsoft.com/office/drawing/2014/main" id="{349CE3C8-C939-4558-8A55-95C37D187978}"/>
-              </a:ext>
-            </a:extLst>
-          </p:cNvPr>
-          <p:cNvPicPr>
-            <a:picLocks noChangeAspect="1"/>
-          </p:cNvPicPr>
-          <p:nvPr/>
-        </p:nvPicPr>
-        <p:blipFill>
-          <a:blip r:embed="rId4"/>
-          <a:stretch>
-            <a:fillRect/>
-          </a:stretch>
-        </p:blipFill>
-        <p:spPr>
-          <a:xfrm>
-            <a:off x="11069772" y="523875"/>
-            <a:ext cx="348475" cy="353060"/>
-          </a:xfrm>
-          <a:prstGeom prst="rect">
-            <a:avLst/>
-          </a:prstGeom>
-        </p:spPr>
-      </p:pic>
-      <p:pic>
-        <p:nvPicPr>
-          <p:cNvPr id="15" name="Picture 14">
-            <a:extLst>
-              <a:ext uri="{FF2B5EF4-FFF2-40B4-BE49-F238E27FC236}">
-                <a16:creationId xmlns:a16="http://schemas.microsoft.com/office/drawing/2014/main" id="{BC3A112E-0F59-4916-BC67-B655F1039FA8}"/>
-              </a:ext>
-            </a:extLst>
-          </p:cNvPr>
-          <p:cNvPicPr>
-            <a:picLocks noChangeAspect="1"/>
-          </p:cNvPicPr>
-          <p:nvPr/>
-        </p:nvPicPr>
-        <p:blipFill>
-          <a:blip r:embed="rId4"/>
-          <a:stretch>
-            <a:fillRect/>
-          </a:stretch>
-        </p:blipFill>
-        <p:spPr>
-          <a:xfrm>
-            <a:off x="11064369" y="891587"/>
-            <a:ext cx="348475" cy="353060"/>
-          </a:xfrm>
-          <a:prstGeom prst="rect">
-            <a:avLst/>
-          </a:prstGeom>
-        </p:spPr>
-      </p:pic>
-      <p:pic>
-        <p:nvPicPr>
-          <p:cNvPr id="16" name="Picture 15">
-            <a:extLst>
-              <a:ext uri="{FF2B5EF4-FFF2-40B4-BE49-F238E27FC236}">
-                <a16:creationId xmlns:a16="http://schemas.microsoft.com/office/drawing/2014/main" id="{EF9B9236-BA86-4E9F-9376-6052B2D148C5}"/>
-              </a:ext>
-            </a:extLst>
-          </p:cNvPr>
-          <p:cNvPicPr>
-            <a:picLocks noChangeAspect="1"/>
-          </p:cNvPicPr>
-          <p:nvPr/>
-        </p:nvPicPr>
-        <p:blipFill>
-          <a:blip r:embed="rId5"/>
-          <a:stretch>
-            <a:fillRect/>
-          </a:stretch>
-        </p:blipFill>
-        <p:spPr>
-          <a:xfrm>
-            <a:off x="11794621" y="891587"/>
-            <a:ext cx="348475" cy="358022"/>
-          </a:xfrm>
-          <a:prstGeom prst="rect">
-            <a:avLst/>
-          </a:prstGeom>
-        </p:spPr>
-      </p:pic>
-      <p:pic>
-        <p:nvPicPr>
-          <p:cNvPr id="17" name="Picture 16">
-            <a:extLst>
-              <a:ext uri="{FF2B5EF4-FFF2-40B4-BE49-F238E27FC236}">
-                <a16:creationId xmlns:a16="http://schemas.microsoft.com/office/drawing/2014/main" id="{D4958C36-F975-48B9-A968-A190871C0100}"/>
-              </a:ext>
-            </a:extLst>
-          </p:cNvPr>
-          <p:cNvPicPr>
-            <a:picLocks noChangeAspect="1"/>
-          </p:cNvPicPr>
-          <p:nvPr/>
-        </p:nvPicPr>
-        <p:blipFill>
-          <a:blip r:embed="rId5"/>
-          <a:stretch>
-            <a:fillRect/>
-          </a:stretch>
-        </p:blipFill>
-        <p:spPr>
-          <a:xfrm>
-            <a:off x="11794621" y="1265721"/>
-            <a:ext cx="348475" cy="358022"/>
-          </a:xfrm>
-          <a:prstGeom prst="rect">
-            <a:avLst/>
-          </a:prstGeom>
-        </p:spPr>
-      </p:pic>
-      <p:pic>
-        <p:nvPicPr>
-          <p:cNvPr id="18" name="Picture 17">
-            <a:extLst>
-              <a:ext uri="{FF2B5EF4-FFF2-40B4-BE49-F238E27FC236}">
-                <a16:creationId xmlns:a16="http://schemas.microsoft.com/office/drawing/2014/main" id="{F5291168-CD6F-4A17-9700-C347C761F043}"/>
-              </a:ext>
-            </a:extLst>
-          </p:cNvPr>
-          <p:cNvPicPr>
-            <a:picLocks noChangeAspect="1"/>
-          </p:cNvPicPr>
-          <p:nvPr/>
-        </p:nvPicPr>
-        <p:blipFill>
-          <a:blip r:embed="rId5"/>
-          <a:stretch>
-            <a:fillRect/>
-          </a:stretch>
-        </p:blipFill>
-        <p:spPr>
-          <a:xfrm>
-            <a:off x="11446146" y="1265721"/>
-            <a:ext cx="348475" cy="358022"/>
-          </a:xfrm>
-          <a:prstGeom prst="rect">
-            <a:avLst/>
-          </a:prstGeom>
-        </p:spPr>
-      </p:pic>
-      <p:pic>
-        <p:nvPicPr>
-          <p:cNvPr id="22" name="Picture 21">
-            <a:extLst>
-              <a:ext uri="{FF2B5EF4-FFF2-40B4-BE49-F238E27FC236}">
-                <a16:creationId xmlns:a16="http://schemas.microsoft.com/office/drawing/2014/main" id="{EBC970C8-A9AD-44F1-B992-CE77079C8915}"/>
-              </a:ext>
-            </a:extLst>
-          </p:cNvPr>
-          <p:cNvPicPr>
-            <a:picLocks noChangeAspect="1"/>
-          </p:cNvPicPr>
-          <p:nvPr/>
-        </p:nvPicPr>
-        <p:blipFill>
-          <a:blip r:embed="rId6"/>
-          <a:stretch>
-            <a:fillRect/>
-          </a:stretch>
-        </p:blipFill>
-        <p:spPr>
-          <a:xfrm>
-            <a:off x="11431987" y="517582"/>
-            <a:ext cx="348475" cy="357893"/>
-          </a:xfrm>
-          <a:prstGeom prst="rect">
-            <a:avLst/>
-          </a:prstGeom>
-        </p:spPr>
-      </p:pic>
-      <p:pic>
-        <p:nvPicPr>
-          <p:cNvPr id="23" name="Picture 22">
-            <a:extLst>
-              <a:ext uri="{FF2B5EF4-FFF2-40B4-BE49-F238E27FC236}">
-                <a16:creationId xmlns:a16="http://schemas.microsoft.com/office/drawing/2014/main" id="{FD9FB174-09BE-4E8E-977C-5461B32E56AA}"/>
+                <a16:creationId xmlns:a16="http://schemas.microsoft.com/office/drawing/2014/main" id="{2BE4C2E7-C8FB-4E62-AF7A-5A20A052E7D5}"/>
               </a:ext>
             </a:extLst>
           </p:cNvPr>
@@ -6637,8 +6938,128 @@
         </p:blipFill>
         <p:spPr>
           <a:xfrm>
-            <a:off x="11431987" y="889039"/>
-            <a:ext cx="348475" cy="358155"/>
+            <a:off x="11069772" y="523875"/>
+            <a:ext cx="348475" cy="353060"/>
+          </a:xfrm>
+          <a:prstGeom prst="rect">
+            <a:avLst/>
+          </a:prstGeom>
+        </p:spPr>
+      </p:pic>
+      <p:pic>
+        <p:nvPicPr>
+          <p:cNvPr id="15" name="Picture 14">
+            <a:extLst>
+              <a:ext uri="{FF2B5EF4-FFF2-40B4-BE49-F238E27FC236}">
+                <a16:creationId xmlns:a16="http://schemas.microsoft.com/office/drawing/2014/main" id="{8BBF0E49-FB04-4917-B341-69AB44569F8C}"/>
+              </a:ext>
+            </a:extLst>
+          </p:cNvPr>
+          <p:cNvPicPr>
+            <a:picLocks noChangeAspect="1"/>
+          </p:cNvPicPr>
+          <p:nvPr/>
+        </p:nvPicPr>
+        <p:blipFill>
+          <a:blip r:embed="rId2"/>
+          <a:stretch>
+            <a:fillRect/>
+          </a:stretch>
+        </p:blipFill>
+        <p:spPr>
+          <a:xfrm>
+            <a:off x="11064369" y="891587"/>
+            <a:ext cx="348475" cy="353060"/>
+          </a:xfrm>
+          <a:prstGeom prst="rect">
+            <a:avLst/>
+          </a:prstGeom>
+        </p:spPr>
+      </p:pic>
+      <p:pic>
+        <p:nvPicPr>
+          <p:cNvPr id="16" name="Picture 15">
+            <a:extLst>
+              <a:ext uri="{FF2B5EF4-FFF2-40B4-BE49-F238E27FC236}">
+                <a16:creationId xmlns:a16="http://schemas.microsoft.com/office/drawing/2014/main" id="{03ABE319-B024-4A40-8C35-CDFCE3BE9428}"/>
+              </a:ext>
+            </a:extLst>
+          </p:cNvPr>
+          <p:cNvPicPr>
+            <a:picLocks noChangeAspect="1"/>
+          </p:cNvPicPr>
+          <p:nvPr/>
+        </p:nvPicPr>
+        <p:blipFill>
+          <a:blip r:embed="rId3"/>
+          <a:stretch>
+            <a:fillRect/>
+          </a:stretch>
+        </p:blipFill>
+        <p:spPr>
+          <a:xfrm>
+            <a:off x="11794621" y="891587"/>
+            <a:ext cx="348475" cy="358022"/>
+          </a:xfrm>
+          <a:prstGeom prst="rect">
+            <a:avLst/>
+          </a:prstGeom>
+        </p:spPr>
+      </p:pic>
+      <p:pic>
+        <p:nvPicPr>
+          <p:cNvPr id="17" name="Picture 16">
+            <a:extLst>
+              <a:ext uri="{FF2B5EF4-FFF2-40B4-BE49-F238E27FC236}">
+                <a16:creationId xmlns:a16="http://schemas.microsoft.com/office/drawing/2014/main" id="{675E38B5-B22C-4B27-82F8-6CFB308C60D6}"/>
+              </a:ext>
+            </a:extLst>
+          </p:cNvPr>
+          <p:cNvPicPr>
+            <a:picLocks noChangeAspect="1"/>
+          </p:cNvPicPr>
+          <p:nvPr/>
+        </p:nvPicPr>
+        <p:blipFill>
+          <a:blip r:embed="rId3"/>
+          <a:stretch>
+            <a:fillRect/>
+          </a:stretch>
+        </p:blipFill>
+        <p:spPr>
+          <a:xfrm>
+            <a:off x="11794621" y="1265721"/>
+            <a:ext cx="348475" cy="358022"/>
+          </a:xfrm>
+          <a:prstGeom prst="rect">
+            <a:avLst/>
+          </a:prstGeom>
+        </p:spPr>
+      </p:pic>
+      <p:pic>
+        <p:nvPicPr>
+          <p:cNvPr id="18" name="Picture 17">
+            <a:extLst>
+              <a:ext uri="{FF2B5EF4-FFF2-40B4-BE49-F238E27FC236}">
+                <a16:creationId xmlns:a16="http://schemas.microsoft.com/office/drawing/2014/main" id="{9B5CE37C-47D2-4DCB-9D57-DF0B0AE09A29}"/>
+              </a:ext>
+            </a:extLst>
+          </p:cNvPr>
+          <p:cNvPicPr>
+            <a:picLocks noChangeAspect="1"/>
+          </p:cNvPicPr>
+          <p:nvPr/>
+        </p:nvPicPr>
+        <p:blipFill>
+          <a:blip r:embed="rId3"/>
+          <a:stretch>
+            <a:fillRect/>
+          </a:stretch>
+        </p:blipFill>
+        <p:spPr>
+          <a:xfrm>
+            <a:off x="11446146" y="1265721"/>
+            <a:ext cx="348475" cy="358022"/>
           </a:xfrm>
           <a:prstGeom prst="rect">
             <a:avLst/>
@@ -6648,7 +7069,7 @@
     </p:spTree>
     <p:extLst>
       <p:ext uri="{BB962C8B-B14F-4D97-AF65-F5344CB8AC3E}">
-        <p14:creationId xmlns:p14="http://schemas.microsoft.com/office/powerpoint/2010/main" val="2072685722"/>
+        <p14:creationId xmlns:p14="http://schemas.microsoft.com/office/powerpoint/2010/main" val="2849227271"/>
       </p:ext>
     </p:extLst>
   </p:cSld>
@@ -6675,6 +7096,36 @@
           <a:chExt cx="0" cy="0"/>
         </a:xfrm>
       </p:grpSpPr>
+      <p:pic>
+        <p:nvPicPr>
+          <p:cNvPr id="7" name="Picture 6">
+            <a:extLst>
+              <a:ext uri="{FF2B5EF4-FFF2-40B4-BE49-F238E27FC236}">
+                <a16:creationId xmlns:a16="http://schemas.microsoft.com/office/drawing/2014/main" id="{D54866B4-3F98-461A-B36F-3A76E241EC72}"/>
+              </a:ext>
+            </a:extLst>
+          </p:cNvPr>
+          <p:cNvPicPr>
+            <a:picLocks noChangeAspect="1"/>
+          </p:cNvPicPr>
+          <p:nvPr/>
+        </p:nvPicPr>
+        <p:blipFill>
+          <a:blip r:embed="rId2"/>
+          <a:stretch>
+            <a:fillRect/>
+          </a:stretch>
+        </p:blipFill>
+        <p:spPr>
+          <a:xfrm>
+            <a:off x="2090912" y="2711146"/>
+            <a:ext cx="1112571" cy="1142641"/>
+          </a:xfrm>
+          <a:prstGeom prst="rect">
+            <a:avLst/>
+          </a:prstGeom>
+        </p:spPr>
+      </p:pic>
       <p:sp>
         <p:nvSpPr>
           <p:cNvPr id="20" name="Title 1">
@@ -6710,7 +7161,7 @@
                 </a:solidFill>
                 <a:latin typeface="Abadi" panose="020B0604020202020204" pitchFamily="34" charset="0"/>
               </a:rPr>
-              <a:t>Cards</a:t>
+              <a:t>Obstacles</a:t>
             </a:r>
             <a:endParaRPr lang="en-NZ" sz="8000" b="1" dirty="0">
               <a:solidFill>
@@ -6723,10 +7174,10 @@
       </p:sp>
       <p:sp>
         <p:nvSpPr>
-          <p:cNvPr id="30" name="TextBox 29">
-            <a:extLst>
-              <a:ext uri="{FF2B5EF4-FFF2-40B4-BE49-F238E27FC236}">
-                <a16:creationId xmlns:a16="http://schemas.microsoft.com/office/drawing/2014/main" id="{9613C974-FC56-4230-8492-E9455500EE46}"/>
+          <p:cNvPr id="12" name="TextBox 11">
+            <a:extLst>
+              <a:ext uri="{FF2B5EF4-FFF2-40B4-BE49-F238E27FC236}">
+                <a16:creationId xmlns:a16="http://schemas.microsoft.com/office/drawing/2014/main" id="{DC3A71CB-37AA-41E0-A032-E2647978A1AD}"/>
               </a:ext>
             </a:extLst>
           </p:cNvPr>
@@ -6735,8 +7186,8 @@
         </p:nvSpPr>
         <p:spPr>
           <a:xfrm>
-            <a:off x="1615440" y="2079924"/>
-            <a:ext cx="4385310" cy="923330"/>
+            <a:off x="4880610" y="2820801"/>
+            <a:ext cx="4469130" cy="923330"/>
           </a:xfrm>
           <a:prstGeom prst="rect">
             <a:avLst/>
@@ -6749,65 +7200,55 @@
           </a:bodyPr>
           <a:lstStyle/>
           <a:p>
+            <a:pPr marL="285750" indent="-285750">
+              <a:buFontTx/>
+              <a:buChar char="-"/>
+            </a:pPr>
             <a:r>
               <a:rPr lang="en-US" dirty="0">
                 <a:solidFill>
                   <a:schemeClr val="bg1"/>
                 </a:solidFill>
               </a:rPr>
-              <a:t>Cards are the actions that you have available to you from your hand.</a:t>
-            </a:r>
-            <a:r>
-              <a:rPr lang="en-NZ" dirty="0">
+              <a:t>Needed as a base to cook meals</a:t>
+            </a:r>
+          </a:p>
+          <a:p>
+            <a:pPr marL="285750" indent="-285750">
+              <a:buFontTx/>
+              <a:buChar char="-"/>
+            </a:pPr>
+            <a:r>
+              <a:rPr lang="en-US" dirty="0">
                 <a:solidFill>
                   <a:schemeClr val="bg1"/>
                 </a:solidFill>
               </a:rPr>
-              <a:t> Different types of cards have different effects.</a:t>
-            </a:r>
-            <a:endParaRPr lang="en-US" dirty="0">
-              <a:solidFill>
-                <a:schemeClr val="bg1"/>
-              </a:solidFill>
-            </a:endParaRPr>
+              <a:t>Can’t be used as an ingredient</a:t>
+            </a:r>
+          </a:p>
+          <a:p>
+            <a:pPr marL="285750" indent="-285750">
+              <a:buFontTx/>
+              <a:buChar char="-"/>
+            </a:pPr>
+            <a:r>
+              <a:rPr lang="en-US" dirty="0">
+                <a:solidFill>
+                  <a:schemeClr val="bg1"/>
+                </a:solidFill>
+              </a:rPr>
+              <a:t>Grey Colour</a:t>
+            </a:r>
           </a:p>
         </p:txBody>
       </p:sp>
       <p:pic>
         <p:nvPicPr>
-          <p:cNvPr id="4" name="Picture 3">
-            <a:extLst>
-              <a:ext uri="{FF2B5EF4-FFF2-40B4-BE49-F238E27FC236}">
-                <a16:creationId xmlns:a16="http://schemas.microsoft.com/office/drawing/2014/main" id="{CC9A1191-085A-42A3-8660-5364784D2447}"/>
-              </a:ext>
-            </a:extLst>
-          </p:cNvPr>
-          <p:cNvPicPr>
-            <a:picLocks noChangeAspect="1"/>
-          </p:cNvPicPr>
-          <p:nvPr/>
-        </p:nvPicPr>
-        <p:blipFill rotWithShape="1">
-          <a:blip r:embed="rId2"/>
-          <a:srcRect l="3742" t="4141" r="65476"/>
-          <a:stretch/>
-        </p:blipFill>
-        <p:spPr>
-          <a:xfrm>
-            <a:off x="3111500" y="4633354"/>
-            <a:ext cx="889000" cy="1299509"/>
-          </a:xfrm>
-          <a:prstGeom prst="rect">
-            <a:avLst/>
-          </a:prstGeom>
-        </p:spPr>
-      </p:pic>
-      <p:pic>
-        <p:nvPicPr>
-          <p:cNvPr id="14" name="Picture 13">
-            <a:extLst>
-              <a:ext uri="{FF2B5EF4-FFF2-40B4-BE49-F238E27FC236}">
-                <a16:creationId xmlns:a16="http://schemas.microsoft.com/office/drawing/2014/main" id="{E2999AF6-0C69-4968-ACFE-106FEE4102A3}"/>
+          <p:cNvPr id="13" name="Picture 12">
+            <a:extLst>
+              <a:ext uri="{FF2B5EF4-FFF2-40B4-BE49-F238E27FC236}">
+                <a16:creationId xmlns:a16="http://schemas.microsoft.com/office/drawing/2014/main" id="{374496DB-29CC-4D49-B8AB-77E7BFDE36C9}"/>
               </a:ext>
             </a:extLst>
           </p:cNvPr>
@@ -6833,10 +7274,10 @@
       </p:pic>
       <p:pic>
         <p:nvPicPr>
-          <p:cNvPr id="15" name="Picture 14">
-            <a:extLst>
-              <a:ext uri="{FF2B5EF4-FFF2-40B4-BE49-F238E27FC236}">
-                <a16:creationId xmlns:a16="http://schemas.microsoft.com/office/drawing/2014/main" id="{EA39E3E3-9764-4AAA-A5C4-BCABB821FB89}"/>
+          <p:cNvPr id="14" name="Picture 13">
+            <a:extLst>
+              <a:ext uri="{FF2B5EF4-FFF2-40B4-BE49-F238E27FC236}">
+                <a16:creationId xmlns:a16="http://schemas.microsoft.com/office/drawing/2014/main" id="{A65BE4B1-FFD3-4585-9B7C-AE73A4C1DC6C}"/>
               </a:ext>
             </a:extLst>
           </p:cNvPr>
@@ -6863,10 +7304,10 @@
       </p:pic>
       <p:pic>
         <p:nvPicPr>
-          <p:cNvPr id="16" name="Picture 15">
-            <a:extLst>
-              <a:ext uri="{FF2B5EF4-FFF2-40B4-BE49-F238E27FC236}">
-                <a16:creationId xmlns:a16="http://schemas.microsoft.com/office/drawing/2014/main" id="{1F267295-8EA3-441B-B5E3-4C8B36EC5EB9}"/>
+          <p:cNvPr id="15" name="Picture 14">
+            <a:extLst>
+              <a:ext uri="{FF2B5EF4-FFF2-40B4-BE49-F238E27FC236}">
+                <a16:creationId xmlns:a16="http://schemas.microsoft.com/office/drawing/2014/main" id="{8CCC48A5-E5B5-482C-BD49-D01BC05967E0}"/>
               </a:ext>
             </a:extLst>
           </p:cNvPr>
@@ -6893,10 +7334,10 @@
       </p:pic>
       <p:pic>
         <p:nvPicPr>
-          <p:cNvPr id="17" name="Picture 16">
-            <a:extLst>
-              <a:ext uri="{FF2B5EF4-FFF2-40B4-BE49-F238E27FC236}">
-                <a16:creationId xmlns:a16="http://schemas.microsoft.com/office/drawing/2014/main" id="{FF90D0C7-2C8F-4E42-B555-ED319776496F}"/>
+          <p:cNvPr id="16" name="Picture 15">
+            <a:extLst>
+              <a:ext uri="{FF2B5EF4-FFF2-40B4-BE49-F238E27FC236}">
+                <a16:creationId xmlns:a16="http://schemas.microsoft.com/office/drawing/2014/main" id="{C93DFF07-D103-4A55-B708-CC214C1CA1EB}"/>
               </a:ext>
             </a:extLst>
           </p:cNvPr>
@@ -6923,10 +7364,10 @@
       </p:pic>
       <p:pic>
         <p:nvPicPr>
-          <p:cNvPr id="18" name="Picture 17">
-            <a:extLst>
-              <a:ext uri="{FF2B5EF4-FFF2-40B4-BE49-F238E27FC236}">
-                <a16:creationId xmlns:a16="http://schemas.microsoft.com/office/drawing/2014/main" id="{9E772EE4-8B43-4932-86B7-E55B03772D8F}"/>
+          <p:cNvPr id="17" name="Picture 16">
+            <a:extLst>
+              <a:ext uri="{FF2B5EF4-FFF2-40B4-BE49-F238E27FC236}">
+                <a16:creationId xmlns:a16="http://schemas.microsoft.com/office/drawing/2014/main" id="{B920E872-038E-484D-982F-76EB4D6683E2}"/>
               </a:ext>
             </a:extLst>
           </p:cNvPr>
@@ -6953,10 +7394,10 @@
       </p:pic>
       <p:pic>
         <p:nvPicPr>
-          <p:cNvPr id="22" name="Picture 21">
-            <a:extLst>
-              <a:ext uri="{FF2B5EF4-FFF2-40B4-BE49-F238E27FC236}">
-                <a16:creationId xmlns:a16="http://schemas.microsoft.com/office/drawing/2014/main" id="{F9416794-D172-40F1-A390-0C1A105B4E93}"/>
+          <p:cNvPr id="18" name="Picture 17">
+            <a:extLst>
+              <a:ext uri="{FF2B5EF4-FFF2-40B4-BE49-F238E27FC236}">
+                <a16:creationId xmlns:a16="http://schemas.microsoft.com/office/drawing/2014/main" id="{641987D0-EDC1-40FB-B7FB-2D87ED280B75}"/>
               </a:ext>
             </a:extLst>
           </p:cNvPr>
@@ -6983,10 +7424,10 @@
       </p:pic>
       <p:pic>
         <p:nvPicPr>
-          <p:cNvPr id="23" name="Picture 22">
-            <a:extLst>
-              <a:ext uri="{FF2B5EF4-FFF2-40B4-BE49-F238E27FC236}">
-                <a16:creationId xmlns:a16="http://schemas.microsoft.com/office/drawing/2014/main" id="{356A135F-BA61-4638-8D89-DB8769F71DE8}"/>
+          <p:cNvPr id="22" name="Picture 21">
+            <a:extLst>
+              <a:ext uri="{FF2B5EF4-FFF2-40B4-BE49-F238E27FC236}">
+                <a16:creationId xmlns:a16="http://schemas.microsoft.com/office/drawing/2014/main" id="{AA79FA77-F8FE-4BCB-A4CF-ECD9BB84109D}"/>
               </a:ext>
             </a:extLst>
           </p:cNvPr>
@@ -6996,7 +7437,7 @@
           <p:nvPr/>
         </p:nvPicPr>
         <p:blipFill>
-          <a:blip r:embed="rId6"/>
+          <a:blip r:embed="rId2"/>
           <a:stretch>
             <a:fillRect/>
           </a:stretch>
@@ -7011,108 +7452,10 @@
           </a:prstGeom>
         </p:spPr>
       </p:pic>
-      <p:pic>
-        <p:nvPicPr>
-          <p:cNvPr id="24" name="Picture 23">
-            <a:extLst>
-              <a:ext uri="{FF2B5EF4-FFF2-40B4-BE49-F238E27FC236}">
-                <a16:creationId xmlns:a16="http://schemas.microsoft.com/office/drawing/2014/main" id="{8196C7C1-C4BD-437C-A681-4D9BA2611288}"/>
-              </a:ext>
-            </a:extLst>
-          </p:cNvPr>
-          <p:cNvPicPr>
-            <a:picLocks noChangeAspect="1"/>
-          </p:cNvPicPr>
-          <p:nvPr/>
-        </p:nvPicPr>
-        <p:blipFill>
-          <a:blip r:embed="rId7"/>
-          <a:stretch>
-            <a:fillRect/>
-          </a:stretch>
-        </p:blipFill>
-        <p:spPr>
-          <a:xfrm>
-            <a:off x="11431987" y="889039"/>
-            <a:ext cx="348475" cy="358155"/>
-          </a:xfrm>
-          <a:prstGeom prst="rect">
-            <a:avLst/>
-          </a:prstGeom>
-        </p:spPr>
-      </p:pic>
-      <p:pic>
-        <p:nvPicPr>
-          <p:cNvPr id="25" name="Picture 24">
-            <a:extLst>
-              <a:ext uri="{FF2B5EF4-FFF2-40B4-BE49-F238E27FC236}">
-                <a16:creationId xmlns:a16="http://schemas.microsoft.com/office/drawing/2014/main" id="{6458FE3E-35B7-46E3-B23A-3811F5C23447}"/>
-              </a:ext>
-            </a:extLst>
-          </p:cNvPr>
-          <p:cNvPicPr>
-            <a:picLocks noChangeAspect="1"/>
-          </p:cNvPicPr>
-          <p:nvPr/>
-        </p:nvPicPr>
-        <p:blipFill rotWithShape="1">
-          <a:blip r:embed="rId2"/>
-          <a:srcRect l="64425" t="4141" r="4793"/>
-          <a:stretch/>
-        </p:blipFill>
-        <p:spPr>
-          <a:xfrm>
-            <a:off x="6565902" y="4366654"/>
-            <a:ext cx="889000" cy="1299509"/>
-          </a:xfrm>
-          <a:prstGeom prst="rect">
-            <a:avLst/>
-          </a:prstGeom>
-        </p:spPr>
-      </p:pic>
-      <p:sp>
-        <p:nvSpPr>
-          <p:cNvPr id="28" name="TextBox 27">
-            <a:extLst>
-              <a:ext uri="{FF2B5EF4-FFF2-40B4-BE49-F238E27FC236}">
-                <a16:creationId xmlns:a16="http://schemas.microsoft.com/office/drawing/2014/main" id="{4F5ED995-D48F-4950-A5F5-EBDFB195C150}"/>
-              </a:ext>
-            </a:extLst>
-          </p:cNvPr>
-          <p:cNvSpPr txBox="1"/>
-          <p:nvPr/>
-        </p:nvSpPr>
-        <p:spPr>
-          <a:xfrm>
-            <a:off x="8675370" y="6488668"/>
-            <a:ext cx="4385310" cy="369332"/>
-          </a:xfrm>
-          <a:prstGeom prst="rect">
-            <a:avLst/>
-          </a:prstGeom>
-          <a:noFill/>
-        </p:spPr>
-        <p:txBody>
-          <a:bodyPr wrap="square" rtlCol="0">
-            <a:spAutoFit/>
-          </a:bodyPr>
-          <a:lstStyle/>
-          <a:p>
-            <a:r>
-              <a:rPr lang="en-US" dirty="0">
-                <a:solidFill>
-                  <a:schemeClr val="bg1"/>
-                </a:solidFill>
-              </a:rPr>
-              <a:t>NB: More cards are being designed</a:t>
-            </a:r>
-          </a:p>
-        </p:txBody>
-      </p:sp>
     </p:spTree>
     <p:extLst>
       <p:ext uri="{BB962C8B-B14F-4D97-AF65-F5344CB8AC3E}">
-        <p14:creationId xmlns:p14="http://schemas.microsoft.com/office/powerpoint/2010/main" val="2598631425"/>
+        <p14:creationId xmlns:p14="http://schemas.microsoft.com/office/powerpoint/2010/main" val="4280949769"/>
       </p:ext>
     </p:extLst>
   </p:cSld>
@@ -7174,7 +7517,7 @@
                 </a:solidFill>
                 <a:latin typeface="Abadi" panose="020B0604020202020204" pitchFamily="34" charset="0"/>
               </a:rPr>
-              <a:t>Cooking</a:t>
+              <a:t>Meals</a:t>
             </a:r>
             <a:endParaRPr lang="en-NZ" sz="8000" b="1" dirty="0">
               <a:solidFill>
@@ -7185,6 +7528,36 @@
           </a:p>
         </p:txBody>
       </p:sp>
+      <p:pic>
+        <p:nvPicPr>
+          <p:cNvPr id="19" name="Picture 18">
+            <a:extLst>
+              <a:ext uri="{FF2B5EF4-FFF2-40B4-BE49-F238E27FC236}">
+                <a16:creationId xmlns:a16="http://schemas.microsoft.com/office/drawing/2014/main" id="{92C96E4D-3309-450B-843D-6ED6D81F23A0}"/>
+              </a:ext>
+            </a:extLst>
+          </p:cNvPr>
+          <p:cNvPicPr>
+            <a:picLocks noChangeAspect="1"/>
+          </p:cNvPicPr>
+          <p:nvPr/>
+        </p:nvPicPr>
+        <p:blipFill>
+          <a:blip r:embed="rId2"/>
+          <a:stretch>
+            <a:fillRect/>
+          </a:stretch>
+        </p:blipFill>
+        <p:spPr>
+          <a:xfrm>
+            <a:off x="2329087" y="3018828"/>
+            <a:ext cx="1112571" cy="1143475"/>
+          </a:xfrm>
+          <a:prstGeom prst="rect">
+            <a:avLst/>
+          </a:prstGeom>
+        </p:spPr>
+      </p:pic>
       <p:sp>
         <p:nvSpPr>
           <p:cNvPr id="2" name="TextBox 1">
@@ -7199,8 +7572,8 @@
         </p:nvSpPr>
         <p:spPr>
           <a:xfrm>
-            <a:off x="4415790" y="2980290"/>
-            <a:ext cx="5063490" cy="1754326"/>
+            <a:off x="5406390" y="2483022"/>
+            <a:ext cx="5063490" cy="1200329"/>
           </a:xfrm>
           <a:prstGeom prst="rect">
             <a:avLst/>
@@ -7223,7 +7596,7 @@
                   <a:schemeClr val="bg1"/>
                 </a:solidFill>
               </a:rPr>
-              <a:t>When used on an obstacle tile, will create a meal</a:t>
+              <a:t>Not naturally generated</a:t>
             </a:r>
           </a:p>
           <a:p>
@@ -7237,7 +7610,7 @@
                   <a:schemeClr val="bg1"/>
                 </a:solidFill>
               </a:rPr>
-              <a:t>The directional arrows on the card indicate which adjacent food tiles will be used in the meal</a:t>
+              <a:t>Made by playing cards which combine tiles</a:t>
             </a:r>
           </a:p>
           <a:p>
@@ -7251,7 +7624,7 @@
                   <a:schemeClr val="bg1"/>
                 </a:solidFill>
               </a:rPr>
-              <a:t>If those tiles do not contain food, they will be ignored, and won’t give points</a:t>
+              <a:t>Can be fed to the customer to get points</a:t>
             </a:r>
           </a:p>
           <a:p>
@@ -7265,7 +7638,7 @@
                   <a:schemeClr val="bg1"/>
                 </a:solidFill>
               </a:rPr>
-              <a:t>Light purple colour</a:t>
+              <a:t>Dark purple Colour</a:t>
             </a:r>
           </a:p>
         </p:txBody>
@@ -7285,7 +7658,7 @@
           <p:nvPr/>
         </p:nvPicPr>
         <p:blipFill rotWithShape="1">
-          <a:blip r:embed="rId2"/>
+          <a:blip r:embed="rId3"/>
           <a:srcRect r="2211" b="1745"/>
           <a:stretch/>
         </p:blipFill>
@@ -7305,66 +7678,6 @@
             <a:extLst>
               <a:ext uri="{FF2B5EF4-FFF2-40B4-BE49-F238E27FC236}">
                 <a16:creationId xmlns:a16="http://schemas.microsoft.com/office/drawing/2014/main" id="{349CE3C8-C939-4558-8A55-95C37D187978}"/>
-              </a:ext>
-            </a:extLst>
-          </p:cNvPr>
-          <p:cNvPicPr>
-            <a:picLocks noChangeAspect="1"/>
-          </p:cNvPicPr>
-          <p:nvPr/>
-        </p:nvPicPr>
-        <p:blipFill>
-          <a:blip r:embed="rId3"/>
-          <a:stretch>
-            <a:fillRect/>
-          </a:stretch>
-        </p:blipFill>
-        <p:spPr>
-          <a:xfrm>
-            <a:off x="11069772" y="523875"/>
-            <a:ext cx="348475" cy="353060"/>
-          </a:xfrm>
-          <a:prstGeom prst="rect">
-            <a:avLst/>
-          </a:prstGeom>
-        </p:spPr>
-      </p:pic>
-      <p:pic>
-        <p:nvPicPr>
-          <p:cNvPr id="15" name="Picture 14">
-            <a:extLst>
-              <a:ext uri="{FF2B5EF4-FFF2-40B4-BE49-F238E27FC236}">
-                <a16:creationId xmlns:a16="http://schemas.microsoft.com/office/drawing/2014/main" id="{BC3A112E-0F59-4916-BC67-B655F1039FA8}"/>
-              </a:ext>
-            </a:extLst>
-          </p:cNvPr>
-          <p:cNvPicPr>
-            <a:picLocks noChangeAspect="1"/>
-          </p:cNvPicPr>
-          <p:nvPr/>
-        </p:nvPicPr>
-        <p:blipFill>
-          <a:blip r:embed="rId3"/>
-          <a:stretch>
-            <a:fillRect/>
-          </a:stretch>
-        </p:blipFill>
-        <p:spPr>
-          <a:xfrm>
-            <a:off x="11064369" y="891587"/>
-            <a:ext cx="348475" cy="353060"/>
-          </a:xfrm>
-          <a:prstGeom prst="rect">
-            <a:avLst/>
-          </a:prstGeom>
-        </p:spPr>
-      </p:pic>
-      <p:pic>
-        <p:nvPicPr>
-          <p:cNvPr id="16" name="Picture 15">
-            <a:extLst>
-              <a:ext uri="{FF2B5EF4-FFF2-40B4-BE49-F238E27FC236}">
-                <a16:creationId xmlns:a16="http://schemas.microsoft.com/office/drawing/2014/main" id="{EF9B9236-BA86-4E9F-9376-6052B2D148C5}"/>
               </a:ext>
             </a:extLst>
           </p:cNvPr>
@@ -7381,8 +7694,8 @@
         </p:blipFill>
         <p:spPr>
           <a:xfrm>
-            <a:off x="11794621" y="891587"/>
-            <a:ext cx="348475" cy="358022"/>
+            <a:off x="11069772" y="523875"/>
+            <a:ext cx="348475" cy="353060"/>
           </a:xfrm>
           <a:prstGeom prst="rect">
             <a:avLst/>
@@ -7391,10 +7704,10 @@
       </p:pic>
       <p:pic>
         <p:nvPicPr>
-          <p:cNvPr id="17" name="Picture 16">
-            <a:extLst>
-              <a:ext uri="{FF2B5EF4-FFF2-40B4-BE49-F238E27FC236}">
-                <a16:creationId xmlns:a16="http://schemas.microsoft.com/office/drawing/2014/main" id="{D4958C36-F975-48B9-A968-A190871C0100}"/>
+          <p:cNvPr id="15" name="Picture 14">
+            <a:extLst>
+              <a:ext uri="{FF2B5EF4-FFF2-40B4-BE49-F238E27FC236}">
+                <a16:creationId xmlns:a16="http://schemas.microsoft.com/office/drawing/2014/main" id="{BC3A112E-0F59-4916-BC67-B655F1039FA8}"/>
               </a:ext>
             </a:extLst>
           </p:cNvPr>
@@ -7411,8 +7724,8 @@
         </p:blipFill>
         <p:spPr>
           <a:xfrm>
-            <a:off x="11794621" y="1265721"/>
-            <a:ext cx="348475" cy="358022"/>
+            <a:off x="11064369" y="891587"/>
+            <a:ext cx="348475" cy="353060"/>
           </a:xfrm>
           <a:prstGeom prst="rect">
             <a:avLst/>
@@ -7421,40 +7734,10 @@
       </p:pic>
       <p:pic>
         <p:nvPicPr>
-          <p:cNvPr id="18" name="Picture 17">
-            <a:extLst>
-              <a:ext uri="{FF2B5EF4-FFF2-40B4-BE49-F238E27FC236}">
-                <a16:creationId xmlns:a16="http://schemas.microsoft.com/office/drawing/2014/main" id="{F5291168-CD6F-4A17-9700-C347C761F043}"/>
-              </a:ext>
-            </a:extLst>
-          </p:cNvPr>
-          <p:cNvPicPr>
-            <a:picLocks noChangeAspect="1"/>
-          </p:cNvPicPr>
-          <p:nvPr/>
-        </p:nvPicPr>
-        <p:blipFill>
-          <a:blip r:embed="rId4"/>
-          <a:stretch>
-            <a:fillRect/>
-          </a:stretch>
-        </p:blipFill>
-        <p:spPr>
-          <a:xfrm>
-            <a:off x="11446146" y="1265721"/>
-            <a:ext cx="348475" cy="358022"/>
-          </a:xfrm>
-          <a:prstGeom prst="rect">
-            <a:avLst/>
-          </a:prstGeom>
-        </p:spPr>
-      </p:pic>
-      <p:pic>
-        <p:nvPicPr>
-          <p:cNvPr id="22" name="Picture 21">
-            <a:extLst>
-              <a:ext uri="{FF2B5EF4-FFF2-40B4-BE49-F238E27FC236}">
-                <a16:creationId xmlns:a16="http://schemas.microsoft.com/office/drawing/2014/main" id="{EBC970C8-A9AD-44F1-B992-CE77079C8915}"/>
+          <p:cNvPr id="16" name="Picture 15">
+            <a:extLst>
+              <a:ext uri="{FF2B5EF4-FFF2-40B4-BE49-F238E27FC236}">
+                <a16:creationId xmlns:a16="http://schemas.microsoft.com/office/drawing/2014/main" id="{EF9B9236-BA86-4E9F-9376-6052B2D148C5}"/>
               </a:ext>
             </a:extLst>
           </p:cNvPr>
@@ -7471,8 +7754,8 @@
         </p:blipFill>
         <p:spPr>
           <a:xfrm>
-            <a:off x="11431987" y="517582"/>
-            <a:ext cx="348475" cy="357893"/>
+            <a:off x="11794621" y="891587"/>
+            <a:ext cx="348475" cy="358022"/>
           </a:xfrm>
           <a:prstGeom prst="rect">
             <a:avLst/>
@@ -7481,10 +7764,70 @@
       </p:pic>
       <p:pic>
         <p:nvPicPr>
-          <p:cNvPr id="23" name="Picture 22">
-            <a:extLst>
-              <a:ext uri="{FF2B5EF4-FFF2-40B4-BE49-F238E27FC236}">
-                <a16:creationId xmlns:a16="http://schemas.microsoft.com/office/drawing/2014/main" id="{FD9FB174-09BE-4E8E-977C-5461B32E56AA}"/>
+          <p:cNvPr id="17" name="Picture 16">
+            <a:extLst>
+              <a:ext uri="{FF2B5EF4-FFF2-40B4-BE49-F238E27FC236}">
+                <a16:creationId xmlns:a16="http://schemas.microsoft.com/office/drawing/2014/main" id="{D4958C36-F975-48B9-A968-A190871C0100}"/>
+              </a:ext>
+            </a:extLst>
+          </p:cNvPr>
+          <p:cNvPicPr>
+            <a:picLocks noChangeAspect="1"/>
+          </p:cNvPicPr>
+          <p:nvPr/>
+        </p:nvPicPr>
+        <p:blipFill>
+          <a:blip r:embed="rId5"/>
+          <a:stretch>
+            <a:fillRect/>
+          </a:stretch>
+        </p:blipFill>
+        <p:spPr>
+          <a:xfrm>
+            <a:off x="11794621" y="1265721"/>
+            <a:ext cx="348475" cy="358022"/>
+          </a:xfrm>
+          <a:prstGeom prst="rect">
+            <a:avLst/>
+          </a:prstGeom>
+        </p:spPr>
+      </p:pic>
+      <p:pic>
+        <p:nvPicPr>
+          <p:cNvPr id="18" name="Picture 17">
+            <a:extLst>
+              <a:ext uri="{FF2B5EF4-FFF2-40B4-BE49-F238E27FC236}">
+                <a16:creationId xmlns:a16="http://schemas.microsoft.com/office/drawing/2014/main" id="{F5291168-CD6F-4A17-9700-C347C761F043}"/>
+              </a:ext>
+            </a:extLst>
+          </p:cNvPr>
+          <p:cNvPicPr>
+            <a:picLocks noChangeAspect="1"/>
+          </p:cNvPicPr>
+          <p:nvPr/>
+        </p:nvPicPr>
+        <p:blipFill>
+          <a:blip r:embed="rId5"/>
+          <a:stretch>
+            <a:fillRect/>
+          </a:stretch>
+        </p:blipFill>
+        <p:spPr>
+          <a:xfrm>
+            <a:off x="11446146" y="1265721"/>
+            <a:ext cx="348475" cy="358022"/>
+          </a:xfrm>
+          <a:prstGeom prst="rect">
+            <a:avLst/>
+          </a:prstGeom>
+        </p:spPr>
+      </p:pic>
+      <p:pic>
+        <p:nvPicPr>
+          <p:cNvPr id="22" name="Picture 21">
+            <a:extLst>
+              <a:ext uri="{FF2B5EF4-FFF2-40B4-BE49-F238E27FC236}">
+                <a16:creationId xmlns:a16="http://schemas.microsoft.com/office/drawing/2014/main" id="{EBC970C8-A9AD-44F1-B992-CE77079C8915}"/>
               </a:ext>
             </a:extLst>
           </p:cNvPr>
@@ -7501,8 +7844,8 @@
         </p:blipFill>
         <p:spPr>
           <a:xfrm>
-            <a:off x="11431987" y="889039"/>
-            <a:ext cx="348475" cy="358155"/>
+            <a:off x="11431987" y="517582"/>
+            <a:ext cx="348475" cy="357893"/>
           </a:xfrm>
           <a:prstGeom prst="rect">
             <a:avLst/>
@@ -7511,10 +7854,10 @@
       </p:pic>
       <p:pic>
         <p:nvPicPr>
-          <p:cNvPr id="21" name="Picture 20">
-            <a:extLst>
-              <a:ext uri="{FF2B5EF4-FFF2-40B4-BE49-F238E27FC236}">
-                <a16:creationId xmlns:a16="http://schemas.microsoft.com/office/drawing/2014/main" id="{CEAB6A5F-48BD-42DF-8E46-9FEE82F85DB5}"/>
+          <p:cNvPr id="23" name="Picture 22">
+            <a:extLst>
+              <a:ext uri="{FF2B5EF4-FFF2-40B4-BE49-F238E27FC236}">
+                <a16:creationId xmlns:a16="http://schemas.microsoft.com/office/drawing/2014/main" id="{FD9FB174-09BE-4E8E-977C-5461B32E56AA}"/>
               </a:ext>
             </a:extLst>
           </p:cNvPr>
@@ -7523,44 +7866,16 @@
           </p:cNvPicPr>
           <p:nvPr/>
         </p:nvPicPr>
-        <p:blipFill rotWithShape="1">
-          <a:blip r:embed="rId7"/>
-          <a:srcRect l="3742" t="4141" r="65476"/>
-          <a:stretch/>
+        <p:blipFill>
+          <a:blip r:embed="rId2"/>
+          <a:stretch>
+            <a:fillRect/>
+          </a:stretch>
         </p:blipFill>
         <p:spPr>
           <a:xfrm>
-            <a:off x="2298700" y="3718954"/>
-            <a:ext cx="889000" cy="1299509"/>
-          </a:xfrm>
-          <a:prstGeom prst="rect">
-            <a:avLst/>
-          </a:prstGeom>
-        </p:spPr>
-      </p:pic>
-      <p:pic>
-        <p:nvPicPr>
-          <p:cNvPr id="24" name="Picture 23">
-            <a:extLst>
-              <a:ext uri="{FF2B5EF4-FFF2-40B4-BE49-F238E27FC236}">
-                <a16:creationId xmlns:a16="http://schemas.microsoft.com/office/drawing/2014/main" id="{50909838-5856-43FD-B21F-459BF2B7C90D}"/>
-              </a:ext>
-            </a:extLst>
-          </p:cNvPr>
-          <p:cNvPicPr>
-            <a:picLocks noChangeAspect="1"/>
-          </p:cNvPicPr>
-          <p:nvPr/>
-        </p:nvPicPr>
-        <p:blipFill rotWithShape="1">
-          <a:blip r:embed="rId7"/>
-          <a:srcRect l="3742" t="9132" r="65476"/>
-          <a:stretch/>
-        </p:blipFill>
-        <p:spPr>
-          <a:xfrm>
-            <a:off x="11031032" y="1676400"/>
-            <a:ext cx="284040" cy="393581"/>
+            <a:off x="11431987" y="889039"/>
+            <a:ext cx="348475" cy="358155"/>
           </a:xfrm>
           <a:prstGeom prst="rect">
             <a:avLst/>
@@ -7570,7 +7885,7 @@
     </p:spTree>
     <p:extLst>
       <p:ext uri="{BB962C8B-B14F-4D97-AF65-F5344CB8AC3E}">
-        <p14:creationId xmlns:p14="http://schemas.microsoft.com/office/powerpoint/2010/main" val="2739632303"/>
+        <p14:creationId xmlns:p14="http://schemas.microsoft.com/office/powerpoint/2010/main" val="2072685722"/>
       </p:ext>
     </p:extLst>
   </p:cSld>
@@ -7632,7 +7947,7 @@
                 </a:solidFill>
                 <a:latin typeface="Abadi" panose="020B0604020202020204" pitchFamily="34" charset="0"/>
               </a:rPr>
-              <a:t>Explosives</a:t>
+              <a:t>Cards</a:t>
             </a:r>
             <a:endParaRPr lang="en-NZ" sz="8000" b="1" dirty="0">
               <a:solidFill>
@@ -7645,10 +7960,10 @@
       </p:sp>
       <p:sp>
         <p:nvSpPr>
-          <p:cNvPr id="2" name="TextBox 1">
-            <a:extLst>
-              <a:ext uri="{FF2B5EF4-FFF2-40B4-BE49-F238E27FC236}">
-                <a16:creationId xmlns:a16="http://schemas.microsoft.com/office/drawing/2014/main" id="{CB456621-C0AC-4F41-8357-EFB863813DE8}"/>
+          <p:cNvPr id="30" name="TextBox 29">
+            <a:extLst>
+              <a:ext uri="{FF2B5EF4-FFF2-40B4-BE49-F238E27FC236}">
+                <a16:creationId xmlns:a16="http://schemas.microsoft.com/office/drawing/2014/main" id="{9613C974-FC56-4230-8492-E9455500EE46}"/>
               </a:ext>
             </a:extLst>
           </p:cNvPr>
@@ -7657,8 +7972,8 @@
         </p:nvSpPr>
         <p:spPr>
           <a:xfrm>
-            <a:off x="4415790" y="2980290"/>
-            <a:ext cx="5063490" cy="923330"/>
+            <a:off x="1615440" y="2079924"/>
+            <a:ext cx="4385310" cy="923330"/>
           </a:xfrm>
           <a:prstGeom prst="rect">
             <a:avLst/>
@@ -7671,41 +7986,36 @@
           </a:bodyPr>
           <a:lstStyle/>
           <a:p>
-            <a:pPr marL="285750" indent="-285750">
-              <a:buFontTx/>
-              <a:buChar char="-"/>
-            </a:pPr>
             <a:r>
               <a:rPr lang="en-US" dirty="0">
                 <a:solidFill>
                   <a:schemeClr val="bg1"/>
                 </a:solidFill>
               </a:rPr>
-              <a:t>When used on a tile will destroy it, removing it from the game entirely</a:t>
-            </a:r>
-          </a:p>
-          <a:p>
-            <a:pPr marL="285750" indent="-285750">
-              <a:buFontTx/>
-              <a:buChar char="-"/>
-            </a:pPr>
-            <a:r>
-              <a:rPr lang="en-US" dirty="0">
+              <a:t>Cards are the actions that you have available to you from your hand.</a:t>
+            </a:r>
+            <a:r>
+              <a:rPr lang="en-NZ" dirty="0">
                 <a:solidFill>
                   <a:schemeClr val="bg1"/>
                 </a:solidFill>
               </a:rPr>
-              <a:t>Red Colour</a:t>
-            </a:r>
+              <a:t> Different types of cards have different effects.</a:t>
+            </a:r>
+            <a:endParaRPr lang="en-US" dirty="0">
+              <a:solidFill>
+                <a:schemeClr val="bg1"/>
+              </a:solidFill>
+            </a:endParaRPr>
           </a:p>
         </p:txBody>
       </p:sp>
       <p:pic>
         <p:nvPicPr>
-          <p:cNvPr id="13" name="Picture 12">
-            <a:extLst>
-              <a:ext uri="{FF2B5EF4-FFF2-40B4-BE49-F238E27FC236}">
-                <a16:creationId xmlns:a16="http://schemas.microsoft.com/office/drawing/2014/main" id="{48F15449-842A-4AA6-BB53-0419AF6216B9}"/>
+          <p:cNvPr id="4" name="Picture 3">
+            <a:extLst>
+              <a:ext uri="{FF2B5EF4-FFF2-40B4-BE49-F238E27FC236}">
+                <a16:creationId xmlns:a16="http://schemas.microsoft.com/office/drawing/2014/main" id="{CC9A1191-085A-42A3-8660-5364784D2447}"/>
               </a:ext>
             </a:extLst>
           </p:cNvPr>
@@ -7716,13 +8026,13 @@
         </p:nvPicPr>
         <p:blipFill rotWithShape="1">
           <a:blip r:embed="rId2"/>
-          <a:srcRect r="2211" b="1745"/>
+          <a:srcRect l="3742" t="4141" r="65476"/>
           <a:stretch/>
         </p:blipFill>
         <p:spPr>
           <a:xfrm>
-            <a:off x="11020450" y="2500"/>
-            <a:ext cx="1171550" cy="2077006"/>
+            <a:off x="3111500" y="4633354"/>
+            <a:ext cx="889000" cy="1299509"/>
           </a:xfrm>
           <a:prstGeom prst="rect">
             <a:avLst/>
@@ -7734,7 +8044,7 @@
           <p:cNvPr id="14" name="Picture 13">
             <a:extLst>
               <a:ext uri="{FF2B5EF4-FFF2-40B4-BE49-F238E27FC236}">
-                <a16:creationId xmlns:a16="http://schemas.microsoft.com/office/drawing/2014/main" id="{349CE3C8-C939-4558-8A55-95C37D187978}"/>
+                <a16:creationId xmlns:a16="http://schemas.microsoft.com/office/drawing/2014/main" id="{E2999AF6-0C69-4968-ACFE-106FEE4102A3}"/>
               </a:ext>
             </a:extLst>
           </p:cNvPr>
@@ -7743,16 +8053,15 @@
           </p:cNvPicPr>
           <p:nvPr/>
         </p:nvPicPr>
-        <p:blipFill>
+        <p:blipFill rotWithShape="1">
           <a:blip r:embed="rId3"/>
-          <a:stretch>
-            <a:fillRect/>
-          </a:stretch>
+          <a:srcRect r="2211" b="1745"/>
+          <a:stretch/>
         </p:blipFill>
         <p:spPr>
           <a:xfrm>
-            <a:off x="11069772" y="523875"/>
-            <a:ext cx="348475" cy="353060"/>
+            <a:off x="11020450" y="2500"/>
+            <a:ext cx="1171550" cy="2077006"/>
           </a:xfrm>
           <a:prstGeom prst="rect">
             <a:avLst/>
@@ -7764,37 +8073,7 @@
           <p:cNvPr id="15" name="Picture 14">
             <a:extLst>
               <a:ext uri="{FF2B5EF4-FFF2-40B4-BE49-F238E27FC236}">
-                <a16:creationId xmlns:a16="http://schemas.microsoft.com/office/drawing/2014/main" id="{BC3A112E-0F59-4916-BC67-B655F1039FA8}"/>
-              </a:ext>
-            </a:extLst>
-          </p:cNvPr>
-          <p:cNvPicPr>
-            <a:picLocks noChangeAspect="1"/>
-          </p:cNvPicPr>
-          <p:nvPr/>
-        </p:nvPicPr>
-        <p:blipFill>
-          <a:blip r:embed="rId3"/>
-          <a:stretch>
-            <a:fillRect/>
-          </a:stretch>
-        </p:blipFill>
-        <p:spPr>
-          <a:xfrm>
-            <a:off x="11064369" y="891587"/>
-            <a:ext cx="348475" cy="353060"/>
-          </a:xfrm>
-          <a:prstGeom prst="rect">
-            <a:avLst/>
-          </a:prstGeom>
-        </p:spPr>
-      </p:pic>
-      <p:pic>
-        <p:nvPicPr>
-          <p:cNvPr id="16" name="Picture 15">
-            <a:extLst>
-              <a:ext uri="{FF2B5EF4-FFF2-40B4-BE49-F238E27FC236}">
-                <a16:creationId xmlns:a16="http://schemas.microsoft.com/office/drawing/2014/main" id="{EF9B9236-BA86-4E9F-9376-6052B2D148C5}"/>
+                <a16:creationId xmlns:a16="http://schemas.microsoft.com/office/drawing/2014/main" id="{EA39E3E3-9764-4AAA-A5C4-BCABB821FB89}"/>
               </a:ext>
             </a:extLst>
           </p:cNvPr>
@@ -7811,8 +8090,8 @@
         </p:blipFill>
         <p:spPr>
           <a:xfrm>
-            <a:off x="11794621" y="891587"/>
-            <a:ext cx="348475" cy="358022"/>
+            <a:off x="11069772" y="523875"/>
+            <a:ext cx="348475" cy="353060"/>
           </a:xfrm>
           <a:prstGeom prst="rect">
             <a:avLst/>
@@ -7821,10 +8100,10 @@
       </p:pic>
       <p:pic>
         <p:nvPicPr>
-          <p:cNvPr id="17" name="Picture 16">
-            <a:extLst>
-              <a:ext uri="{FF2B5EF4-FFF2-40B4-BE49-F238E27FC236}">
-                <a16:creationId xmlns:a16="http://schemas.microsoft.com/office/drawing/2014/main" id="{D4958C36-F975-48B9-A968-A190871C0100}"/>
+          <p:cNvPr id="16" name="Picture 15">
+            <a:extLst>
+              <a:ext uri="{FF2B5EF4-FFF2-40B4-BE49-F238E27FC236}">
+                <a16:creationId xmlns:a16="http://schemas.microsoft.com/office/drawing/2014/main" id="{1F267295-8EA3-441B-B5E3-4C8B36EC5EB9}"/>
               </a:ext>
             </a:extLst>
           </p:cNvPr>
@@ -7841,8 +8120,8 @@
         </p:blipFill>
         <p:spPr>
           <a:xfrm>
-            <a:off x="11794621" y="1265721"/>
-            <a:ext cx="348475" cy="358022"/>
+            <a:off x="11064369" y="891587"/>
+            <a:ext cx="348475" cy="353060"/>
           </a:xfrm>
           <a:prstGeom prst="rect">
             <a:avLst/>
@@ -7851,40 +8130,10 @@
       </p:pic>
       <p:pic>
         <p:nvPicPr>
-          <p:cNvPr id="18" name="Picture 17">
-            <a:extLst>
-              <a:ext uri="{FF2B5EF4-FFF2-40B4-BE49-F238E27FC236}">
-                <a16:creationId xmlns:a16="http://schemas.microsoft.com/office/drawing/2014/main" id="{F5291168-CD6F-4A17-9700-C347C761F043}"/>
-              </a:ext>
-            </a:extLst>
-          </p:cNvPr>
-          <p:cNvPicPr>
-            <a:picLocks noChangeAspect="1"/>
-          </p:cNvPicPr>
-          <p:nvPr/>
-        </p:nvPicPr>
-        <p:blipFill>
-          <a:blip r:embed="rId4"/>
-          <a:stretch>
-            <a:fillRect/>
-          </a:stretch>
-        </p:blipFill>
-        <p:spPr>
-          <a:xfrm>
-            <a:off x="11446146" y="1265721"/>
-            <a:ext cx="348475" cy="358022"/>
-          </a:xfrm>
-          <a:prstGeom prst="rect">
-            <a:avLst/>
-          </a:prstGeom>
-        </p:spPr>
-      </p:pic>
-      <p:pic>
-        <p:nvPicPr>
-          <p:cNvPr id="22" name="Picture 21">
-            <a:extLst>
-              <a:ext uri="{FF2B5EF4-FFF2-40B4-BE49-F238E27FC236}">
-                <a16:creationId xmlns:a16="http://schemas.microsoft.com/office/drawing/2014/main" id="{EBC970C8-A9AD-44F1-B992-CE77079C8915}"/>
+          <p:cNvPr id="17" name="Picture 16">
+            <a:extLst>
+              <a:ext uri="{FF2B5EF4-FFF2-40B4-BE49-F238E27FC236}">
+                <a16:creationId xmlns:a16="http://schemas.microsoft.com/office/drawing/2014/main" id="{FF90D0C7-2C8F-4E42-B555-ED319776496F}"/>
               </a:ext>
             </a:extLst>
           </p:cNvPr>
@@ -7901,8 +8150,68 @@
         </p:blipFill>
         <p:spPr>
           <a:xfrm>
-            <a:off x="11431987" y="517582"/>
-            <a:ext cx="348475" cy="357893"/>
+            <a:off x="11794621" y="891587"/>
+            <a:ext cx="348475" cy="358022"/>
+          </a:xfrm>
+          <a:prstGeom prst="rect">
+            <a:avLst/>
+          </a:prstGeom>
+        </p:spPr>
+      </p:pic>
+      <p:pic>
+        <p:nvPicPr>
+          <p:cNvPr id="18" name="Picture 17">
+            <a:extLst>
+              <a:ext uri="{FF2B5EF4-FFF2-40B4-BE49-F238E27FC236}">
+                <a16:creationId xmlns:a16="http://schemas.microsoft.com/office/drawing/2014/main" id="{9E772EE4-8B43-4932-86B7-E55B03772D8F}"/>
+              </a:ext>
+            </a:extLst>
+          </p:cNvPr>
+          <p:cNvPicPr>
+            <a:picLocks noChangeAspect="1"/>
+          </p:cNvPicPr>
+          <p:nvPr/>
+        </p:nvPicPr>
+        <p:blipFill>
+          <a:blip r:embed="rId5"/>
+          <a:stretch>
+            <a:fillRect/>
+          </a:stretch>
+        </p:blipFill>
+        <p:spPr>
+          <a:xfrm>
+            <a:off x="11794621" y="1265721"/>
+            <a:ext cx="348475" cy="358022"/>
+          </a:xfrm>
+          <a:prstGeom prst="rect">
+            <a:avLst/>
+          </a:prstGeom>
+        </p:spPr>
+      </p:pic>
+      <p:pic>
+        <p:nvPicPr>
+          <p:cNvPr id="22" name="Picture 21">
+            <a:extLst>
+              <a:ext uri="{FF2B5EF4-FFF2-40B4-BE49-F238E27FC236}">
+                <a16:creationId xmlns:a16="http://schemas.microsoft.com/office/drawing/2014/main" id="{F9416794-D172-40F1-A390-0C1A105B4E93}"/>
+              </a:ext>
+            </a:extLst>
+          </p:cNvPr>
+          <p:cNvPicPr>
+            <a:picLocks noChangeAspect="1"/>
+          </p:cNvPicPr>
+          <p:nvPr/>
+        </p:nvPicPr>
+        <p:blipFill>
+          <a:blip r:embed="rId5"/>
+          <a:stretch>
+            <a:fillRect/>
+          </a:stretch>
+        </p:blipFill>
+        <p:spPr>
+          <a:xfrm>
+            <a:off x="11446146" y="1265721"/>
+            <a:ext cx="348475" cy="358022"/>
           </a:xfrm>
           <a:prstGeom prst="rect">
             <a:avLst/>
@@ -7914,7 +8223,7 @@
           <p:cNvPr id="23" name="Picture 22">
             <a:extLst>
               <a:ext uri="{FF2B5EF4-FFF2-40B4-BE49-F238E27FC236}">
-                <a16:creationId xmlns:a16="http://schemas.microsoft.com/office/drawing/2014/main" id="{FD9FB174-09BE-4E8E-977C-5461B32E56AA}"/>
+                <a16:creationId xmlns:a16="http://schemas.microsoft.com/office/drawing/2014/main" id="{356A135F-BA61-4638-8D89-DB8769F71DE8}"/>
               </a:ext>
             </a:extLst>
           </p:cNvPr>
@@ -7931,37 +8240,8 @@
         </p:blipFill>
         <p:spPr>
           <a:xfrm>
-            <a:off x="11431987" y="889039"/>
-            <a:ext cx="348475" cy="358155"/>
-          </a:xfrm>
-          <a:prstGeom prst="rect">
-            <a:avLst/>
-          </a:prstGeom>
-        </p:spPr>
-      </p:pic>
-      <p:pic>
-        <p:nvPicPr>
-          <p:cNvPr id="21" name="Picture 20">
-            <a:extLst>
-              <a:ext uri="{FF2B5EF4-FFF2-40B4-BE49-F238E27FC236}">
-                <a16:creationId xmlns:a16="http://schemas.microsoft.com/office/drawing/2014/main" id="{CEAB6A5F-48BD-42DF-8E46-9FEE82F85DB5}"/>
-              </a:ext>
-            </a:extLst>
-          </p:cNvPr>
-          <p:cNvPicPr>
-            <a:picLocks noChangeAspect="1"/>
-          </p:cNvPicPr>
-          <p:nvPr/>
-        </p:nvPicPr>
-        <p:blipFill rotWithShape="1">
-          <a:blip r:embed="rId7"/>
-          <a:srcRect l="65438" t="4141" r="4088"/>
-          <a:stretch/>
-        </p:blipFill>
-        <p:spPr>
-          <a:xfrm>
-            <a:off x="2125980" y="3493185"/>
-            <a:ext cx="880110" cy="1299509"/>
+            <a:off x="11431987" y="517582"/>
+            <a:ext cx="348475" cy="357893"/>
           </a:xfrm>
           <a:prstGeom prst="rect">
             <a:avLst/>
@@ -7973,7 +8253,7 @@
           <p:cNvPr id="24" name="Picture 23">
             <a:extLst>
               <a:ext uri="{FF2B5EF4-FFF2-40B4-BE49-F238E27FC236}">
-                <a16:creationId xmlns:a16="http://schemas.microsoft.com/office/drawing/2014/main" id="{50909838-5856-43FD-B21F-459BF2B7C90D}"/>
+                <a16:creationId xmlns:a16="http://schemas.microsoft.com/office/drawing/2014/main" id="{8196C7C1-C4BD-437C-A681-4D9BA2611288}"/>
               </a:ext>
             </a:extLst>
           </p:cNvPr>
@@ -7982,15 +8262,45 @@
           </p:cNvPicPr>
           <p:nvPr/>
         </p:nvPicPr>
+        <p:blipFill>
+          <a:blip r:embed="rId7"/>
+          <a:stretch>
+            <a:fillRect/>
+          </a:stretch>
+        </p:blipFill>
+        <p:spPr>
+          <a:xfrm>
+            <a:off x="11431987" y="889039"/>
+            <a:ext cx="348475" cy="358155"/>
+          </a:xfrm>
+          <a:prstGeom prst="rect">
+            <a:avLst/>
+          </a:prstGeom>
+        </p:spPr>
+      </p:pic>
+      <p:pic>
+        <p:nvPicPr>
+          <p:cNvPr id="25" name="Picture 24">
+            <a:extLst>
+              <a:ext uri="{FF2B5EF4-FFF2-40B4-BE49-F238E27FC236}">
+                <a16:creationId xmlns:a16="http://schemas.microsoft.com/office/drawing/2014/main" id="{6458FE3E-35B7-46E3-B23A-3811F5C23447}"/>
+              </a:ext>
+            </a:extLst>
+          </p:cNvPr>
+          <p:cNvPicPr>
+            <a:picLocks noChangeAspect="1"/>
+          </p:cNvPicPr>
+          <p:nvPr/>
+        </p:nvPicPr>
         <p:blipFill rotWithShape="1">
-          <a:blip r:embed="rId7"/>
-          <a:srcRect l="35366" t="9132" r="4764"/>
+          <a:blip r:embed="rId2"/>
+          <a:srcRect l="64425" t="4141" r="4793"/>
           <a:stretch/>
         </p:blipFill>
         <p:spPr>
           <a:xfrm>
-            <a:off x="11034738" y="1673559"/>
-            <a:ext cx="552450" cy="393581"/>
+            <a:off x="6565902" y="4366654"/>
+            <a:ext cx="889000" cy="1299509"/>
           </a:xfrm>
           <a:prstGeom prst="rect">
             <a:avLst/>
@@ -7999,10 +8309,10 @@
       </p:pic>
       <p:sp>
         <p:nvSpPr>
-          <p:cNvPr id="3" name="TextBox 2">
-            <a:extLst>
-              <a:ext uri="{FF2B5EF4-FFF2-40B4-BE49-F238E27FC236}">
-                <a16:creationId xmlns:a16="http://schemas.microsoft.com/office/drawing/2014/main" id="{484944AF-3748-444B-83BA-5EBE05BE02AA}"/>
+          <p:cNvPr id="28" name="TextBox 27">
+            <a:extLst>
+              <a:ext uri="{FF2B5EF4-FFF2-40B4-BE49-F238E27FC236}">
+                <a16:creationId xmlns:a16="http://schemas.microsoft.com/office/drawing/2014/main" id="{4F5ED995-D48F-4950-A5F5-EBDFB195C150}"/>
               </a:ext>
             </a:extLst>
           </p:cNvPr>
@@ -8011,8 +8321,8 @@
         </p:nvSpPr>
         <p:spPr>
           <a:xfrm>
-            <a:off x="9052560" y="6488668"/>
-            <a:ext cx="3230822" cy="369332"/>
+            <a:off x="8675370" y="6488668"/>
+            <a:ext cx="4385310" cy="369332"/>
           </a:xfrm>
           <a:prstGeom prst="rect">
             <a:avLst/>
@@ -8031,28 +8341,15 @@
                   <a:schemeClr val="bg1"/>
                 </a:solidFill>
               </a:rPr>
-              <a:t>NB: This card will be </a:t>
-            </a:r>
-            <a:r>
-              <a:rPr lang="en-US" dirty="0" err="1">
-                <a:solidFill>
-                  <a:schemeClr val="bg1"/>
-                </a:solidFill>
-              </a:rPr>
-              <a:t>reflavoured</a:t>
-            </a:r>
-            <a:endParaRPr lang="en-NZ" dirty="0">
-              <a:solidFill>
-                <a:schemeClr val="bg1"/>
-              </a:solidFill>
-            </a:endParaRPr>
+              <a:t>NB: More cards are being designed</a:t>
+            </a:r>
           </a:p>
         </p:txBody>
       </p:sp>
     </p:spTree>
     <p:extLst>
       <p:ext uri="{BB962C8B-B14F-4D97-AF65-F5344CB8AC3E}">
-        <p14:creationId xmlns:p14="http://schemas.microsoft.com/office/powerpoint/2010/main" val="1733680375"/>
+        <p14:creationId xmlns:p14="http://schemas.microsoft.com/office/powerpoint/2010/main" val="2598631425"/>
       </p:ext>
     </p:extLst>
   </p:cSld>
